--- a/rslides/img/syntax.pptx
+++ b/rslides/img/syntax.pptx
@@ -16,6 +16,7 @@
     <p:sldId id="264" r:id="rId10"/>
     <p:sldId id="265" r:id="rId11"/>
     <p:sldId id="266" r:id="rId12"/>
+    <p:sldId id="267" r:id="rId13"/>
   </p:sldIdLst>
   <p:sldSz cx="12192000" cy="6858000"/>
   <p:notesSz cx="6858000" cy="9144000"/>
@@ -269,7 +270,7 @@
           <a:p>
             <a:fld id="{725C22C8-53FC-4A32-BD54-17F623330BA0}" type="datetimeFigureOut">
               <a:rPr lang="en-US" smtClean="0"/>
-              <a:t>6/14/2022</a:t>
+              <a:t>6/16/2022</a:t>
             </a:fld>
             <a:endParaRPr lang="en-US"/>
           </a:p>
@@ -467,7 +468,7 @@
           <a:p>
             <a:fld id="{725C22C8-53FC-4A32-BD54-17F623330BA0}" type="datetimeFigureOut">
               <a:rPr lang="en-US" smtClean="0"/>
-              <a:t>6/14/2022</a:t>
+              <a:t>6/16/2022</a:t>
             </a:fld>
             <a:endParaRPr lang="en-US"/>
           </a:p>
@@ -675,7 +676,7 @@
           <a:p>
             <a:fld id="{725C22C8-53FC-4A32-BD54-17F623330BA0}" type="datetimeFigureOut">
               <a:rPr lang="en-US" smtClean="0"/>
-              <a:t>6/14/2022</a:t>
+              <a:t>6/16/2022</a:t>
             </a:fld>
             <a:endParaRPr lang="en-US"/>
           </a:p>
@@ -873,7 +874,7 @@
           <a:p>
             <a:fld id="{725C22C8-53FC-4A32-BD54-17F623330BA0}" type="datetimeFigureOut">
               <a:rPr lang="en-US" smtClean="0"/>
-              <a:t>6/14/2022</a:t>
+              <a:t>6/16/2022</a:t>
             </a:fld>
             <a:endParaRPr lang="en-US"/>
           </a:p>
@@ -1148,7 +1149,7 @@
           <a:p>
             <a:fld id="{725C22C8-53FC-4A32-BD54-17F623330BA0}" type="datetimeFigureOut">
               <a:rPr lang="en-US" smtClean="0"/>
-              <a:t>6/14/2022</a:t>
+              <a:t>6/16/2022</a:t>
             </a:fld>
             <a:endParaRPr lang="en-US"/>
           </a:p>
@@ -1413,7 +1414,7 @@
           <a:p>
             <a:fld id="{725C22C8-53FC-4A32-BD54-17F623330BA0}" type="datetimeFigureOut">
               <a:rPr lang="en-US" smtClean="0"/>
-              <a:t>6/14/2022</a:t>
+              <a:t>6/16/2022</a:t>
             </a:fld>
             <a:endParaRPr lang="en-US"/>
           </a:p>
@@ -1825,7 +1826,7 @@
           <a:p>
             <a:fld id="{725C22C8-53FC-4A32-BD54-17F623330BA0}" type="datetimeFigureOut">
               <a:rPr lang="en-US" smtClean="0"/>
-              <a:t>6/14/2022</a:t>
+              <a:t>6/16/2022</a:t>
             </a:fld>
             <a:endParaRPr lang="en-US"/>
           </a:p>
@@ -1966,7 +1967,7 @@
           <a:p>
             <a:fld id="{725C22C8-53FC-4A32-BD54-17F623330BA0}" type="datetimeFigureOut">
               <a:rPr lang="en-US" smtClean="0"/>
-              <a:t>6/14/2022</a:t>
+              <a:t>6/16/2022</a:t>
             </a:fld>
             <a:endParaRPr lang="en-US"/>
           </a:p>
@@ -2079,7 +2080,7 @@
           <a:p>
             <a:fld id="{725C22C8-53FC-4A32-BD54-17F623330BA0}" type="datetimeFigureOut">
               <a:rPr lang="en-US" smtClean="0"/>
-              <a:t>6/14/2022</a:t>
+              <a:t>6/16/2022</a:t>
             </a:fld>
             <a:endParaRPr lang="en-US"/>
           </a:p>
@@ -2390,7 +2391,7 @@
           <a:p>
             <a:fld id="{725C22C8-53FC-4A32-BD54-17F623330BA0}" type="datetimeFigureOut">
               <a:rPr lang="en-US" smtClean="0"/>
-              <a:t>6/14/2022</a:t>
+              <a:t>6/16/2022</a:t>
             </a:fld>
             <a:endParaRPr lang="en-US"/>
           </a:p>
@@ -2678,7 +2679,7 @@
           <a:p>
             <a:fld id="{725C22C8-53FC-4A32-BD54-17F623330BA0}" type="datetimeFigureOut">
               <a:rPr lang="en-US" smtClean="0"/>
-              <a:t>6/14/2022</a:t>
+              <a:t>6/16/2022</a:t>
             </a:fld>
             <a:endParaRPr lang="en-US"/>
           </a:p>
@@ -2919,7 +2920,7 @@
           <a:p>
             <a:fld id="{725C22C8-53FC-4A32-BD54-17F623330BA0}" type="datetimeFigureOut">
               <a:rPr lang="en-US" smtClean="0"/>
-              <a:t>6/14/2022</a:t>
+              <a:t>6/16/2022</a:t>
             </a:fld>
             <a:endParaRPr lang="en-US"/>
           </a:p>
@@ -5005,6 +5006,348 @@
 </p:sld>
 </file>
 
+<file path=ppt/slides/slide12.xml><?xml version="1.0" encoding="utf-8"?>
+<p:sld xmlns:a="http://schemas.openxmlformats.org/drawingml/2006/main" xmlns:r="http://schemas.openxmlformats.org/officeDocument/2006/relationships" xmlns:p="http://schemas.openxmlformats.org/presentationml/2006/main">
+  <p:cSld>
+    <p:spTree>
+      <p:nvGrpSpPr>
+        <p:cNvPr id="1" name=""/>
+        <p:cNvGrpSpPr/>
+        <p:nvPr/>
+      </p:nvGrpSpPr>
+      <p:grpSpPr>
+        <a:xfrm>
+          <a:off x="0" y="0"/>
+          <a:ext cx="0" cy="0"/>
+          <a:chOff x="0" y="0"/>
+          <a:chExt cx="0" cy="0"/>
+        </a:xfrm>
+      </p:grpSpPr>
+      <p:sp>
+        <p:nvSpPr>
+          <p:cNvPr id="2" name="TextBox 1">
+            <a:extLst>
+              <a:ext uri="{FF2B5EF4-FFF2-40B4-BE49-F238E27FC236}">
+                <a16:creationId xmlns:a16="http://schemas.microsoft.com/office/drawing/2014/main" id="{6C400A63-0659-569E-8FAA-D1F2F246CB2F}"/>
+              </a:ext>
+            </a:extLst>
+          </p:cNvPr>
+          <p:cNvSpPr txBox="1"/>
+          <p:nvPr/>
+        </p:nvSpPr>
+        <p:spPr>
+          <a:xfrm>
+            <a:off x="355600" y="812800"/>
+            <a:ext cx="2937933" cy="523220"/>
+          </a:xfrm>
+          <a:prstGeom prst="rect">
+            <a:avLst/>
+          </a:prstGeom>
+          <a:noFill/>
+        </p:spPr>
+        <p:txBody>
+          <a:bodyPr wrap="square" rtlCol="0">
+            <a:spAutoFit/>
+          </a:bodyPr>
+          <a:lstStyle/>
+          <a:p>
+            <a:r>
+              <a:rPr lang="en-US" dirty="0"/>
+              <a:t> </a:t>
+            </a:r>
+            <a:r>
+              <a:rPr lang="en-US" sz="2800" dirty="0"/>
+              <a:t>class(x)</a:t>
+            </a:r>
+          </a:p>
+        </p:txBody>
+      </p:sp>
+      <p:cxnSp>
+        <p:nvCxnSpPr>
+          <p:cNvPr id="6" name="Connector: Elbow 5">
+            <a:extLst>
+              <a:ext uri="{FF2B5EF4-FFF2-40B4-BE49-F238E27FC236}">
+                <a16:creationId xmlns:a16="http://schemas.microsoft.com/office/drawing/2014/main" id="{93AAA1EF-E6A6-9265-4773-53A42BCAC740}"/>
+              </a:ext>
+            </a:extLst>
+          </p:cNvPr>
+          <p:cNvCxnSpPr>
+            <a:cxnSpLocks/>
+          </p:cNvCxnSpPr>
+          <p:nvPr/>
+        </p:nvCxnSpPr>
+        <p:spPr>
+          <a:xfrm>
+            <a:off x="1397000" y="1270000"/>
+            <a:ext cx="651933" cy="523219"/>
+          </a:xfrm>
+          <a:prstGeom prst="bentConnector3">
+            <a:avLst>
+              <a:gd name="adj1" fmla="val -1948"/>
+            </a:avLst>
+          </a:prstGeom>
+          <a:ln>
+            <a:tailEnd type="triangle"/>
+          </a:ln>
+        </p:spPr>
+        <p:style>
+          <a:lnRef idx="3">
+            <a:schemeClr val="accent2"/>
+          </a:lnRef>
+          <a:fillRef idx="0">
+            <a:schemeClr val="accent2"/>
+          </a:fillRef>
+          <a:effectRef idx="2">
+            <a:schemeClr val="accent2"/>
+          </a:effectRef>
+          <a:fontRef idx="minor">
+            <a:schemeClr val="tx1"/>
+          </a:fontRef>
+        </p:style>
+      </p:cxnSp>
+      <p:sp>
+        <p:nvSpPr>
+          <p:cNvPr id="14" name="TextBox 13">
+            <a:extLst>
+              <a:ext uri="{FF2B5EF4-FFF2-40B4-BE49-F238E27FC236}">
+                <a16:creationId xmlns:a16="http://schemas.microsoft.com/office/drawing/2014/main" id="{CE58EFC0-3548-5269-5F2C-CA2A5F3D36F1}"/>
+              </a:ext>
+            </a:extLst>
+          </p:cNvPr>
+          <p:cNvSpPr txBox="1"/>
+          <p:nvPr/>
+        </p:nvSpPr>
+        <p:spPr>
+          <a:xfrm>
+            <a:off x="2048933" y="1608553"/>
+            <a:ext cx="2277533" cy="369332"/>
+          </a:xfrm>
+          <a:prstGeom prst="rect">
+            <a:avLst/>
+          </a:prstGeom>
+          <a:noFill/>
+        </p:spPr>
+        <p:txBody>
+          <a:bodyPr wrap="square" rtlCol="0">
+            <a:spAutoFit/>
+          </a:bodyPr>
+          <a:lstStyle/>
+          <a:p>
+            <a:r>
+              <a:rPr lang="en-US" dirty="0"/>
+              <a:t>X = an R object</a:t>
+            </a:r>
+          </a:p>
+        </p:txBody>
+      </p:sp>
+      <p:sp>
+        <p:nvSpPr>
+          <p:cNvPr id="20" name="TextBox 19">
+            <a:extLst>
+              <a:ext uri="{FF2B5EF4-FFF2-40B4-BE49-F238E27FC236}">
+                <a16:creationId xmlns:a16="http://schemas.microsoft.com/office/drawing/2014/main" id="{473659ED-9C36-96F3-5040-43992EE6565F}"/>
+              </a:ext>
+            </a:extLst>
+          </p:cNvPr>
+          <p:cNvSpPr txBox="1"/>
+          <p:nvPr/>
+        </p:nvSpPr>
+        <p:spPr>
+          <a:xfrm>
+            <a:off x="3979334" y="812800"/>
+            <a:ext cx="4165599" cy="523220"/>
+          </a:xfrm>
+          <a:prstGeom prst="rect">
+            <a:avLst/>
+          </a:prstGeom>
+          <a:noFill/>
+        </p:spPr>
+        <p:txBody>
+          <a:bodyPr wrap="square" rtlCol="0">
+            <a:spAutoFit/>
+          </a:bodyPr>
+          <a:lstStyle/>
+          <a:p>
+            <a:r>
+              <a:rPr lang="en-US" dirty="0"/>
+              <a:t> </a:t>
+            </a:r>
+            <a:r>
+              <a:rPr lang="en-US" sz="2800" dirty="0"/>
+              <a:t>mean(x, na.rm = FALSE)</a:t>
+            </a:r>
+          </a:p>
+        </p:txBody>
+      </p:sp>
+      <p:cxnSp>
+        <p:nvCxnSpPr>
+          <p:cNvPr id="21" name="Connector: Elbow 20">
+            <a:extLst>
+              <a:ext uri="{FF2B5EF4-FFF2-40B4-BE49-F238E27FC236}">
+                <a16:creationId xmlns:a16="http://schemas.microsoft.com/office/drawing/2014/main" id="{C00C9A25-1B9C-5897-D7B0-B32A14FFDF90}"/>
+              </a:ext>
+            </a:extLst>
+          </p:cNvPr>
+          <p:cNvCxnSpPr>
+            <a:cxnSpLocks/>
+          </p:cNvCxnSpPr>
+          <p:nvPr/>
+        </p:nvCxnSpPr>
+        <p:spPr>
+          <a:xfrm>
+            <a:off x="5122333" y="1269999"/>
+            <a:ext cx="651933" cy="523219"/>
+          </a:xfrm>
+          <a:prstGeom prst="bentConnector3">
+            <a:avLst>
+              <a:gd name="adj1" fmla="val -1948"/>
+            </a:avLst>
+          </a:prstGeom>
+          <a:ln>
+            <a:tailEnd type="triangle"/>
+          </a:ln>
+        </p:spPr>
+        <p:style>
+          <a:lnRef idx="3">
+            <a:schemeClr val="accent2"/>
+          </a:lnRef>
+          <a:fillRef idx="0">
+            <a:schemeClr val="accent2"/>
+          </a:fillRef>
+          <a:effectRef idx="2">
+            <a:schemeClr val="accent2"/>
+          </a:effectRef>
+          <a:fontRef idx="minor">
+            <a:schemeClr val="tx1"/>
+          </a:fontRef>
+        </p:style>
+      </p:cxnSp>
+      <p:sp>
+        <p:nvSpPr>
+          <p:cNvPr id="22" name="TextBox 21">
+            <a:extLst>
+              <a:ext uri="{FF2B5EF4-FFF2-40B4-BE49-F238E27FC236}">
+                <a16:creationId xmlns:a16="http://schemas.microsoft.com/office/drawing/2014/main" id="{EA14903C-B353-0D60-0DA2-7661832C731B}"/>
+              </a:ext>
+            </a:extLst>
+          </p:cNvPr>
+          <p:cNvSpPr txBox="1"/>
+          <p:nvPr/>
+        </p:nvSpPr>
+        <p:spPr>
+          <a:xfrm>
+            <a:off x="5774266" y="1608553"/>
+            <a:ext cx="2277533" cy="369332"/>
+          </a:xfrm>
+          <a:prstGeom prst="rect">
+            <a:avLst/>
+          </a:prstGeom>
+          <a:noFill/>
+        </p:spPr>
+        <p:txBody>
+          <a:bodyPr wrap="square" rtlCol="0">
+            <a:spAutoFit/>
+          </a:bodyPr>
+          <a:lstStyle/>
+          <a:p>
+            <a:r>
+              <a:rPr lang="en-US" dirty="0"/>
+              <a:t>X = an R object</a:t>
+            </a:r>
+          </a:p>
+        </p:txBody>
+      </p:sp>
+      <p:cxnSp>
+        <p:nvCxnSpPr>
+          <p:cNvPr id="23" name="Connector: Elbow 22">
+            <a:extLst>
+              <a:ext uri="{FF2B5EF4-FFF2-40B4-BE49-F238E27FC236}">
+                <a16:creationId xmlns:a16="http://schemas.microsoft.com/office/drawing/2014/main" id="{B18BE7D9-F2A6-48C0-17A9-64A67D97D3FC}"/>
+              </a:ext>
+            </a:extLst>
+          </p:cNvPr>
+          <p:cNvCxnSpPr>
+            <a:cxnSpLocks/>
+          </p:cNvCxnSpPr>
+          <p:nvPr/>
+        </p:nvCxnSpPr>
+        <p:spPr>
+          <a:xfrm>
+            <a:off x="5935133" y="1210677"/>
+            <a:ext cx="1888066" cy="320931"/>
+          </a:xfrm>
+          <a:prstGeom prst="bentConnector3">
+            <a:avLst>
+              <a:gd name="adj1" fmla="val -673"/>
+            </a:avLst>
+          </a:prstGeom>
+          <a:ln>
+            <a:tailEnd type="triangle"/>
+          </a:ln>
+        </p:spPr>
+        <p:style>
+          <a:lnRef idx="3">
+            <a:schemeClr val="accent2"/>
+          </a:lnRef>
+          <a:fillRef idx="0">
+            <a:schemeClr val="accent2"/>
+          </a:fillRef>
+          <a:effectRef idx="2">
+            <a:schemeClr val="accent2"/>
+          </a:effectRef>
+          <a:fontRef idx="minor">
+            <a:schemeClr val="tx1"/>
+          </a:fontRef>
+        </p:style>
+      </p:cxnSp>
+      <p:sp>
+        <p:nvSpPr>
+          <p:cNvPr id="28" name="TextBox 27">
+            <a:extLst>
+              <a:ext uri="{FF2B5EF4-FFF2-40B4-BE49-F238E27FC236}">
+                <a16:creationId xmlns:a16="http://schemas.microsoft.com/office/drawing/2014/main" id="{75AB65B1-1F9F-EF4B-65B7-4AC4165FCAC6}"/>
+              </a:ext>
+            </a:extLst>
+          </p:cNvPr>
+          <p:cNvSpPr txBox="1"/>
+          <p:nvPr/>
+        </p:nvSpPr>
+        <p:spPr>
+          <a:xfrm>
+            <a:off x="7823199" y="1336020"/>
+            <a:ext cx="2277533" cy="1200329"/>
+          </a:xfrm>
+          <a:prstGeom prst="rect">
+            <a:avLst/>
+          </a:prstGeom>
+          <a:noFill/>
+        </p:spPr>
+        <p:txBody>
+          <a:bodyPr wrap="square" rtlCol="0">
+            <a:spAutoFit/>
+          </a:bodyPr>
+          <a:lstStyle/>
+          <a:p>
+            <a:r>
+              <a:rPr lang="en-US" dirty="0"/>
+              <a:t>na.rm is an argument that can be set to TRUE or FALSE. The default is FALSE</a:t>
+            </a:r>
+          </a:p>
+        </p:txBody>
+      </p:sp>
+    </p:spTree>
+    <p:extLst>
+      <p:ext uri="{BB962C8B-B14F-4D97-AF65-F5344CB8AC3E}">
+        <p14:creationId xmlns:p14="http://schemas.microsoft.com/office/powerpoint/2010/main" val="4039629376"/>
+      </p:ext>
+    </p:extLst>
+  </p:cSld>
+  <p:clrMapOvr>
+    <a:masterClrMapping/>
+  </p:clrMapOvr>
+</p:sld>
+</file>
+
 <file path=ppt/slides/slide2.xml><?xml version="1.0" encoding="utf-8"?>
 <p:sld xmlns:a="http://schemas.openxmlformats.org/drawingml/2006/main" xmlns:r="http://schemas.openxmlformats.org/officeDocument/2006/relationships" xmlns:p="http://schemas.openxmlformats.org/presentationml/2006/main">
   <p:cSld>

--- a/rslides/img/syntax.pptx
+++ b/rslides/img/syntax.pptx
@@ -17,6 +17,10 @@
     <p:sldId id="265" r:id="rId11"/>
     <p:sldId id="266" r:id="rId12"/>
     <p:sldId id="267" r:id="rId13"/>
+    <p:sldId id="268" r:id="rId14"/>
+    <p:sldId id="270" r:id="rId15"/>
+    <p:sldId id="271" r:id="rId16"/>
+    <p:sldId id="272" r:id="rId17"/>
   </p:sldIdLst>
   <p:sldSz cx="12192000" cy="6858000"/>
   <p:notesSz cx="6858000" cy="9144000"/>
@@ -270,7 +274,7 @@
           <a:p>
             <a:fld id="{725C22C8-53FC-4A32-BD54-17F623330BA0}" type="datetimeFigureOut">
               <a:rPr lang="en-US" smtClean="0"/>
-              <a:t>6/16/2022</a:t>
+              <a:t>6/17/2022</a:t>
             </a:fld>
             <a:endParaRPr lang="en-US"/>
           </a:p>
@@ -468,7 +472,7 @@
           <a:p>
             <a:fld id="{725C22C8-53FC-4A32-BD54-17F623330BA0}" type="datetimeFigureOut">
               <a:rPr lang="en-US" smtClean="0"/>
-              <a:t>6/16/2022</a:t>
+              <a:t>6/17/2022</a:t>
             </a:fld>
             <a:endParaRPr lang="en-US"/>
           </a:p>
@@ -676,7 +680,7 @@
           <a:p>
             <a:fld id="{725C22C8-53FC-4A32-BD54-17F623330BA0}" type="datetimeFigureOut">
               <a:rPr lang="en-US" smtClean="0"/>
-              <a:t>6/16/2022</a:t>
+              <a:t>6/17/2022</a:t>
             </a:fld>
             <a:endParaRPr lang="en-US"/>
           </a:p>
@@ -874,7 +878,7 @@
           <a:p>
             <a:fld id="{725C22C8-53FC-4A32-BD54-17F623330BA0}" type="datetimeFigureOut">
               <a:rPr lang="en-US" smtClean="0"/>
-              <a:t>6/16/2022</a:t>
+              <a:t>6/17/2022</a:t>
             </a:fld>
             <a:endParaRPr lang="en-US"/>
           </a:p>
@@ -1149,7 +1153,7 @@
           <a:p>
             <a:fld id="{725C22C8-53FC-4A32-BD54-17F623330BA0}" type="datetimeFigureOut">
               <a:rPr lang="en-US" smtClean="0"/>
-              <a:t>6/16/2022</a:t>
+              <a:t>6/17/2022</a:t>
             </a:fld>
             <a:endParaRPr lang="en-US"/>
           </a:p>
@@ -1414,7 +1418,7 @@
           <a:p>
             <a:fld id="{725C22C8-53FC-4A32-BD54-17F623330BA0}" type="datetimeFigureOut">
               <a:rPr lang="en-US" smtClean="0"/>
-              <a:t>6/16/2022</a:t>
+              <a:t>6/17/2022</a:t>
             </a:fld>
             <a:endParaRPr lang="en-US"/>
           </a:p>
@@ -1826,7 +1830,7 @@
           <a:p>
             <a:fld id="{725C22C8-53FC-4A32-BD54-17F623330BA0}" type="datetimeFigureOut">
               <a:rPr lang="en-US" smtClean="0"/>
-              <a:t>6/16/2022</a:t>
+              <a:t>6/17/2022</a:t>
             </a:fld>
             <a:endParaRPr lang="en-US"/>
           </a:p>
@@ -1967,7 +1971,7 @@
           <a:p>
             <a:fld id="{725C22C8-53FC-4A32-BD54-17F623330BA0}" type="datetimeFigureOut">
               <a:rPr lang="en-US" smtClean="0"/>
-              <a:t>6/16/2022</a:t>
+              <a:t>6/17/2022</a:t>
             </a:fld>
             <a:endParaRPr lang="en-US"/>
           </a:p>
@@ -2080,7 +2084,7 @@
           <a:p>
             <a:fld id="{725C22C8-53FC-4A32-BD54-17F623330BA0}" type="datetimeFigureOut">
               <a:rPr lang="en-US" smtClean="0"/>
-              <a:t>6/16/2022</a:t>
+              <a:t>6/17/2022</a:t>
             </a:fld>
             <a:endParaRPr lang="en-US"/>
           </a:p>
@@ -2391,7 +2395,7 @@
           <a:p>
             <a:fld id="{725C22C8-53FC-4A32-BD54-17F623330BA0}" type="datetimeFigureOut">
               <a:rPr lang="en-US" smtClean="0"/>
-              <a:t>6/16/2022</a:t>
+              <a:t>6/17/2022</a:t>
             </a:fld>
             <a:endParaRPr lang="en-US"/>
           </a:p>
@@ -2679,7 +2683,7 @@
           <a:p>
             <a:fld id="{725C22C8-53FC-4A32-BD54-17F623330BA0}" type="datetimeFigureOut">
               <a:rPr lang="en-US" smtClean="0"/>
-              <a:t>6/16/2022</a:t>
+              <a:t>6/17/2022</a:t>
             </a:fld>
             <a:endParaRPr lang="en-US"/>
           </a:p>
@@ -2920,7 +2924,7 @@
           <a:p>
             <a:fld id="{725C22C8-53FC-4A32-BD54-17F623330BA0}" type="datetimeFigureOut">
               <a:rPr lang="en-US" smtClean="0"/>
-              <a:t>6/16/2022</a:t>
+              <a:t>6/17/2022</a:t>
             </a:fld>
             <a:endParaRPr lang="en-US"/>
           </a:p>
@@ -5348,6 +5352,964 @@
 </p:sld>
 </file>
 
+<file path=ppt/slides/slide13.xml><?xml version="1.0" encoding="utf-8"?>
+<p:sld xmlns:a="http://schemas.openxmlformats.org/drawingml/2006/main" xmlns:r="http://schemas.openxmlformats.org/officeDocument/2006/relationships" xmlns:p="http://schemas.openxmlformats.org/presentationml/2006/main">
+  <p:cSld>
+    <p:spTree>
+      <p:nvGrpSpPr>
+        <p:cNvPr id="1" name=""/>
+        <p:cNvGrpSpPr/>
+        <p:nvPr/>
+      </p:nvGrpSpPr>
+      <p:grpSpPr>
+        <a:xfrm>
+          <a:off x="0" y="0"/>
+          <a:ext cx="0" cy="0"/>
+          <a:chOff x="0" y="0"/>
+          <a:chExt cx="0" cy="0"/>
+        </a:xfrm>
+      </p:grpSpPr>
+      <p:pic>
+        <p:nvPicPr>
+          <p:cNvPr id="2" name="Picture 1">
+            <a:extLst>
+              <a:ext uri="{FF2B5EF4-FFF2-40B4-BE49-F238E27FC236}">
+                <a16:creationId xmlns:a16="http://schemas.microsoft.com/office/drawing/2014/main" id="{C847C163-532B-D272-8F23-615747D24F76}"/>
+              </a:ext>
+            </a:extLst>
+          </p:cNvPr>
+          <p:cNvPicPr>
+            <a:picLocks noChangeAspect="1"/>
+          </p:cNvPicPr>
+          <p:nvPr/>
+        </p:nvPicPr>
+        <p:blipFill>
+          <a:blip r:embed="rId2"/>
+          <a:stretch>
+            <a:fillRect/>
+          </a:stretch>
+        </p:blipFill>
+        <p:spPr>
+          <a:xfrm>
+            <a:off x="2666288" y="687224"/>
+            <a:ext cx="7497916" cy="5483551"/>
+          </a:xfrm>
+          <a:prstGeom prst="rect">
+            <a:avLst/>
+          </a:prstGeom>
+        </p:spPr>
+      </p:pic>
+      <p:sp>
+        <p:nvSpPr>
+          <p:cNvPr id="3" name="Oval 2">
+            <a:extLst>
+              <a:ext uri="{FF2B5EF4-FFF2-40B4-BE49-F238E27FC236}">
+                <a16:creationId xmlns:a16="http://schemas.microsoft.com/office/drawing/2014/main" id="{B96C8DE2-F6D1-7840-E0F6-5008C38491A2}"/>
+              </a:ext>
+            </a:extLst>
+          </p:cNvPr>
+          <p:cNvSpPr/>
+          <p:nvPr/>
+        </p:nvSpPr>
+        <p:spPr>
+          <a:xfrm>
+            <a:off x="2298819" y="435836"/>
+            <a:ext cx="4304435" cy="3529413"/>
+          </a:xfrm>
+          <a:prstGeom prst="ellipse">
+            <a:avLst/>
+          </a:prstGeom>
+          <a:noFill/>
+          <a:ln>
+            <a:solidFill>
+              <a:schemeClr val="accent4"/>
+            </a:solidFill>
+          </a:ln>
+        </p:spPr>
+        <p:style>
+          <a:lnRef idx="2">
+            <a:schemeClr val="accent1">
+              <a:shade val="50000"/>
+            </a:schemeClr>
+          </a:lnRef>
+          <a:fillRef idx="1">
+            <a:schemeClr val="accent1"/>
+          </a:fillRef>
+          <a:effectRef idx="0">
+            <a:schemeClr val="accent1"/>
+          </a:effectRef>
+          <a:fontRef idx="minor">
+            <a:schemeClr val="lt1"/>
+          </a:fontRef>
+        </p:style>
+        <p:txBody>
+          <a:bodyPr rtlCol="0" anchor="ctr"/>
+          <a:lstStyle/>
+          <a:p>
+            <a:pPr algn="ctr"/>
+            <a:endParaRPr lang="en-US"/>
+          </a:p>
+        </p:txBody>
+      </p:sp>
+      <p:cxnSp>
+        <p:nvCxnSpPr>
+          <p:cNvPr id="4" name="Connector: Elbow 3">
+            <a:extLst>
+              <a:ext uri="{FF2B5EF4-FFF2-40B4-BE49-F238E27FC236}">
+                <a16:creationId xmlns:a16="http://schemas.microsoft.com/office/drawing/2014/main" id="{690B0C27-B812-B54F-EF18-F16598A6A0A9}"/>
+              </a:ext>
+            </a:extLst>
+          </p:cNvPr>
+          <p:cNvCxnSpPr>
+            <a:cxnSpLocks/>
+          </p:cNvCxnSpPr>
+          <p:nvPr/>
+        </p:nvCxnSpPr>
+        <p:spPr>
+          <a:xfrm>
+            <a:off x="1909748" y="1938932"/>
+            <a:ext cx="651933" cy="523219"/>
+          </a:xfrm>
+          <a:prstGeom prst="bentConnector3">
+            <a:avLst>
+              <a:gd name="adj1" fmla="val -1948"/>
+            </a:avLst>
+          </a:prstGeom>
+          <a:ln>
+            <a:tailEnd type="triangle"/>
+          </a:ln>
+        </p:spPr>
+        <p:style>
+          <a:lnRef idx="3">
+            <a:schemeClr val="accent2"/>
+          </a:lnRef>
+          <a:fillRef idx="0">
+            <a:schemeClr val="accent2"/>
+          </a:fillRef>
+          <a:effectRef idx="2">
+            <a:schemeClr val="accent2"/>
+          </a:effectRef>
+          <a:fontRef idx="minor">
+            <a:schemeClr val="tx1"/>
+          </a:fontRef>
+        </p:style>
+      </p:cxnSp>
+      <p:sp>
+        <p:nvSpPr>
+          <p:cNvPr id="5" name="TextBox 4">
+            <a:extLst>
+              <a:ext uri="{FF2B5EF4-FFF2-40B4-BE49-F238E27FC236}">
+                <a16:creationId xmlns:a16="http://schemas.microsoft.com/office/drawing/2014/main" id="{B3BD1134-D539-B7C5-24EC-A376FB61A674}"/>
+              </a:ext>
+            </a:extLst>
+          </p:cNvPr>
+          <p:cNvSpPr txBox="1"/>
+          <p:nvPr/>
+        </p:nvSpPr>
+        <p:spPr>
+          <a:xfrm>
+            <a:off x="1239139" y="1273323"/>
+            <a:ext cx="1322541" cy="646331"/>
+          </a:xfrm>
+          <a:prstGeom prst="rect">
+            <a:avLst/>
+          </a:prstGeom>
+          <a:noFill/>
+        </p:spPr>
+        <p:txBody>
+          <a:bodyPr wrap="square" rtlCol="0">
+            <a:spAutoFit/>
+          </a:bodyPr>
+          <a:lstStyle/>
+          <a:p>
+            <a:pPr algn="ctr"/>
+            <a:r>
+              <a:rPr lang="en-US" dirty="0"/>
+              <a:t>Write code here</a:t>
+            </a:r>
+          </a:p>
+        </p:txBody>
+      </p:sp>
+      <p:cxnSp>
+        <p:nvCxnSpPr>
+          <p:cNvPr id="6" name="Connector: Elbow 5">
+            <a:extLst>
+              <a:ext uri="{FF2B5EF4-FFF2-40B4-BE49-F238E27FC236}">
+                <a16:creationId xmlns:a16="http://schemas.microsoft.com/office/drawing/2014/main" id="{6C2D9743-03EC-5814-8013-1AFEE8A32B1B}"/>
+              </a:ext>
+            </a:extLst>
+          </p:cNvPr>
+          <p:cNvCxnSpPr>
+            <a:cxnSpLocks/>
+          </p:cNvCxnSpPr>
+          <p:nvPr/>
+        </p:nvCxnSpPr>
+        <p:spPr>
+          <a:xfrm>
+            <a:off x="1830620" y="4836457"/>
+            <a:ext cx="651933" cy="523219"/>
+          </a:xfrm>
+          <a:prstGeom prst="bentConnector3">
+            <a:avLst>
+              <a:gd name="adj1" fmla="val -1948"/>
+            </a:avLst>
+          </a:prstGeom>
+          <a:ln>
+            <a:tailEnd type="triangle"/>
+          </a:ln>
+        </p:spPr>
+        <p:style>
+          <a:lnRef idx="3">
+            <a:schemeClr val="accent2"/>
+          </a:lnRef>
+          <a:fillRef idx="0">
+            <a:schemeClr val="accent2"/>
+          </a:fillRef>
+          <a:effectRef idx="2">
+            <a:schemeClr val="accent2"/>
+          </a:effectRef>
+          <a:fontRef idx="minor">
+            <a:schemeClr val="tx1"/>
+          </a:fontRef>
+        </p:style>
+      </p:cxnSp>
+      <p:sp>
+        <p:nvSpPr>
+          <p:cNvPr id="7" name="TextBox 6">
+            <a:extLst>
+              <a:ext uri="{FF2B5EF4-FFF2-40B4-BE49-F238E27FC236}">
+                <a16:creationId xmlns:a16="http://schemas.microsoft.com/office/drawing/2014/main" id="{1B6DF4AB-4835-9FEE-41E9-64A25FCC9075}"/>
+              </a:ext>
+            </a:extLst>
+          </p:cNvPr>
+          <p:cNvSpPr txBox="1"/>
+          <p:nvPr/>
+        </p:nvSpPr>
+        <p:spPr>
+          <a:xfrm>
+            <a:off x="1169349" y="4098515"/>
+            <a:ext cx="1322541" cy="646331"/>
+          </a:xfrm>
+          <a:prstGeom prst="rect">
+            <a:avLst/>
+          </a:prstGeom>
+          <a:noFill/>
+        </p:spPr>
+        <p:txBody>
+          <a:bodyPr wrap="square" rtlCol="0">
+            <a:spAutoFit/>
+          </a:bodyPr>
+          <a:lstStyle/>
+          <a:p>
+            <a:pPr algn="ctr"/>
+            <a:r>
+              <a:rPr lang="en-US" dirty="0"/>
+              <a:t>Don’t write code here</a:t>
+            </a:r>
+          </a:p>
+        </p:txBody>
+      </p:sp>
+    </p:spTree>
+    <p:extLst>
+      <p:ext uri="{BB962C8B-B14F-4D97-AF65-F5344CB8AC3E}">
+        <p14:creationId xmlns:p14="http://schemas.microsoft.com/office/powerpoint/2010/main" val="1124605202"/>
+      </p:ext>
+    </p:extLst>
+  </p:cSld>
+  <p:clrMapOvr>
+    <a:masterClrMapping/>
+  </p:clrMapOvr>
+</p:sld>
+</file>
+
+<file path=ppt/slides/slide14.xml><?xml version="1.0" encoding="utf-8"?>
+<p:sld xmlns:a="http://schemas.openxmlformats.org/drawingml/2006/main" xmlns:r="http://schemas.openxmlformats.org/officeDocument/2006/relationships" xmlns:p="http://schemas.openxmlformats.org/presentationml/2006/main">
+  <p:cSld>
+    <p:spTree>
+      <p:nvGrpSpPr>
+        <p:cNvPr id="1" name=""/>
+        <p:cNvGrpSpPr/>
+        <p:nvPr/>
+      </p:nvGrpSpPr>
+      <p:grpSpPr>
+        <a:xfrm>
+          <a:off x="0" y="0"/>
+          <a:ext cx="0" cy="0"/>
+          <a:chOff x="0" y="0"/>
+          <a:chExt cx="0" cy="0"/>
+        </a:xfrm>
+      </p:grpSpPr>
+      <p:pic>
+        <p:nvPicPr>
+          <p:cNvPr id="3" name="Picture 2">
+            <a:extLst>
+              <a:ext uri="{FF2B5EF4-FFF2-40B4-BE49-F238E27FC236}">
+                <a16:creationId xmlns:a16="http://schemas.microsoft.com/office/drawing/2014/main" id="{FB30AE59-C99E-3ED8-FBE6-0ACB8C7616F5}"/>
+              </a:ext>
+            </a:extLst>
+          </p:cNvPr>
+          <p:cNvPicPr>
+            <a:picLocks noChangeAspect="1"/>
+          </p:cNvPicPr>
+          <p:nvPr/>
+        </p:nvPicPr>
+        <p:blipFill>
+          <a:blip r:embed="rId2"/>
+          <a:stretch>
+            <a:fillRect/>
+          </a:stretch>
+        </p:blipFill>
+        <p:spPr>
+          <a:xfrm>
+            <a:off x="2480733" y="916412"/>
+            <a:ext cx="7457350" cy="5584847"/>
+          </a:xfrm>
+          <a:prstGeom prst="rect">
+            <a:avLst/>
+          </a:prstGeom>
+        </p:spPr>
+      </p:pic>
+      <p:cxnSp>
+        <p:nvCxnSpPr>
+          <p:cNvPr id="6" name="Straight Arrow Connector 5">
+            <a:extLst>
+              <a:ext uri="{FF2B5EF4-FFF2-40B4-BE49-F238E27FC236}">
+                <a16:creationId xmlns:a16="http://schemas.microsoft.com/office/drawing/2014/main" id="{1F87EFFD-9D84-2B14-679C-CE6E817A4947}"/>
+              </a:ext>
+            </a:extLst>
+          </p:cNvPr>
+          <p:cNvCxnSpPr>
+            <a:cxnSpLocks/>
+          </p:cNvCxnSpPr>
+          <p:nvPr/>
+        </p:nvCxnSpPr>
+        <p:spPr>
+          <a:xfrm>
+            <a:off x="5009340" y="713553"/>
+            <a:ext cx="0" cy="1145571"/>
+          </a:xfrm>
+          <a:prstGeom prst="straightConnector1">
+            <a:avLst/>
+          </a:prstGeom>
+          <a:ln>
+            <a:tailEnd type="triangle"/>
+          </a:ln>
+        </p:spPr>
+        <p:style>
+          <a:lnRef idx="3">
+            <a:schemeClr val="accent4"/>
+          </a:lnRef>
+          <a:fillRef idx="0">
+            <a:schemeClr val="accent4"/>
+          </a:fillRef>
+          <a:effectRef idx="2">
+            <a:schemeClr val="accent4"/>
+          </a:effectRef>
+          <a:fontRef idx="minor">
+            <a:schemeClr val="tx1"/>
+          </a:fontRef>
+        </p:style>
+      </p:cxnSp>
+      <p:sp>
+        <p:nvSpPr>
+          <p:cNvPr id="11" name="TextBox 10">
+            <a:extLst>
+              <a:ext uri="{FF2B5EF4-FFF2-40B4-BE49-F238E27FC236}">
+                <a16:creationId xmlns:a16="http://schemas.microsoft.com/office/drawing/2014/main" id="{26699E84-42D6-A056-C784-99E3947172A4}"/>
+              </a:ext>
+            </a:extLst>
+          </p:cNvPr>
+          <p:cNvSpPr txBox="1"/>
+          <p:nvPr/>
+        </p:nvSpPr>
+        <p:spPr>
+          <a:xfrm>
+            <a:off x="4546849" y="374999"/>
+            <a:ext cx="1395812" cy="338554"/>
+          </a:xfrm>
+          <a:prstGeom prst="rect">
+            <a:avLst/>
+          </a:prstGeom>
+          <a:noFill/>
+        </p:spPr>
+        <p:txBody>
+          <a:bodyPr wrap="square" rtlCol="0">
+            <a:spAutoFit/>
+          </a:bodyPr>
+          <a:lstStyle/>
+          <a:p>
+            <a:r>
+              <a:rPr lang="en-US" sz="1600" dirty="0"/>
+              <a:t>Run syntax</a:t>
+            </a:r>
+          </a:p>
+        </p:txBody>
+      </p:sp>
+      <p:cxnSp>
+        <p:nvCxnSpPr>
+          <p:cNvPr id="20" name="Straight Arrow Connector 19">
+            <a:extLst>
+              <a:ext uri="{FF2B5EF4-FFF2-40B4-BE49-F238E27FC236}">
+                <a16:creationId xmlns:a16="http://schemas.microsoft.com/office/drawing/2014/main" id="{0FF22C36-DE2E-714D-D5E2-B664F440AF37}"/>
+              </a:ext>
+            </a:extLst>
+          </p:cNvPr>
+          <p:cNvCxnSpPr>
+            <a:cxnSpLocks/>
+          </p:cNvCxnSpPr>
+          <p:nvPr/>
+        </p:nvCxnSpPr>
+        <p:spPr>
+          <a:xfrm>
+            <a:off x="1881223" y="4761125"/>
+            <a:ext cx="675829" cy="0"/>
+          </a:xfrm>
+          <a:prstGeom prst="straightConnector1">
+            <a:avLst/>
+          </a:prstGeom>
+          <a:ln>
+            <a:tailEnd type="triangle"/>
+          </a:ln>
+        </p:spPr>
+        <p:style>
+          <a:lnRef idx="3">
+            <a:schemeClr val="accent4"/>
+          </a:lnRef>
+          <a:fillRef idx="0">
+            <a:schemeClr val="accent4"/>
+          </a:fillRef>
+          <a:effectRef idx="2">
+            <a:schemeClr val="accent4"/>
+          </a:effectRef>
+          <a:fontRef idx="minor">
+            <a:schemeClr val="tx1"/>
+          </a:fontRef>
+        </p:style>
+      </p:cxnSp>
+      <p:sp>
+        <p:nvSpPr>
+          <p:cNvPr id="21" name="TextBox 20">
+            <a:extLst>
+              <a:ext uri="{FF2B5EF4-FFF2-40B4-BE49-F238E27FC236}">
+                <a16:creationId xmlns:a16="http://schemas.microsoft.com/office/drawing/2014/main" id="{77346AC6-9471-071D-6340-6786C0BDF454}"/>
+              </a:ext>
+            </a:extLst>
+          </p:cNvPr>
+          <p:cNvSpPr txBox="1"/>
+          <p:nvPr/>
+        </p:nvSpPr>
+        <p:spPr>
+          <a:xfrm>
+            <a:off x="1030978" y="4591848"/>
+            <a:ext cx="966387" cy="338554"/>
+          </a:xfrm>
+          <a:prstGeom prst="rect">
+            <a:avLst/>
+          </a:prstGeom>
+          <a:noFill/>
+        </p:spPr>
+        <p:txBody>
+          <a:bodyPr wrap="square" rtlCol="0">
+            <a:spAutoFit/>
+          </a:bodyPr>
+          <a:lstStyle/>
+          <a:p>
+            <a:r>
+              <a:rPr lang="en-US" sz="1600" dirty="0"/>
+              <a:t>Output</a:t>
+            </a:r>
+          </a:p>
+        </p:txBody>
+      </p:sp>
+      <p:cxnSp>
+        <p:nvCxnSpPr>
+          <p:cNvPr id="15" name="Straight Arrow Connector 14">
+            <a:extLst>
+              <a:ext uri="{FF2B5EF4-FFF2-40B4-BE49-F238E27FC236}">
+                <a16:creationId xmlns:a16="http://schemas.microsoft.com/office/drawing/2014/main" id="{F1675253-EA8B-3584-6782-B954773F722F}"/>
+              </a:ext>
+            </a:extLst>
+          </p:cNvPr>
+          <p:cNvCxnSpPr>
+            <a:cxnSpLocks/>
+          </p:cNvCxnSpPr>
+          <p:nvPr/>
+        </p:nvCxnSpPr>
+        <p:spPr>
+          <a:xfrm>
+            <a:off x="1881223" y="4615791"/>
+            <a:ext cx="675829" cy="0"/>
+          </a:xfrm>
+          <a:prstGeom prst="straightConnector1">
+            <a:avLst/>
+          </a:prstGeom>
+          <a:ln>
+            <a:tailEnd type="triangle"/>
+          </a:ln>
+        </p:spPr>
+        <p:style>
+          <a:lnRef idx="3">
+            <a:schemeClr val="accent4"/>
+          </a:lnRef>
+          <a:fillRef idx="0">
+            <a:schemeClr val="accent4"/>
+          </a:fillRef>
+          <a:effectRef idx="2">
+            <a:schemeClr val="accent4"/>
+          </a:effectRef>
+          <a:fontRef idx="minor">
+            <a:schemeClr val="tx1"/>
+          </a:fontRef>
+        </p:style>
+      </p:cxnSp>
+      <p:sp>
+        <p:nvSpPr>
+          <p:cNvPr id="16" name="TextBox 15">
+            <a:extLst>
+              <a:ext uri="{FF2B5EF4-FFF2-40B4-BE49-F238E27FC236}">
+                <a16:creationId xmlns:a16="http://schemas.microsoft.com/office/drawing/2014/main" id="{C39CBEAF-23B3-4658-0BDF-F61814F2E470}"/>
+              </a:ext>
+            </a:extLst>
+          </p:cNvPr>
+          <p:cNvSpPr txBox="1"/>
+          <p:nvPr/>
+        </p:nvSpPr>
+        <p:spPr>
+          <a:xfrm>
+            <a:off x="279401" y="4387245"/>
+            <a:ext cx="1669556" cy="338554"/>
+          </a:xfrm>
+          <a:prstGeom prst="rect">
+            <a:avLst/>
+          </a:prstGeom>
+          <a:noFill/>
+        </p:spPr>
+        <p:txBody>
+          <a:bodyPr wrap="square" rtlCol="0">
+            <a:spAutoFit/>
+          </a:bodyPr>
+          <a:lstStyle/>
+          <a:p>
+            <a:r>
+              <a:rPr lang="en-US" sz="1600" dirty="0"/>
+              <a:t>The code you ran</a:t>
+            </a:r>
+          </a:p>
+        </p:txBody>
+      </p:sp>
+    </p:spTree>
+    <p:extLst>
+      <p:ext uri="{BB962C8B-B14F-4D97-AF65-F5344CB8AC3E}">
+        <p14:creationId xmlns:p14="http://schemas.microsoft.com/office/powerpoint/2010/main" val="1309550878"/>
+      </p:ext>
+    </p:extLst>
+  </p:cSld>
+  <p:clrMapOvr>
+    <a:masterClrMapping/>
+  </p:clrMapOvr>
+</p:sld>
+</file>
+
+<file path=ppt/slides/slide15.xml><?xml version="1.0" encoding="utf-8"?>
+<p:sld xmlns:a="http://schemas.openxmlformats.org/drawingml/2006/main" xmlns:r="http://schemas.openxmlformats.org/officeDocument/2006/relationships" xmlns:p="http://schemas.openxmlformats.org/presentationml/2006/main">
+  <p:cSld>
+    <p:spTree>
+      <p:nvGrpSpPr>
+        <p:cNvPr id="1" name=""/>
+        <p:cNvGrpSpPr/>
+        <p:nvPr/>
+      </p:nvGrpSpPr>
+      <p:grpSpPr>
+        <a:xfrm>
+          <a:off x="0" y="0"/>
+          <a:ext cx="0" cy="0"/>
+          <a:chOff x="0" y="0"/>
+          <a:chExt cx="0" cy="0"/>
+        </a:xfrm>
+      </p:grpSpPr>
+      <p:pic>
+        <p:nvPicPr>
+          <p:cNvPr id="3" name="Picture 2">
+            <a:extLst>
+              <a:ext uri="{FF2B5EF4-FFF2-40B4-BE49-F238E27FC236}">
+                <a16:creationId xmlns:a16="http://schemas.microsoft.com/office/drawing/2014/main" id="{C6364D0D-60F5-A3D5-7EF4-CB02ECC560AE}"/>
+              </a:ext>
+            </a:extLst>
+          </p:cNvPr>
+          <p:cNvPicPr>
+            <a:picLocks noChangeAspect="1"/>
+          </p:cNvPicPr>
+          <p:nvPr/>
+        </p:nvPicPr>
+        <p:blipFill>
+          <a:blip r:embed="rId2"/>
+          <a:stretch>
+            <a:fillRect/>
+          </a:stretch>
+        </p:blipFill>
+        <p:spPr>
+          <a:xfrm>
+            <a:off x="2379134" y="584954"/>
+            <a:ext cx="7632122" cy="5688091"/>
+          </a:xfrm>
+          <a:prstGeom prst="rect">
+            <a:avLst/>
+          </a:prstGeom>
+        </p:spPr>
+      </p:pic>
+      <p:cxnSp>
+        <p:nvCxnSpPr>
+          <p:cNvPr id="4" name="Straight Arrow Connector 3">
+            <a:extLst>
+              <a:ext uri="{FF2B5EF4-FFF2-40B4-BE49-F238E27FC236}">
+                <a16:creationId xmlns:a16="http://schemas.microsoft.com/office/drawing/2014/main" id="{9ACAEE93-8323-B3A2-ADA1-701678EFC762}"/>
+              </a:ext>
+            </a:extLst>
+          </p:cNvPr>
+          <p:cNvCxnSpPr>
+            <a:cxnSpLocks/>
+          </p:cNvCxnSpPr>
+          <p:nvPr/>
+        </p:nvCxnSpPr>
+        <p:spPr>
+          <a:xfrm>
+            <a:off x="1805024" y="4336389"/>
+            <a:ext cx="675829" cy="0"/>
+          </a:xfrm>
+          <a:prstGeom prst="straightConnector1">
+            <a:avLst/>
+          </a:prstGeom>
+          <a:ln>
+            <a:tailEnd type="triangle"/>
+          </a:ln>
+        </p:spPr>
+        <p:style>
+          <a:lnRef idx="3">
+            <a:schemeClr val="accent4"/>
+          </a:lnRef>
+          <a:fillRef idx="0">
+            <a:schemeClr val="accent4"/>
+          </a:fillRef>
+          <a:effectRef idx="2">
+            <a:schemeClr val="accent4"/>
+          </a:effectRef>
+          <a:fontRef idx="minor">
+            <a:schemeClr val="tx1"/>
+          </a:fontRef>
+        </p:style>
+      </p:cxnSp>
+      <p:sp>
+        <p:nvSpPr>
+          <p:cNvPr id="5" name="TextBox 4">
+            <a:extLst>
+              <a:ext uri="{FF2B5EF4-FFF2-40B4-BE49-F238E27FC236}">
+                <a16:creationId xmlns:a16="http://schemas.microsoft.com/office/drawing/2014/main" id="{AAF6E92C-971C-EA1A-64DC-078F2DDBB188}"/>
+              </a:ext>
+            </a:extLst>
+          </p:cNvPr>
+          <p:cNvSpPr txBox="1"/>
+          <p:nvPr/>
+        </p:nvSpPr>
+        <p:spPr>
+          <a:xfrm>
+            <a:off x="135468" y="4167112"/>
+            <a:ext cx="1669556" cy="338554"/>
+          </a:xfrm>
+          <a:prstGeom prst="rect">
+            <a:avLst/>
+          </a:prstGeom>
+          <a:noFill/>
+        </p:spPr>
+        <p:txBody>
+          <a:bodyPr wrap="square" rtlCol="0">
+            <a:spAutoFit/>
+          </a:bodyPr>
+          <a:lstStyle/>
+          <a:p>
+            <a:r>
+              <a:rPr lang="en-US" sz="1600" dirty="0"/>
+              <a:t>The code you ran</a:t>
+            </a:r>
+          </a:p>
+        </p:txBody>
+      </p:sp>
+      <p:cxnSp>
+        <p:nvCxnSpPr>
+          <p:cNvPr id="6" name="Straight Arrow Connector 5">
+            <a:extLst>
+              <a:ext uri="{FF2B5EF4-FFF2-40B4-BE49-F238E27FC236}">
+                <a16:creationId xmlns:a16="http://schemas.microsoft.com/office/drawing/2014/main" id="{89DEB2F1-7211-DA59-6509-2488D7877C98}"/>
+              </a:ext>
+            </a:extLst>
+          </p:cNvPr>
+          <p:cNvCxnSpPr>
+            <a:cxnSpLocks/>
+          </p:cNvCxnSpPr>
+          <p:nvPr/>
+        </p:nvCxnSpPr>
+        <p:spPr>
+          <a:xfrm flipH="1">
+            <a:off x="7351970" y="2194324"/>
+            <a:ext cx="2943497" cy="0"/>
+          </a:xfrm>
+          <a:prstGeom prst="straightConnector1">
+            <a:avLst/>
+          </a:prstGeom>
+          <a:ln>
+            <a:tailEnd type="triangle"/>
+          </a:ln>
+        </p:spPr>
+        <p:style>
+          <a:lnRef idx="3">
+            <a:schemeClr val="accent4"/>
+          </a:lnRef>
+          <a:fillRef idx="0">
+            <a:schemeClr val="accent4"/>
+          </a:fillRef>
+          <a:effectRef idx="2">
+            <a:schemeClr val="accent4"/>
+          </a:effectRef>
+          <a:fontRef idx="minor">
+            <a:schemeClr val="tx1"/>
+          </a:fontRef>
+        </p:style>
+      </p:cxnSp>
+      <p:sp>
+        <p:nvSpPr>
+          <p:cNvPr id="9" name="TextBox 8">
+            <a:extLst>
+              <a:ext uri="{FF2B5EF4-FFF2-40B4-BE49-F238E27FC236}">
+                <a16:creationId xmlns:a16="http://schemas.microsoft.com/office/drawing/2014/main" id="{5E6DA37C-8AE7-6C57-483B-354E147771F5}"/>
+              </a:ext>
+            </a:extLst>
+          </p:cNvPr>
+          <p:cNvSpPr txBox="1"/>
+          <p:nvPr/>
+        </p:nvSpPr>
+        <p:spPr>
+          <a:xfrm>
+            <a:off x="10295467" y="2025047"/>
+            <a:ext cx="1669556" cy="584775"/>
+          </a:xfrm>
+          <a:prstGeom prst="rect">
+            <a:avLst/>
+          </a:prstGeom>
+          <a:noFill/>
+        </p:spPr>
+        <p:txBody>
+          <a:bodyPr wrap="square" rtlCol="0">
+            <a:spAutoFit/>
+          </a:bodyPr>
+          <a:lstStyle/>
+          <a:p>
+            <a:r>
+              <a:rPr lang="en-US" sz="1600" dirty="0"/>
+              <a:t>The object you created</a:t>
+            </a:r>
+          </a:p>
+        </p:txBody>
+      </p:sp>
+      <p:cxnSp>
+        <p:nvCxnSpPr>
+          <p:cNvPr id="10" name="Straight Arrow Connector 9">
+            <a:extLst>
+              <a:ext uri="{FF2B5EF4-FFF2-40B4-BE49-F238E27FC236}">
+                <a16:creationId xmlns:a16="http://schemas.microsoft.com/office/drawing/2014/main" id="{F711B095-E023-4EC6-D340-3CE57B3FDA51}"/>
+              </a:ext>
+            </a:extLst>
+          </p:cNvPr>
+          <p:cNvCxnSpPr>
+            <a:cxnSpLocks/>
+          </p:cNvCxnSpPr>
+          <p:nvPr/>
+        </p:nvCxnSpPr>
+        <p:spPr>
+          <a:xfrm>
+            <a:off x="1805024" y="2211258"/>
+            <a:ext cx="912024" cy="0"/>
+          </a:xfrm>
+          <a:prstGeom prst="straightConnector1">
+            <a:avLst/>
+          </a:prstGeom>
+          <a:ln>
+            <a:tailEnd type="triangle"/>
+          </a:ln>
+        </p:spPr>
+        <p:style>
+          <a:lnRef idx="3">
+            <a:schemeClr val="accent4"/>
+          </a:lnRef>
+          <a:fillRef idx="0">
+            <a:schemeClr val="accent4"/>
+          </a:fillRef>
+          <a:effectRef idx="2">
+            <a:schemeClr val="accent4"/>
+          </a:effectRef>
+          <a:fontRef idx="minor">
+            <a:schemeClr val="tx1"/>
+          </a:fontRef>
+        </p:style>
+      </p:cxnSp>
+      <p:sp>
+        <p:nvSpPr>
+          <p:cNvPr id="12" name="TextBox 11">
+            <a:extLst>
+              <a:ext uri="{FF2B5EF4-FFF2-40B4-BE49-F238E27FC236}">
+                <a16:creationId xmlns:a16="http://schemas.microsoft.com/office/drawing/2014/main" id="{BD715C49-48E5-2BFA-8198-04EDA19FACA8}"/>
+              </a:ext>
+            </a:extLst>
+          </p:cNvPr>
+          <p:cNvSpPr txBox="1"/>
+          <p:nvPr/>
+        </p:nvSpPr>
+        <p:spPr>
+          <a:xfrm>
+            <a:off x="511188" y="1814958"/>
+            <a:ext cx="1669556" cy="830997"/>
+          </a:xfrm>
+          <a:prstGeom prst="rect">
+            <a:avLst/>
+          </a:prstGeom>
+          <a:noFill/>
+        </p:spPr>
+        <p:txBody>
+          <a:bodyPr wrap="square" rtlCol="0">
+            <a:spAutoFit/>
+          </a:bodyPr>
+          <a:lstStyle/>
+          <a:p>
+            <a:r>
+              <a:rPr lang="en-US" sz="1600" dirty="0"/>
+              <a:t>The object I am assigning my output to</a:t>
+            </a:r>
+          </a:p>
+        </p:txBody>
+      </p:sp>
+    </p:spTree>
+    <p:extLst>
+      <p:ext uri="{BB962C8B-B14F-4D97-AF65-F5344CB8AC3E}">
+        <p14:creationId xmlns:p14="http://schemas.microsoft.com/office/powerpoint/2010/main" val="2026576758"/>
+      </p:ext>
+    </p:extLst>
+  </p:cSld>
+  <p:clrMapOvr>
+    <a:masterClrMapping/>
+  </p:clrMapOvr>
+</p:sld>
+</file>
+
+<file path=ppt/slides/slide16.xml><?xml version="1.0" encoding="utf-8"?>
+<p:sld xmlns:a="http://schemas.openxmlformats.org/drawingml/2006/main" xmlns:r="http://schemas.openxmlformats.org/officeDocument/2006/relationships" xmlns:p="http://schemas.openxmlformats.org/presentationml/2006/main">
+  <p:cSld>
+    <p:spTree>
+      <p:nvGrpSpPr>
+        <p:cNvPr id="1" name=""/>
+        <p:cNvGrpSpPr/>
+        <p:nvPr/>
+      </p:nvGrpSpPr>
+      <p:grpSpPr>
+        <a:xfrm>
+          <a:off x="0" y="0"/>
+          <a:ext cx="0" cy="0"/>
+          <a:chOff x="0" y="0"/>
+          <a:chExt cx="0" cy="0"/>
+        </a:xfrm>
+      </p:grpSpPr>
+      <p:pic>
+        <p:nvPicPr>
+          <p:cNvPr id="3" name="Picture 2">
+            <a:extLst>
+              <a:ext uri="{FF2B5EF4-FFF2-40B4-BE49-F238E27FC236}">
+                <a16:creationId xmlns:a16="http://schemas.microsoft.com/office/drawing/2014/main" id="{0B2DD540-99FE-9C2E-DAFC-507739E5FDC0}"/>
+              </a:ext>
+            </a:extLst>
+          </p:cNvPr>
+          <p:cNvPicPr>
+            <a:picLocks noChangeAspect="1"/>
+          </p:cNvPicPr>
+          <p:nvPr/>
+        </p:nvPicPr>
+        <p:blipFill>
+          <a:blip r:embed="rId2"/>
+          <a:stretch>
+            <a:fillRect/>
+          </a:stretch>
+        </p:blipFill>
+        <p:spPr>
+          <a:xfrm>
+            <a:off x="1946637" y="448733"/>
+            <a:ext cx="8298725" cy="6163733"/>
+          </a:xfrm>
+          <a:prstGeom prst="rect">
+            <a:avLst/>
+          </a:prstGeom>
+        </p:spPr>
+      </p:pic>
+      <p:sp>
+        <p:nvSpPr>
+          <p:cNvPr id="4" name="Oval 3">
+            <a:extLst>
+              <a:ext uri="{FF2B5EF4-FFF2-40B4-BE49-F238E27FC236}">
+                <a16:creationId xmlns:a16="http://schemas.microsoft.com/office/drawing/2014/main" id="{7DECBE9F-C7CA-1DDC-7525-7B4B26275119}"/>
+              </a:ext>
+            </a:extLst>
+          </p:cNvPr>
+          <p:cNvSpPr/>
+          <p:nvPr/>
+        </p:nvSpPr>
+        <p:spPr>
+          <a:xfrm>
+            <a:off x="6266028" y="1718734"/>
+            <a:ext cx="3979334" cy="821266"/>
+          </a:xfrm>
+          <a:prstGeom prst="ellipse">
+            <a:avLst/>
+          </a:prstGeom>
+          <a:noFill/>
+          <a:ln w="57150">
+            <a:solidFill>
+              <a:srgbClr val="FFFF00"/>
+            </a:solidFill>
+          </a:ln>
+        </p:spPr>
+        <p:style>
+          <a:lnRef idx="2">
+            <a:schemeClr val="accent1">
+              <a:shade val="50000"/>
+            </a:schemeClr>
+          </a:lnRef>
+          <a:fillRef idx="1">
+            <a:schemeClr val="accent1"/>
+          </a:fillRef>
+          <a:effectRef idx="0">
+            <a:schemeClr val="accent1"/>
+          </a:effectRef>
+          <a:fontRef idx="minor">
+            <a:schemeClr val="lt1"/>
+          </a:fontRef>
+        </p:style>
+        <p:txBody>
+          <a:bodyPr rtlCol="0" anchor="ctr"/>
+          <a:lstStyle/>
+          <a:p>
+            <a:pPr algn="ctr"/>
+            <a:endParaRPr lang="en-US"/>
+          </a:p>
+        </p:txBody>
+      </p:sp>
+    </p:spTree>
+    <p:extLst>
+      <p:ext uri="{BB962C8B-B14F-4D97-AF65-F5344CB8AC3E}">
+        <p14:creationId xmlns:p14="http://schemas.microsoft.com/office/powerpoint/2010/main" val="1251114015"/>
+      </p:ext>
+    </p:extLst>
+  </p:cSld>
+  <p:clrMapOvr>
+    <a:masterClrMapping/>
+  </p:clrMapOvr>
+</p:sld>
+</file>
+
 <file path=ppt/slides/slide2.xml><?xml version="1.0" encoding="utf-8"?>
 <p:sld xmlns:a="http://schemas.openxmlformats.org/drawingml/2006/main" xmlns:r="http://schemas.openxmlformats.org/officeDocument/2006/relationships" xmlns:p="http://schemas.openxmlformats.org/presentationml/2006/main">
   <p:cSld>

--- a/rslides/img/syntax.pptx
+++ b/rslides/img/syntax.pptx
@@ -21,6 +21,7 @@
     <p:sldId id="270" r:id="rId15"/>
     <p:sldId id="271" r:id="rId16"/>
     <p:sldId id="272" r:id="rId17"/>
+    <p:sldId id="273" r:id="rId18"/>
   </p:sldIdLst>
   <p:sldSz cx="12192000" cy="6858000"/>
   <p:notesSz cx="6858000" cy="9144000"/>
@@ -6310,6 +6311,274 @@
 </p:sld>
 </file>
 
+<file path=ppt/slides/slide17.xml><?xml version="1.0" encoding="utf-8"?>
+<p:sld xmlns:a="http://schemas.openxmlformats.org/drawingml/2006/main" xmlns:r="http://schemas.openxmlformats.org/officeDocument/2006/relationships" xmlns:p="http://schemas.openxmlformats.org/presentationml/2006/main">
+  <p:cSld>
+    <p:spTree>
+      <p:nvGrpSpPr>
+        <p:cNvPr id="1" name=""/>
+        <p:cNvGrpSpPr/>
+        <p:nvPr/>
+      </p:nvGrpSpPr>
+      <p:grpSpPr>
+        <a:xfrm>
+          <a:off x="0" y="0"/>
+          <a:ext cx="0" cy="0"/>
+          <a:chOff x="0" y="0"/>
+          <a:chExt cx="0" cy="0"/>
+        </a:xfrm>
+      </p:grpSpPr>
+      <p:pic>
+        <p:nvPicPr>
+          <p:cNvPr id="3" name="Picture 2">
+            <a:extLst>
+              <a:ext uri="{FF2B5EF4-FFF2-40B4-BE49-F238E27FC236}">
+                <a16:creationId xmlns:a16="http://schemas.microsoft.com/office/drawing/2014/main" id="{42238840-2563-0D78-D5FF-7811A5B8873E}"/>
+              </a:ext>
+            </a:extLst>
+          </p:cNvPr>
+          <p:cNvPicPr>
+            <a:picLocks noChangeAspect="1"/>
+          </p:cNvPicPr>
+          <p:nvPr/>
+        </p:nvPicPr>
+        <p:blipFill>
+          <a:blip r:embed="rId2"/>
+          <a:stretch>
+            <a:fillRect/>
+          </a:stretch>
+        </p:blipFill>
+        <p:spPr>
+          <a:xfrm>
+            <a:off x="328612" y="366712"/>
+            <a:ext cx="11534775" cy="6124575"/>
+          </a:xfrm>
+          <a:prstGeom prst="rect">
+            <a:avLst/>
+          </a:prstGeom>
+        </p:spPr>
+      </p:pic>
+      <p:sp>
+        <p:nvSpPr>
+          <p:cNvPr id="4" name="Oval 3">
+            <a:extLst>
+              <a:ext uri="{FF2B5EF4-FFF2-40B4-BE49-F238E27FC236}">
+                <a16:creationId xmlns:a16="http://schemas.microsoft.com/office/drawing/2014/main" id="{9517E98F-C29C-9225-D260-75C7F7AB7AFE}"/>
+              </a:ext>
+            </a:extLst>
+          </p:cNvPr>
+          <p:cNvSpPr/>
+          <p:nvPr/>
+        </p:nvSpPr>
+        <p:spPr>
+          <a:xfrm>
+            <a:off x="3108960" y="214085"/>
+            <a:ext cx="2046514" cy="3214915"/>
+          </a:xfrm>
+          <a:prstGeom prst="ellipse">
+            <a:avLst/>
+          </a:prstGeom>
+          <a:noFill/>
+          <a:ln w="57150">
+            <a:solidFill>
+              <a:srgbClr val="FFFF00"/>
+            </a:solidFill>
+          </a:ln>
+        </p:spPr>
+        <p:style>
+          <a:lnRef idx="2">
+            <a:schemeClr val="accent1">
+              <a:shade val="50000"/>
+            </a:schemeClr>
+          </a:lnRef>
+          <a:fillRef idx="1">
+            <a:schemeClr val="accent1"/>
+          </a:fillRef>
+          <a:effectRef idx="0">
+            <a:schemeClr val="accent1"/>
+          </a:effectRef>
+          <a:fontRef idx="minor">
+            <a:schemeClr val="lt1"/>
+          </a:fontRef>
+        </p:style>
+        <p:txBody>
+          <a:bodyPr rtlCol="0" anchor="ctr"/>
+          <a:lstStyle/>
+          <a:p>
+            <a:pPr algn="ctr"/>
+            <a:endParaRPr lang="en-US" dirty="0"/>
+          </a:p>
+        </p:txBody>
+      </p:sp>
+      <p:sp>
+        <p:nvSpPr>
+          <p:cNvPr id="5" name="Oval 4">
+            <a:extLst>
+              <a:ext uri="{FF2B5EF4-FFF2-40B4-BE49-F238E27FC236}">
+                <a16:creationId xmlns:a16="http://schemas.microsoft.com/office/drawing/2014/main" id="{2B50B342-D31B-58DC-0560-FEC54B114FB7}"/>
+              </a:ext>
+            </a:extLst>
+          </p:cNvPr>
+          <p:cNvSpPr/>
+          <p:nvPr/>
+        </p:nvSpPr>
+        <p:spPr>
+          <a:xfrm>
+            <a:off x="235373" y="462279"/>
+            <a:ext cx="2255520" cy="5664199"/>
+          </a:xfrm>
+          <a:prstGeom prst="ellipse">
+            <a:avLst/>
+          </a:prstGeom>
+          <a:noFill/>
+          <a:ln w="57150">
+            <a:solidFill>
+              <a:srgbClr val="FFFF00"/>
+            </a:solidFill>
+          </a:ln>
+        </p:spPr>
+        <p:style>
+          <a:lnRef idx="2">
+            <a:schemeClr val="accent1">
+              <a:shade val="50000"/>
+            </a:schemeClr>
+          </a:lnRef>
+          <a:fillRef idx="1">
+            <a:schemeClr val="accent1"/>
+          </a:fillRef>
+          <a:effectRef idx="0">
+            <a:schemeClr val="accent1"/>
+          </a:effectRef>
+          <a:fontRef idx="minor">
+            <a:schemeClr val="lt1"/>
+          </a:fontRef>
+        </p:style>
+        <p:txBody>
+          <a:bodyPr rtlCol="0" anchor="ctr"/>
+          <a:lstStyle/>
+          <a:p>
+            <a:pPr algn="ctr"/>
+            <a:endParaRPr lang="en-US" dirty="0"/>
+          </a:p>
+        </p:txBody>
+      </p:sp>
+      <p:sp>
+        <p:nvSpPr>
+          <p:cNvPr id="6" name="Oval 5">
+            <a:extLst>
+              <a:ext uri="{FF2B5EF4-FFF2-40B4-BE49-F238E27FC236}">
+                <a16:creationId xmlns:a16="http://schemas.microsoft.com/office/drawing/2014/main" id="{4027340F-B922-0601-7E26-6B7F9C350206}"/>
+              </a:ext>
+            </a:extLst>
+          </p:cNvPr>
+          <p:cNvSpPr/>
+          <p:nvPr/>
+        </p:nvSpPr>
+        <p:spPr>
+          <a:xfrm>
+            <a:off x="2861733" y="3188062"/>
+            <a:ext cx="2502747" cy="3214915"/>
+          </a:xfrm>
+          <a:prstGeom prst="ellipse">
+            <a:avLst/>
+          </a:prstGeom>
+          <a:noFill/>
+          <a:ln w="57150">
+            <a:solidFill>
+              <a:srgbClr val="FFFF00"/>
+            </a:solidFill>
+          </a:ln>
+        </p:spPr>
+        <p:style>
+          <a:lnRef idx="2">
+            <a:schemeClr val="accent1">
+              <a:shade val="50000"/>
+            </a:schemeClr>
+          </a:lnRef>
+          <a:fillRef idx="1">
+            <a:schemeClr val="accent1"/>
+          </a:fillRef>
+          <a:effectRef idx="0">
+            <a:schemeClr val="accent1"/>
+          </a:effectRef>
+          <a:fontRef idx="minor">
+            <a:schemeClr val="lt1"/>
+          </a:fontRef>
+        </p:style>
+        <p:txBody>
+          <a:bodyPr rtlCol="0" anchor="ctr"/>
+          <a:lstStyle/>
+          <a:p>
+            <a:pPr algn="ctr"/>
+            <a:endParaRPr lang="en-US" dirty="0"/>
+          </a:p>
+        </p:txBody>
+      </p:sp>
+      <p:sp>
+        <p:nvSpPr>
+          <p:cNvPr id="7" name="Oval 6">
+            <a:extLst>
+              <a:ext uri="{FF2B5EF4-FFF2-40B4-BE49-F238E27FC236}">
+                <a16:creationId xmlns:a16="http://schemas.microsoft.com/office/drawing/2014/main" id="{C0A48F01-48FE-24C4-54BB-4104830B6414}"/>
+              </a:ext>
+            </a:extLst>
+          </p:cNvPr>
+          <p:cNvSpPr/>
+          <p:nvPr/>
+        </p:nvSpPr>
+        <p:spPr>
+          <a:xfrm>
+            <a:off x="5735321" y="0"/>
+            <a:ext cx="3095466" cy="5346336"/>
+          </a:xfrm>
+          <a:prstGeom prst="ellipse">
+            <a:avLst/>
+          </a:prstGeom>
+          <a:noFill/>
+          <a:ln w="57150">
+            <a:solidFill>
+              <a:srgbClr val="FFFF00"/>
+            </a:solidFill>
+          </a:ln>
+        </p:spPr>
+        <p:style>
+          <a:lnRef idx="2">
+            <a:schemeClr val="accent1">
+              <a:shade val="50000"/>
+            </a:schemeClr>
+          </a:lnRef>
+          <a:fillRef idx="1">
+            <a:schemeClr val="accent1"/>
+          </a:fillRef>
+          <a:effectRef idx="0">
+            <a:schemeClr val="accent1"/>
+          </a:effectRef>
+          <a:fontRef idx="minor">
+            <a:schemeClr val="lt1"/>
+          </a:fontRef>
+        </p:style>
+        <p:txBody>
+          <a:bodyPr rtlCol="0" anchor="ctr"/>
+          <a:lstStyle/>
+          <a:p>
+            <a:pPr algn="ctr"/>
+            <a:endParaRPr lang="en-US" dirty="0"/>
+          </a:p>
+        </p:txBody>
+      </p:sp>
+    </p:spTree>
+    <p:extLst>
+      <p:ext uri="{BB962C8B-B14F-4D97-AF65-F5344CB8AC3E}">
+        <p14:creationId xmlns:p14="http://schemas.microsoft.com/office/powerpoint/2010/main" val="1711857116"/>
+      </p:ext>
+    </p:extLst>
+  </p:cSld>
+  <p:clrMapOvr>
+    <a:masterClrMapping/>
+  </p:clrMapOvr>
+</p:sld>
+</file>
+
 <file path=ppt/slides/slide2.xml><?xml version="1.0" encoding="utf-8"?>
 <p:sld xmlns:a="http://schemas.openxmlformats.org/drawingml/2006/main" xmlns:r="http://schemas.openxmlformats.org/officeDocument/2006/relationships" xmlns:p="http://schemas.openxmlformats.org/presentationml/2006/main">
   <p:cSld>

--- a/rslides/img/syntax.pptx
+++ b/rslides/img/syntax.pptx
@@ -22,6 +22,7 @@
     <p:sldId id="271" r:id="rId16"/>
     <p:sldId id="272" r:id="rId17"/>
     <p:sldId id="273" r:id="rId18"/>
+    <p:sldId id="274" r:id="rId19"/>
   </p:sldIdLst>
   <p:sldSz cx="12192000" cy="6858000"/>
   <p:notesSz cx="6858000" cy="9144000"/>
@@ -275,7 +276,7 @@
           <a:p>
             <a:fld id="{725C22C8-53FC-4A32-BD54-17F623330BA0}" type="datetimeFigureOut">
               <a:rPr lang="en-US" smtClean="0"/>
-              <a:t>6/17/2022</a:t>
+              <a:t>6/29/2022</a:t>
             </a:fld>
             <a:endParaRPr lang="en-US"/>
           </a:p>
@@ -473,7 +474,7 @@
           <a:p>
             <a:fld id="{725C22C8-53FC-4A32-BD54-17F623330BA0}" type="datetimeFigureOut">
               <a:rPr lang="en-US" smtClean="0"/>
-              <a:t>6/17/2022</a:t>
+              <a:t>6/29/2022</a:t>
             </a:fld>
             <a:endParaRPr lang="en-US"/>
           </a:p>
@@ -681,7 +682,7 @@
           <a:p>
             <a:fld id="{725C22C8-53FC-4A32-BD54-17F623330BA0}" type="datetimeFigureOut">
               <a:rPr lang="en-US" smtClean="0"/>
-              <a:t>6/17/2022</a:t>
+              <a:t>6/29/2022</a:t>
             </a:fld>
             <a:endParaRPr lang="en-US"/>
           </a:p>
@@ -879,7 +880,7 @@
           <a:p>
             <a:fld id="{725C22C8-53FC-4A32-BD54-17F623330BA0}" type="datetimeFigureOut">
               <a:rPr lang="en-US" smtClean="0"/>
-              <a:t>6/17/2022</a:t>
+              <a:t>6/29/2022</a:t>
             </a:fld>
             <a:endParaRPr lang="en-US"/>
           </a:p>
@@ -1154,7 +1155,7 @@
           <a:p>
             <a:fld id="{725C22C8-53FC-4A32-BD54-17F623330BA0}" type="datetimeFigureOut">
               <a:rPr lang="en-US" smtClean="0"/>
-              <a:t>6/17/2022</a:t>
+              <a:t>6/29/2022</a:t>
             </a:fld>
             <a:endParaRPr lang="en-US"/>
           </a:p>
@@ -1419,7 +1420,7 @@
           <a:p>
             <a:fld id="{725C22C8-53FC-4A32-BD54-17F623330BA0}" type="datetimeFigureOut">
               <a:rPr lang="en-US" smtClean="0"/>
-              <a:t>6/17/2022</a:t>
+              <a:t>6/29/2022</a:t>
             </a:fld>
             <a:endParaRPr lang="en-US"/>
           </a:p>
@@ -1831,7 +1832,7 @@
           <a:p>
             <a:fld id="{725C22C8-53FC-4A32-BD54-17F623330BA0}" type="datetimeFigureOut">
               <a:rPr lang="en-US" smtClean="0"/>
-              <a:t>6/17/2022</a:t>
+              <a:t>6/29/2022</a:t>
             </a:fld>
             <a:endParaRPr lang="en-US"/>
           </a:p>
@@ -1972,7 +1973,7 @@
           <a:p>
             <a:fld id="{725C22C8-53FC-4A32-BD54-17F623330BA0}" type="datetimeFigureOut">
               <a:rPr lang="en-US" smtClean="0"/>
-              <a:t>6/17/2022</a:t>
+              <a:t>6/29/2022</a:t>
             </a:fld>
             <a:endParaRPr lang="en-US"/>
           </a:p>
@@ -2085,7 +2086,7 @@
           <a:p>
             <a:fld id="{725C22C8-53FC-4A32-BD54-17F623330BA0}" type="datetimeFigureOut">
               <a:rPr lang="en-US" smtClean="0"/>
-              <a:t>6/17/2022</a:t>
+              <a:t>6/29/2022</a:t>
             </a:fld>
             <a:endParaRPr lang="en-US"/>
           </a:p>
@@ -2396,7 +2397,7 @@
           <a:p>
             <a:fld id="{725C22C8-53FC-4A32-BD54-17F623330BA0}" type="datetimeFigureOut">
               <a:rPr lang="en-US" smtClean="0"/>
-              <a:t>6/17/2022</a:t>
+              <a:t>6/29/2022</a:t>
             </a:fld>
             <a:endParaRPr lang="en-US"/>
           </a:p>
@@ -2684,7 +2685,7 @@
           <a:p>
             <a:fld id="{725C22C8-53FC-4A32-BD54-17F623330BA0}" type="datetimeFigureOut">
               <a:rPr lang="en-US" smtClean="0"/>
-              <a:t>6/17/2022</a:t>
+              <a:t>6/29/2022</a:t>
             </a:fld>
             <a:endParaRPr lang="en-US"/>
           </a:p>
@@ -2925,7 +2926,7 @@
           <a:p>
             <a:fld id="{725C22C8-53FC-4A32-BD54-17F623330BA0}" type="datetimeFigureOut">
               <a:rPr lang="en-US" smtClean="0"/>
-              <a:t>6/17/2022</a:t>
+              <a:t>6/29/2022</a:t>
             </a:fld>
             <a:endParaRPr lang="en-US"/>
           </a:p>
@@ -6579,6 +6580,143 @@
 </p:sld>
 </file>
 
+<file path=ppt/slides/slide18.xml><?xml version="1.0" encoding="utf-8"?>
+<p:sld xmlns:a="http://schemas.openxmlformats.org/drawingml/2006/main" xmlns:r="http://schemas.openxmlformats.org/officeDocument/2006/relationships" xmlns:p="http://schemas.openxmlformats.org/presentationml/2006/main">
+  <p:cSld>
+    <p:spTree>
+      <p:nvGrpSpPr>
+        <p:cNvPr id="1" name=""/>
+        <p:cNvGrpSpPr/>
+        <p:nvPr/>
+      </p:nvGrpSpPr>
+      <p:grpSpPr>
+        <a:xfrm>
+          <a:off x="0" y="0"/>
+          <a:ext cx="0" cy="0"/>
+          <a:chOff x="0" y="0"/>
+          <a:chExt cx="0" cy="0"/>
+        </a:xfrm>
+      </p:grpSpPr>
+      <p:pic>
+        <p:nvPicPr>
+          <p:cNvPr id="3" name="Picture 2">
+            <a:extLst>
+              <a:ext uri="{FF2B5EF4-FFF2-40B4-BE49-F238E27FC236}">
+                <a16:creationId xmlns:a16="http://schemas.microsoft.com/office/drawing/2014/main" id="{B1867706-74C9-4458-E41C-E1412DAB2D66}"/>
+              </a:ext>
+            </a:extLst>
+          </p:cNvPr>
+          <p:cNvPicPr>
+            <a:picLocks noChangeAspect="1"/>
+          </p:cNvPicPr>
+          <p:nvPr/>
+        </p:nvPicPr>
+        <p:blipFill>
+          <a:blip r:embed="rId2"/>
+          <a:stretch>
+            <a:fillRect/>
+          </a:stretch>
+        </p:blipFill>
+        <p:spPr>
+          <a:xfrm>
+            <a:off x="2594577" y="1387334"/>
+            <a:ext cx="6493563" cy="3792774"/>
+          </a:xfrm>
+          <a:prstGeom prst="rect">
+            <a:avLst/>
+          </a:prstGeom>
+        </p:spPr>
+      </p:pic>
+      <p:cxnSp>
+        <p:nvCxnSpPr>
+          <p:cNvPr id="4" name="Straight Arrow Connector 3">
+            <a:extLst>
+              <a:ext uri="{FF2B5EF4-FFF2-40B4-BE49-F238E27FC236}">
+                <a16:creationId xmlns:a16="http://schemas.microsoft.com/office/drawing/2014/main" id="{CCE2A184-D83B-B325-9266-4E40F0E983FB}"/>
+              </a:ext>
+            </a:extLst>
+          </p:cNvPr>
+          <p:cNvCxnSpPr>
+            <a:cxnSpLocks/>
+          </p:cNvCxnSpPr>
+          <p:nvPr/>
+        </p:nvCxnSpPr>
+        <p:spPr>
+          <a:xfrm>
+            <a:off x="4882236" y="1239140"/>
+            <a:ext cx="0" cy="1237194"/>
+          </a:xfrm>
+          <a:prstGeom prst="straightConnector1">
+            <a:avLst/>
+          </a:prstGeom>
+          <a:ln>
+            <a:tailEnd type="triangle"/>
+          </a:ln>
+        </p:spPr>
+        <p:style>
+          <a:lnRef idx="3">
+            <a:schemeClr val="accent4"/>
+          </a:lnRef>
+          <a:fillRef idx="0">
+            <a:schemeClr val="accent4"/>
+          </a:fillRef>
+          <a:effectRef idx="2">
+            <a:schemeClr val="accent4"/>
+          </a:effectRef>
+          <a:fontRef idx="minor">
+            <a:schemeClr val="tx1"/>
+          </a:fontRef>
+        </p:style>
+      </p:cxnSp>
+      <p:sp>
+        <p:nvSpPr>
+          <p:cNvPr id="7" name="TextBox 6">
+            <a:extLst>
+              <a:ext uri="{FF2B5EF4-FFF2-40B4-BE49-F238E27FC236}">
+                <a16:creationId xmlns:a16="http://schemas.microsoft.com/office/drawing/2014/main" id="{C84BC6F8-127F-9384-10E5-5E5E59AFE95F}"/>
+              </a:ext>
+            </a:extLst>
+          </p:cNvPr>
+          <p:cNvSpPr txBox="1"/>
+          <p:nvPr/>
+        </p:nvSpPr>
+        <p:spPr>
+          <a:xfrm>
+            <a:off x="4198433" y="580268"/>
+            <a:ext cx="1367605" cy="584775"/>
+          </a:xfrm>
+          <a:prstGeom prst="rect">
+            <a:avLst/>
+          </a:prstGeom>
+          <a:noFill/>
+        </p:spPr>
+        <p:txBody>
+          <a:bodyPr wrap="square" rtlCol="0">
+            <a:spAutoFit/>
+          </a:bodyPr>
+          <a:lstStyle/>
+          <a:p>
+            <a:pPr algn="ctr"/>
+            <a:r>
+              <a:rPr lang="en-US" sz="1600" dirty="0"/>
+              <a:t>Our data files are in here</a:t>
+            </a:r>
+          </a:p>
+        </p:txBody>
+      </p:sp>
+    </p:spTree>
+    <p:extLst>
+      <p:ext uri="{BB962C8B-B14F-4D97-AF65-F5344CB8AC3E}">
+        <p14:creationId xmlns:p14="http://schemas.microsoft.com/office/powerpoint/2010/main" val="1348635393"/>
+      </p:ext>
+    </p:extLst>
+  </p:cSld>
+  <p:clrMapOvr>
+    <a:masterClrMapping/>
+  </p:clrMapOvr>
+</p:sld>
+</file>
+
 <file path=ppt/slides/slide2.xml><?xml version="1.0" encoding="utf-8"?>
 <p:sld xmlns:a="http://schemas.openxmlformats.org/drawingml/2006/main" xmlns:r="http://schemas.openxmlformats.org/officeDocument/2006/relationships" xmlns:p="http://schemas.openxmlformats.org/presentationml/2006/main">
   <p:cSld>

--- a/rslides/img/syntax.pptx
+++ b/rslides/img/syntax.pptx
@@ -30,6 +30,10 @@
     <p:sldId id="281" r:id="rId24"/>
     <p:sldId id="279" r:id="rId25"/>
     <p:sldId id="280" r:id="rId26"/>
+    <p:sldId id="282" r:id="rId27"/>
+    <p:sldId id="283" r:id="rId28"/>
+    <p:sldId id="284" r:id="rId29"/>
+    <p:sldId id="285" r:id="rId30"/>
   </p:sldIdLst>
   <p:sldSz cx="12192000" cy="6858000"/>
   <p:notesSz cx="6858000" cy="9144000"/>
@@ -283,7 +287,7 @@
           <a:p>
             <a:fld id="{725C22C8-53FC-4A32-BD54-17F623330BA0}" type="datetimeFigureOut">
               <a:rPr lang="en-US" smtClean="0"/>
-              <a:t>7/11/2022</a:t>
+              <a:t>7/13/2022</a:t>
             </a:fld>
             <a:endParaRPr lang="en-US"/>
           </a:p>
@@ -481,7 +485,7 @@
           <a:p>
             <a:fld id="{725C22C8-53FC-4A32-BD54-17F623330BA0}" type="datetimeFigureOut">
               <a:rPr lang="en-US" smtClean="0"/>
-              <a:t>7/11/2022</a:t>
+              <a:t>7/13/2022</a:t>
             </a:fld>
             <a:endParaRPr lang="en-US"/>
           </a:p>
@@ -689,7 +693,7 @@
           <a:p>
             <a:fld id="{725C22C8-53FC-4A32-BD54-17F623330BA0}" type="datetimeFigureOut">
               <a:rPr lang="en-US" smtClean="0"/>
-              <a:t>7/11/2022</a:t>
+              <a:t>7/13/2022</a:t>
             </a:fld>
             <a:endParaRPr lang="en-US"/>
           </a:p>
@@ -887,7 +891,7 @@
           <a:p>
             <a:fld id="{725C22C8-53FC-4A32-BD54-17F623330BA0}" type="datetimeFigureOut">
               <a:rPr lang="en-US" smtClean="0"/>
-              <a:t>7/11/2022</a:t>
+              <a:t>7/13/2022</a:t>
             </a:fld>
             <a:endParaRPr lang="en-US"/>
           </a:p>
@@ -1162,7 +1166,7 @@
           <a:p>
             <a:fld id="{725C22C8-53FC-4A32-BD54-17F623330BA0}" type="datetimeFigureOut">
               <a:rPr lang="en-US" smtClean="0"/>
-              <a:t>7/11/2022</a:t>
+              <a:t>7/13/2022</a:t>
             </a:fld>
             <a:endParaRPr lang="en-US"/>
           </a:p>
@@ -1427,7 +1431,7 @@
           <a:p>
             <a:fld id="{725C22C8-53FC-4A32-BD54-17F623330BA0}" type="datetimeFigureOut">
               <a:rPr lang="en-US" smtClean="0"/>
-              <a:t>7/11/2022</a:t>
+              <a:t>7/13/2022</a:t>
             </a:fld>
             <a:endParaRPr lang="en-US"/>
           </a:p>
@@ -1839,7 +1843,7 @@
           <a:p>
             <a:fld id="{725C22C8-53FC-4A32-BD54-17F623330BA0}" type="datetimeFigureOut">
               <a:rPr lang="en-US" smtClean="0"/>
-              <a:t>7/11/2022</a:t>
+              <a:t>7/13/2022</a:t>
             </a:fld>
             <a:endParaRPr lang="en-US"/>
           </a:p>
@@ -1980,7 +1984,7 @@
           <a:p>
             <a:fld id="{725C22C8-53FC-4A32-BD54-17F623330BA0}" type="datetimeFigureOut">
               <a:rPr lang="en-US" smtClean="0"/>
-              <a:t>7/11/2022</a:t>
+              <a:t>7/13/2022</a:t>
             </a:fld>
             <a:endParaRPr lang="en-US"/>
           </a:p>
@@ -2093,7 +2097,7 @@
           <a:p>
             <a:fld id="{725C22C8-53FC-4A32-BD54-17F623330BA0}" type="datetimeFigureOut">
               <a:rPr lang="en-US" smtClean="0"/>
-              <a:t>7/11/2022</a:t>
+              <a:t>7/13/2022</a:t>
             </a:fld>
             <a:endParaRPr lang="en-US"/>
           </a:p>
@@ -2404,7 +2408,7 @@
           <a:p>
             <a:fld id="{725C22C8-53FC-4A32-BD54-17F623330BA0}" type="datetimeFigureOut">
               <a:rPr lang="en-US" smtClean="0"/>
-              <a:t>7/11/2022</a:t>
+              <a:t>7/13/2022</a:t>
             </a:fld>
             <a:endParaRPr lang="en-US"/>
           </a:p>
@@ -2692,7 +2696,7 @@
           <a:p>
             <a:fld id="{725C22C8-53FC-4A32-BD54-17F623330BA0}" type="datetimeFigureOut">
               <a:rPr lang="en-US" smtClean="0"/>
-              <a:t>7/11/2022</a:t>
+              <a:t>7/13/2022</a:t>
             </a:fld>
             <a:endParaRPr lang="en-US"/>
           </a:p>
@@ -2933,7 +2937,7 @@
           <a:p>
             <a:fld id="{725C22C8-53FC-4A32-BD54-17F623330BA0}" type="datetimeFigureOut">
               <a:rPr lang="en-US" smtClean="0"/>
-              <a:t>7/11/2022</a:t>
+              <a:t>7/13/2022</a:t>
             </a:fld>
             <a:endParaRPr lang="en-US"/>
           </a:p>
@@ -18498,6 +18502,5645 @@
 </p:sld>
 </file>
 
+<file path=ppt/slides/slide26.xml><?xml version="1.0" encoding="utf-8"?>
+<p:sld xmlns:a="http://schemas.openxmlformats.org/drawingml/2006/main" xmlns:r="http://schemas.openxmlformats.org/officeDocument/2006/relationships" xmlns:p="http://schemas.openxmlformats.org/presentationml/2006/main">
+  <p:cSld>
+    <p:spTree>
+      <p:nvGrpSpPr>
+        <p:cNvPr id="1" name=""/>
+        <p:cNvGrpSpPr/>
+        <p:nvPr/>
+      </p:nvGrpSpPr>
+      <p:grpSpPr>
+        <a:xfrm>
+          <a:off x="0" y="0"/>
+          <a:ext cx="0" cy="0"/>
+          <a:chOff x="0" y="0"/>
+          <a:chExt cx="0" cy="0"/>
+        </a:xfrm>
+      </p:grpSpPr>
+      <p:graphicFrame>
+        <p:nvGraphicFramePr>
+          <p:cNvPr id="2" name="Table 2">
+            <a:extLst>
+              <a:ext uri="{FF2B5EF4-FFF2-40B4-BE49-F238E27FC236}">
+                <a16:creationId xmlns:a16="http://schemas.microsoft.com/office/drawing/2014/main" id="{0D9108D1-D6E0-C673-A066-BC3095EEBD2C}"/>
+              </a:ext>
+            </a:extLst>
+          </p:cNvPr>
+          <p:cNvGraphicFramePr>
+            <a:graphicFrameLocks noGrp="1"/>
+          </p:cNvGraphicFramePr>
+          <p:nvPr>
+            <p:extLst>
+              <p:ext uri="{D42A27DB-BD31-4B8C-83A1-F6EECF244321}">
+                <p14:modId xmlns:p14="http://schemas.microsoft.com/office/powerpoint/2010/main" val="730138031"/>
+              </p:ext>
+            </p:extLst>
+          </p:nvPr>
+        </p:nvGraphicFramePr>
+        <p:xfrm>
+          <a:off x="630490" y="2271955"/>
+          <a:ext cx="3146751" cy="2314090"/>
+        </p:xfrm>
+        <a:graphic>
+          <a:graphicData uri="http://schemas.openxmlformats.org/drawingml/2006/table">
+            <a:tbl>
+              <a:tblPr firstRow="1" bandRow="1">
+                <a:tableStyleId>{7DF18680-E054-41AD-8BC1-D1AEF772440D}</a:tableStyleId>
+              </a:tblPr>
+              <a:tblGrid>
+                <a:gridCol w="1048917">
+                  <a:extLst>
+                    <a:ext uri="{9D8B030D-6E8A-4147-A177-3AD203B41FA5}">
+                      <a16:colId xmlns:a16="http://schemas.microsoft.com/office/drawing/2014/main" val="265655309"/>
+                    </a:ext>
+                  </a:extLst>
+                </a:gridCol>
+                <a:gridCol w="1048917">
+                  <a:extLst>
+                    <a:ext uri="{9D8B030D-6E8A-4147-A177-3AD203B41FA5}">
+                      <a16:colId xmlns:a16="http://schemas.microsoft.com/office/drawing/2014/main" val="1793215245"/>
+                    </a:ext>
+                  </a:extLst>
+                </a:gridCol>
+                <a:gridCol w="1048917">
+                  <a:extLst>
+                    <a:ext uri="{9D8B030D-6E8A-4147-A177-3AD203B41FA5}">
+                      <a16:colId xmlns:a16="http://schemas.microsoft.com/office/drawing/2014/main" val="57496481"/>
+                    </a:ext>
+                  </a:extLst>
+                </a:gridCol>
+              </a:tblGrid>
+              <a:tr h="462818">
+                <a:tc>
+                  <a:txBody>
+                    <a:bodyPr/>
+                    <a:lstStyle/>
+                    <a:p>
+                      <a:pPr algn="ctr"/>
+                      <a:r>
+                        <a:rPr lang="en-US" sz="1600" dirty="0"/>
+                        <a:t>tch_id</a:t>
+                      </a:r>
+                    </a:p>
+                  </a:txBody>
+                  <a:tcPr/>
+                </a:tc>
+                <a:tc>
+                  <a:txBody>
+                    <a:bodyPr/>
+                    <a:lstStyle/>
+                    <a:p>
+                      <a:pPr algn="ctr"/>
+                      <a:r>
+                        <a:rPr lang="en-US" sz="1600" dirty="0"/>
+                        <a:t>time1</a:t>
+                      </a:r>
+                    </a:p>
+                  </a:txBody>
+                  <a:tcPr/>
+                </a:tc>
+                <a:tc>
+                  <a:txBody>
+                    <a:bodyPr/>
+                    <a:lstStyle/>
+                    <a:p>
+                      <a:pPr algn="ctr"/>
+                      <a:r>
+                        <a:rPr lang="en-US" sz="1600" dirty="0"/>
+                        <a:t>time2</a:t>
+                      </a:r>
+                    </a:p>
+                  </a:txBody>
+                  <a:tcPr/>
+                </a:tc>
+                <a:extLst>
+                  <a:ext uri="{0D108BD9-81ED-4DB2-BD59-A6C34878D82A}">
+                    <a16:rowId xmlns:a16="http://schemas.microsoft.com/office/drawing/2014/main" val="827956568"/>
+                  </a:ext>
+                </a:extLst>
+              </a:tr>
+              <a:tr h="462818">
+                <a:tc>
+                  <a:txBody>
+                    <a:bodyPr/>
+                    <a:lstStyle/>
+                    <a:p>
+                      <a:r>
+                        <a:rPr lang="en-US" dirty="0"/>
+                        <a:t>2345</a:t>
+                      </a:r>
+                    </a:p>
+                  </a:txBody>
+                  <a:tcPr/>
+                </a:tc>
+                <a:tc>
+                  <a:txBody>
+                    <a:bodyPr/>
+                    <a:lstStyle/>
+                    <a:p>
+                      <a:r>
+                        <a:rPr lang="en-US" dirty="0"/>
+                        <a:t>30</a:t>
+                      </a:r>
+                    </a:p>
+                  </a:txBody>
+                  <a:tcPr/>
+                </a:tc>
+                <a:tc>
+                  <a:txBody>
+                    <a:bodyPr/>
+                    <a:lstStyle/>
+                    <a:p>
+                      <a:r>
+                        <a:rPr lang="en-US" dirty="0"/>
+                        <a:t>40</a:t>
+                      </a:r>
+                    </a:p>
+                  </a:txBody>
+                  <a:tcPr/>
+                </a:tc>
+                <a:extLst>
+                  <a:ext uri="{0D108BD9-81ED-4DB2-BD59-A6C34878D82A}">
+                    <a16:rowId xmlns:a16="http://schemas.microsoft.com/office/drawing/2014/main" val="1746814461"/>
+                  </a:ext>
+                </a:extLst>
+              </a:tr>
+              <a:tr h="462818">
+                <a:tc>
+                  <a:txBody>
+                    <a:bodyPr/>
+                    <a:lstStyle/>
+                    <a:p>
+                      <a:r>
+                        <a:rPr lang="en-US" dirty="0"/>
+                        <a:t>2346</a:t>
+                      </a:r>
+                    </a:p>
+                  </a:txBody>
+                  <a:tcPr/>
+                </a:tc>
+                <a:tc>
+                  <a:txBody>
+                    <a:bodyPr/>
+                    <a:lstStyle/>
+                    <a:p>
+                      <a:r>
+                        <a:rPr lang="en-US" dirty="0"/>
+                        <a:t>30</a:t>
+                      </a:r>
+                    </a:p>
+                  </a:txBody>
+                  <a:tcPr/>
+                </a:tc>
+                <a:tc>
+                  <a:txBody>
+                    <a:bodyPr/>
+                    <a:lstStyle/>
+                    <a:p>
+                      <a:r>
+                        <a:rPr lang="en-US" dirty="0"/>
+                        <a:t>50</a:t>
+                      </a:r>
+                    </a:p>
+                  </a:txBody>
+                  <a:tcPr/>
+                </a:tc>
+                <a:extLst>
+                  <a:ext uri="{0D108BD9-81ED-4DB2-BD59-A6C34878D82A}">
+                    <a16:rowId xmlns:a16="http://schemas.microsoft.com/office/drawing/2014/main" val="2156539387"/>
+                  </a:ext>
+                </a:extLst>
+              </a:tr>
+              <a:tr h="462818">
+                <a:tc>
+                  <a:txBody>
+                    <a:bodyPr/>
+                    <a:lstStyle/>
+                    <a:p>
+                      <a:r>
+                        <a:rPr lang="en-US" dirty="0"/>
+                        <a:t>2347</a:t>
+                      </a:r>
+                    </a:p>
+                  </a:txBody>
+                  <a:tcPr/>
+                </a:tc>
+                <a:tc>
+                  <a:txBody>
+                    <a:bodyPr/>
+                    <a:lstStyle/>
+                    <a:p>
+                      <a:r>
+                        <a:rPr lang="en-US" dirty="0"/>
+                        <a:t>NA</a:t>
+                      </a:r>
+                    </a:p>
+                  </a:txBody>
+                  <a:tcPr/>
+                </a:tc>
+                <a:tc>
+                  <a:txBody>
+                    <a:bodyPr/>
+                    <a:lstStyle/>
+                    <a:p>
+                      <a:r>
+                        <a:rPr lang="en-US" dirty="0"/>
+                        <a:t>40</a:t>
+                      </a:r>
+                    </a:p>
+                  </a:txBody>
+                  <a:tcPr/>
+                </a:tc>
+                <a:extLst>
+                  <a:ext uri="{0D108BD9-81ED-4DB2-BD59-A6C34878D82A}">
+                    <a16:rowId xmlns:a16="http://schemas.microsoft.com/office/drawing/2014/main" val="447071123"/>
+                  </a:ext>
+                </a:extLst>
+              </a:tr>
+              <a:tr h="462818">
+                <a:tc>
+                  <a:txBody>
+                    <a:bodyPr/>
+                    <a:lstStyle/>
+                    <a:p>
+                      <a:r>
+                        <a:rPr lang="en-US" dirty="0"/>
+                        <a:t>2348</a:t>
+                      </a:r>
+                    </a:p>
+                  </a:txBody>
+                  <a:tcPr/>
+                </a:tc>
+                <a:tc>
+                  <a:txBody>
+                    <a:bodyPr/>
+                    <a:lstStyle/>
+                    <a:p>
+                      <a:r>
+                        <a:rPr lang="en-US" dirty="0"/>
+                        <a:t>45</a:t>
+                      </a:r>
+                    </a:p>
+                  </a:txBody>
+                  <a:tcPr/>
+                </a:tc>
+                <a:tc>
+                  <a:txBody>
+                    <a:bodyPr/>
+                    <a:lstStyle/>
+                    <a:p>
+                      <a:r>
+                        <a:rPr lang="en-US" dirty="0"/>
+                        <a:t>NA</a:t>
+                      </a:r>
+                    </a:p>
+                  </a:txBody>
+                  <a:tcPr/>
+                </a:tc>
+                <a:extLst>
+                  <a:ext uri="{0D108BD9-81ED-4DB2-BD59-A6C34878D82A}">
+                    <a16:rowId xmlns:a16="http://schemas.microsoft.com/office/drawing/2014/main" val="2776241164"/>
+                  </a:ext>
+                </a:extLst>
+              </a:tr>
+            </a:tbl>
+          </a:graphicData>
+        </a:graphic>
+      </p:graphicFrame>
+      <p:cxnSp>
+        <p:nvCxnSpPr>
+          <p:cNvPr id="5" name="Straight Arrow Connector 4">
+            <a:extLst>
+              <a:ext uri="{FF2B5EF4-FFF2-40B4-BE49-F238E27FC236}">
+                <a16:creationId xmlns:a16="http://schemas.microsoft.com/office/drawing/2014/main" id="{0930E1EF-F0F4-BEA1-97F0-3B46F0DF60E7}"/>
+              </a:ext>
+            </a:extLst>
+          </p:cNvPr>
+          <p:cNvCxnSpPr>
+            <a:cxnSpLocks/>
+            <a:endCxn id="2" idx="0"/>
+          </p:cNvCxnSpPr>
+          <p:nvPr/>
+        </p:nvCxnSpPr>
+        <p:spPr>
+          <a:xfrm>
+            <a:off x="2203865" y="1572426"/>
+            <a:ext cx="0" cy="699529"/>
+          </a:xfrm>
+          <a:prstGeom prst="straightConnector1">
+            <a:avLst/>
+          </a:prstGeom>
+          <a:ln>
+            <a:tailEnd type="triangle"/>
+          </a:ln>
+        </p:spPr>
+        <p:style>
+          <a:lnRef idx="3">
+            <a:schemeClr val="accent4"/>
+          </a:lnRef>
+          <a:fillRef idx="0">
+            <a:schemeClr val="accent4"/>
+          </a:fillRef>
+          <a:effectRef idx="2">
+            <a:schemeClr val="accent4"/>
+          </a:effectRef>
+          <a:fontRef idx="minor">
+            <a:schemeClr val="tx1"/>
+          </a:fontRef>
+        </p:style>
+      </p:cxnSp>
+      <p:cxnSp>
+        <p:nvCxnSpPr>
+          <p:cNvPr id="7" name="Straight Arrow Connector 6">
+            <a:extLst>
+              <a:ext uri="{FF2B5EF4-FFF2-40B4-BE49-F238E27FC236}">
+                <a16:creationId xmlns:a16="http://schemas.microsoft.com/office/drawing/2014/main" id="{F62A0565-1081-8E2F-8435-D78494B3E6BF}"/>
+              </a:ext>
+            </a:extLst>
+          </p:cNvPr>
+          <p:cNvCxnSpPr>
+            <a:cxnSpLocks/>
+          </p:cNvCxnSpPr>
+          <p:nvPr/>
+        </p:nvCxnSpPr>
+        <p:spPr>
+          <a:xfrm>
+            <a:off x="3210845" y="1572426"/>
+            <a:ext cx="0" cy="699529"/>
+          </a:xfrm>
+          <a:prstGeom prst="straightConnector1">
+            <a:avLst/>
+          </a:prstGeom>
+          <a:ln>
+            <a:tailEnd type="triangle"/>
+          </a:ln>
+        </p:spPr>
+        <p:style>
+          <a:lnRef idx="3">
+            <a:schemeClr val="accent4"/>
+          </a:lnRef>
+          <a:fillRef idx="0">
+            <a:schemeClr val="accent4"/>
+          </a:fillRef>
+          <a:effectRef idx="2">
+            <a:schemeClr val="accent4"/>
+          </a:effectRef>
+          <a:fontRef idx="minor">
+            <a:schemeClr val="tx1"/>
+          </a:fontRef>
+        </p:style>
+      </p:cxnSp>
+      <p:sp>
+        <p:nvSpPr>
+          <p:cNvPr id="8" name="TextBox 7">
+            <a:extLst>
+              <a:ext uri="{FF2B5EF4-FFF2-40B4-BE49-F238E27FC236}">
+                <a16:creationId xmlns:a16="http://schemas.microsoft.com/office/drawing/2014/main" id="{2D4BEF55-5C0C-8835-A508-C88A68E91CDC}"/>
+              </a:ext>
+            </a:extLst>
+          </p:cNvPr>
+          <p:cNvSpPr txBox="1"/>
+          <p:nvPr/>
+        </p:nvSpPr>
+        <p:spPr>
+          <a:xfrm>
+            <a:off x="2042444" y="1170774"/>
+            <a:ext cx="1734795" cy="369332"/>
+          </a:xfrm>
+          <a:prstGeom prst="rect">
+            <a:avLst/>
+          </a:prstGeom>
+          <a:noFill/>
+        </p:spPr>
+        <p:txBody>
+          <a:bodyPr wrap="square" rtlCol="0">
+            <a:spAutoFit/>
+          </a:bodyPr>
+          <a:lstStyle/>
+          <a:p>
+            <a:r>
+              <a:rPr lang="en-US" dirty="0"/>
+              <a:t>Cols to pivot</a:t>
+            </a:r>
+          </a:p>
+        </p:txBody>
+      </p:sp>
+      <p:graphicFrame>
+        <p:nvGraphicFramePr>
+          <p:cNvPr id="10" name="Table 10">
+            <a:extLst>
+              <a:ext uri="{FF2B5EF4-FFF2-40B4-BE49-F238E27FC236}">
+                <a16:creationId xmlns:a16="http://schemas.microsoft.com/office/drawing/2014/main" id="{5D720AA2-12AE-A071-1145-5C7036ECB35C}"/>
+              </a:ext>
+            </a:extLst>
+          </p:cNvPr>
+          <p:cNvGraphicFramePr>
+            <a:graphicFrameLocks noGrp="1"/>
+          </p:cNvGraphicFramePr>
+          <p:nvPr>
+            <p:extLst>
+              <p:ext uri="{D42A27DB-BD31-4B8C-83A1-F6EECF244321}">
+                <p14:modId xmlns:p14="http://schemas.microsoft.com/office/powerpoint/2010/main" val="3670201697"/>
+              </p:ext>
+            </p:extLst>
+          </p:nvPr>
+        </p:nvGraphicFramePr>
+        <p:xfrm>
+          <a:off x="4784220" y="2271955"/>
+          <a:ext cx="3332859" cy="3314916"/>
+        </p:xfrm>
+        <a:graphic>
+          <a:graphicData uri="http://schemas.openxmlformats.org/drawingml/2006/table">
+            <a:tbl>
+              <a:tblPr firstRow="1" bandRow="1">
+                <a:tableStyleId>{7DF18680-E054-41AD-8BC1-D1AEF772440D}</a:tableStyleId>
+              </a:tblPr>
+              <a:tblGrid>
+                <a:gridCol w="1110953">
+                  <a:extLst>
+                    <a:ext uri="{9D8B030D-6E8A-4147-A177-3AD203B41FA5}">
+                      <a16:colId xmlns:a16="http://schemas.microsoft.com/office/drawing/2014/main" val="1139443202"/>
+                    </a:ext>
+                  </a:extLst>
+                </a:gridCol>
+                <a:gridCol w="1110953">
+                  <a:extLst>
+                    <a:ext uri="{9D8B030D-6E8A-4147-A177-3AD203B41FA5}">
+                      <a16:colId xmlns:a16="http://schemas.microsoft.com/office/drawing/2014/main" val="454111221"/>
+                    </a:ext>
+                  </a:extLst>
+                </a:gridCol>
+                <a:gridCol w="1110953">
+                  <a:extLst>
+                    <a:ext uri="{9D8B030D-6E8A-4147-A177-3AD203B41FA5}">
+                      <a16:colId xmlns:a16="http://schemas.microsoft.com/office/drawing/2014/main" val="1820175672"/>
+                    </a:ext>
+                  </a:extLst>
+                </a:gridCol>
+              </a:tblGrid>
+              <a:tr h="368324">
+                <a:tc>
+                  <a:txBody>
+                    <a:bodyPr/>
+                    <a:lstStyle/>
+                    <a:p>
+                      <a:r>
+                        <a:rPr lang="en-US" dirty="0"/>
+                        <a:t>tch_id</a:t>
+                      </a:r>
+                    </a:p>
+                  </a:txBody>
+                  <a:tcPr/>
+                </a:tc>
+                <a:tc>
+                  <a:txBody>
+                    <a:bodyPr/>
+                    <a:lstStyle/>
+                    <a:p>
+                      <a:r>
+                        <a:rPr lang="en-US" dirty="0"/>
+                        <a:t>time</a:t>
+                      </a:r>
+                    </a:p>
+                  </a:txBody>
+                  <a:tcPr/>
+                </a:tc>
+                <a:tc>
+                  <a:txBody>
+                    <a:bodyPr/>
+                    <a:lstStyle/>
+                    <a:p>
+                      <a:r>
+                        <a:rPr lang="en-US" dirty="0"/>
+                        <a:t>score</a:t>
+                      </a:r>
+                    </a:p>
+                  </a:txBody>
+                  <a:tcPr/>
+                </a:tc>
+                <a:extLst>
+                  <a:ext uri="{0D108BD9-81ED-4DB2-BD59-A6C34878D82A}">
+                    <a16:rowId xmlns:a16="http://schemas.microsoft.com/office/drawing/2014/main" val="2178231600"/>
+                  </a:ext>
+                </a:extLst>
+              </a:tr>
+              <a:tr h="368324">
+                <a:tc>
+                  <a:txBody>
+                    <a:bodyPr/>
+                    <a:lstStyle/>
+                    <a:p>
+                      <a:pPr marL="0" marR="0" lvl="0" indent="0" algn="l" defTabSz="914400" rtl="0" eaLnBrk="1" fontAlgn="auto" latinLnBrk="0" hangingPunct="1">
+                        <a:lnSpc>
+                          <a:spcPct val="100000"/>
+                        </a:lnSpc>
+                        <a:spcBef>
+                          <a:spcPts val="0"/>
+                        </a:spcBef>
+                        <a:spcAft>
+                          <a:spcPts val="0"/>
+                        </a:spcAft>
+                        <a:buClrTx/>
+                        <a:buSzTx/>
+                        <a:buFontTx/>
+                        <a:buNone/>
+                        <a:tabLst/>
+                        <a:defRPr/>
+                      </a:pPr>
+                      <a:r>
+                        <a:rPr lang="en-US" dirty="0"/>
+                        <a:t>2345</a:t>
+                      </a:r>
+                    </a:p>
+                  </a:txBody>
+                  <a:tcPr/>
+                </a:tc>
+                <a:tc>
+                  <a:txBody>
+                    <a:bodyPr/>
+                    <a:lstStyle/>
+                    <a:p>
+                      <a:r>
+                        <a:rPr lang="en-US" dirty="0"/>
+                        <a:t>time1</a:t>
+                      </a:r>
+                    </a:p>
+                  </a:txBody>
+                  <a:tcPr/>
+                </a:tc>
+                <a:tc>
+                  <a:txBody>
+                    <a:bodyPr/>
+                    <a:lstStyle/>
+                    <a:p>
+                      <a:pPr marL="0" marR="0" lvl="0" indent="0" algn="l" defTabSz="914400" rtl="0" eaLnBrk="1" fontAlgn="auto" latinLnBrk="0" hangingPunct="1">
+                        <a:lnSpc>
+                          <a:spcPct val="100000"/>
+                        </a:lnSpc>
+                        <a:spcBef>
+                          <a:spcPts val="0"/>
+                        </a:spcBef>
+                        <a:spcAft>
+                          <a:spcPts val="0"/>
+                        </a:spcAft>
+                        <a:buClrTx/>
+                        <a:buSzTx/>
+                        <a:buFontTx/>
+                        <a:buNone/>
+                        <a:tabLst/>
+                        <a:defRPr/>
+                      </a:pPr>
+                      <a:r>
+                        <a:rPr lang="en-US" dirty="0"/>
+                        <a:t>30</a:t>
+                      </a:r>
+                    </a:p>
+                  </a:txBody>
+                  <a:tcPr/>
+                </a:tc>
+                <a:extLst>
+                  <a:ext uri="{0D108BD9-81ED-4DB2-BD59-A6C34878D82A}">
+                    <a16:rowId xmlns:a16="http://schemas.microsoft.com/office/drawing/2014/main" val="2194170835"/>
+                  </a:ext>
+                </a:extLst>
+              </a:tr>
+              <a:tr h="368324">
+                <a:tc>
+                  <a:txBody>
+                    <a:bodyPr/>
+                    <a:lstStyle/>
+                    <a:p>
+                      <a:pPr marL="0" marR="0" lvl="0" indent="0" algn="l" defTabSz="914400" rtl="0" eaLnBrk="1" fontAlgn="auto" latinLnBrk="0" hangingPunct="1">
+                        <a:lnSpc>
+                          <a:spcPct val="100000"/>
+                        </a:lnSpc>
+                        <a:spcBef>
+                          <a:spcPts val="0"/>
+                        </a:spcBef>
+                        <a:spcAft>
+                          <a:spcPts val="0"/>
+                        </a:spcAft>
+                        <a:buClrTx/>
+                        <a:buSzTx/>
+                        <a:buFontTx/>
+                        <a:buNone/>
+                        <a:tabLst/>
+                        <a:defRPr/>
+                      </a:pPr>
+                      <a:r>
+                        <a:rPr lang="en-US" dirty="0"/>
+                        <a:t>2345</a:t>
+                      </a:r>
+                    </a:p>
+                  </a:txBody>
+                  <a:tcPr/>
+                </a:tc>
+                <a:tc>
+                  <a:txBody>
+                    <a:bodyPr/>
+                    <a:lstStyle/>
+                    <a:p>
+                      <a:r>
+                        <a:rPr lang="en-US" dirty="0"/>
+                        <a:t>time2</a:t>
+                      </a:r>
+                    </a:p>
+                  </a:txBody>
+                  <a:tcPr/>
+                </a:tc>
+                <a:tc>
+                  <a:txBody>
+                    <a:bodyPr/>
+                    <a:lstStyle/>
+                    <a:p>
+                      <a:pPr marL="0" marR="0" lvl="0" indent="0" algn="l" defTabSz="914400" rtl="0" eaLnBrk="1" fontAlgn="auto" latinLnBrk="0" hangingPunct="1">
+                        <a:lnSpc>
+                          <a:spcPct val="100000"/>
+                        </a:lnSpc>
+                        <a:spcBef>
+                          <a:spcPts val="0"/>
+                        </a:spcBef>
+                        <a:spcAft>
+                          <a:spcPts val="0"/>
+                        </a:spcAft>
+                        <a:buClrTx/>
+                        <a:buSzTx/>
+                        <a:buFontTx/>
+                        <a:buNone/>
+                        <a:tabLst/>
+                        <a:defRPr/>
+                      </a:pPr>
+                      <a:r>
+                        <a:rPr lang="en-US" dirty="0"/>
+                        <a:t>40</a:t>
+                      </a:r>
+                    </a:p>
+                  </a:txBody>
+                  <a:tcPr/>
+                </a:tc>
+                <a:extLst>
+                  <a:ext uri="{0D108BD9-81ED-4DB2-BD59-A6C34878D82A}">
+                    <a16:rowId xmlns:a16="http://schemas.microsoft.com/office/drawing/2014/main" val="64962654"/>
+                  </a:ext>
+                </a:extLst>
+              </a:tr>
+              <a:tr h="368324">
+                <a:tc>
+                  <a:txBody>
+                    <a:bodyPr/>
+                    <a:lstStyle/>
+                    <a:p>
+                      <a:pPr marL="0" marR="0" lvl="0" indent="0" algn="l" defTabSz="914400" rtl="0" eaLnBrk="1" fontAlgn="auto" latinLnBrk="0" hangingPunct="1">
+                        <a:lnSpc>
+                          <a:spcPct val="100000"/>
+                        </a:lnSpc>
+                        <a:spcBef>
+                          <a:spcPts val="0"/>
+                        </a:spcBef>
+                        <a:spcAft>
+                          <a:spcPts val="0"/>
+                        </a:spcAft>
+                        <a:buClrTx/>
+                        <a:buSzTx/>
+                        <a:buFontTx/>
+                        <a:buNone/>
+                        <a:tabLst/>
+                        <a:defRPr/>
+                      </a:pPr>
+                      <a:r>
+                        <a:rPr lang="en-US" dirty="0"/>
+                        <a:t>2346</a:t>
+                      </a:r>
+                    </a:p>
+                  </a:txBody>
+                  <a:tcPr/>
+                </a:tc>
+                <a:tc>
+                  <a:txBody>
+                    <a:bodyPr/>
+                    <a:lstStyle/>
+                    <a:p>
+                      <a:r>
+                        <a:rPr lang="en-US" dirty="0"/>
+                        <a:t>time1</a:t>
+                      </a:r>
+                    </a:p>
+                  </a:txBody>
+                  <a:tcPr/>
+                </a:tc>
+                <a:tc>
+                  <a:txBody>
+                    <a:bodyPr/>
+                    <a:lstStyle/>
+                    <a:p>
+                      <a:r>
+                        <a:rPr lang="en-US" dirty="0"/>
+                        <a:t>30</a:t>
+                      </a:r>
+                    </a:p>
+                  </a:txBody>
+                  <a:tcPr/>
+                </a:tc>
+                <a:extLst>
+                  <a:ext uri="{0D108BD9-81ED-4DB2-BD59-A6C34878D82A}">
+                    <a16:rowId xmlns:a16="http://schemas.microsoft.com/office/drawing/2014/main" val="3198954005"/>
+                  </a:ext>
+                </a:extLst>
+              </a:tr>
+              <a:tr h="368324">
+                <a:tc>
+                  <a:txBody>
+                    <a:bodyPr/>
+                    <a:lstStyle/>
+                    <a:p>
+                      <a:pPr marL="0" marR="0" lvl="0" indent="0" algn="l" defTabSz="914400" rtl="0" eaLnBrk="1" fontAlgn="auto" latinLnBrk="0" hangingPunct="1">
+                        <a:lnSpc>
+                          <a:spcPct val="100000"/>
+                        </a:lnSpc>
+                        <a:spcBef>
+                          <a:spcPts val="0"/>
+                        </a:spcBef>
+                        <a:spcAft>
+                          <a:spcPts val="0"/>
+                        </a:spcAft>
+                        <a:buClrTx/>
+                        <a:buSzTx/>
+                        <a:buFontTx/>
+                        <a:buNone/>
+                        <a:tabLst/>
+                        <a:defRPr/>
+                      </a:pPr>
+                      <a:r>
+                        <a:rPr lang="en-US" dirty="0"/>
+                        <a:t>2346</a:t>
+                      </a:r>
+                    </a:p>
+                  </a:txBody>
+                  <a:tcPr/>
+                </a:tc>
+                <a:tc>
+                  <a:txBody>
+                    <a:bodyPr/>
+                    <a:lstStyle/>
+                    <a:p>
+                      <a:r>
+                        <a:rPr lang="en-US" dirty="0"/>
+                        <a:t>time2</a:t>
+                      </a:r>
+                    </a:p>
+                  </a:txBody>
+                  <a:tcPr/>
+                </a:tc>
+                <a:tc>
+                  <a:txBody>
+                    <a:bodyPr/>
+                    <a:lstStyle/>
+                    <a:p>
+                      <a:r>
+                        <a:rPr lang="en-US" dirty="0"/>
+                        <a:t>50</a:t>
+                      </a:r>
+                    </a:p>
+                  </a:txBody>
+                  <a:tcPr/>
+                </a:tc>
+                <a:extLst>
+                  <a:ext uri="{0D108BD9-81ED-4DB2-BD59-A6C34878D82A}">
+                    <a16:rowId xmlns:a16="http://schemas.microsoft.com/office/drawing/2014/main" val="1032079935"/>
+                  </a:ext>
+                </a:extLst>
+              </a:tr>
+              <a:tr h="368324">
+                <a:tc>
+                  <a:txBody>
+                    <a:bodyPr/>
+                    <a:lstStyle/>
+                    <a:p>
+                      <a:pPr marL="0" marR="0" lvl="0" indent="0" algn="l" defTabSz="914400" rtl="0" eaLnBrk="1" fontAlgn="auto" latinLnBrk="0" hangingPunct="1">
+                        <a:lnSpc>
+                          <a:spcPct val="100000"/>
+                        </a:lnSpc>
+                        <a:spcBef>
+                          <a:spcPts val="0"/>
+                        </a:spcBef>
+                        <a:spcAft>
+                          <a:spcPts val="0"/>
+                        </a:spcAft>
+                        <a:buClrTx/>
+                        <a:buSzTx/>
+                        <a:buFontTx/>
+                        <a:buNone/>
+                        <a:tabLst/>
+                        <a:defRPr/>
+                      </a:pPr>
+                      <a:r>
+                        <a:rPr lang="en-US" dirty="0"/>
+                        <a:t>2347</a:t>
+                      </a:r>
+                    </a:p>
+                  </a:txBody>
+                  <a:tcPr/>
+                </a:tc>
+                <a:tc>
+                  <a:txBody>
+                    <a:bodyPr/>
+                    <a:lstStyle/>
+                    <a:p>
+                      <a:r>
+                        <a:rPr lang="en-US" dirty="0"/>
+                        <a:t>time1</a:t>
+                      </a:r>
+                    </a:p>
+                  </a:txBody>
+                  <a:tcPr/>
+                </a:tc>
+                <a:tc>
+                  <a:txBody>
+                    <a:bodyPr/>
+                    <a:lstStyle/>
+                    <a:p>
+                      <a:r>
+                        <a:rPr lang="en-US" dirty="0"/>
+                        <a:t>NA</a:t>
+                      </a:r>
+                    </a:p>
+                  </a:txBody>
+                  <a:tcPr/>
+                </a:tc>
+                <a:extLst>
+                  <a:ext uri="{0D108BD9-81ED-4DB2-BD59-A6C34878D82A}">
+                    <a16:rowId xmlns:a16="http://schemas.microsoft.com/office/drawing/2014/main" val="2354353483"/>
+                  </a:ext>
+                </a:extLst>
+              </a:tr>
+              <a:tr h="368324">
+                <a:tc>
+                  <a:txBody>
+                    <a:bodyPr/>
+                    <a:lstStyle/>
+                    <a:p>
+                      <a:pPr marL="0" marR="0" lvl="0" indent="0" algn="l" defTabSz="914400" rtl="0" eaLnBrk="1" fontAlgn="auto" latinLnBrk="0" hangingPunct="1">
+                        <a:lnSpc>
+                          <a:spcPct val="100000"/>
+                        </a:lnSpc>
+                        <a:spcBef>
+                          <a:spcPts val="0"/>
+                        </a:spcBef>
+                        <a:spcAft>
+                          <a:spcPts val="0"/>
+                        </a:spcAft>
+                        <a:buClrTx/>
+                        <a:buSzTx/>
+                        <a:buFontTx/>
+                        <a:buNone/>
+                        <a:tabLst/>
+                        <a:defRPr/>
+                      </a:pPr>
+                      <a:r>
+                        <a:rPr lang="en-US" dirty="0"/>
+                        <a:t>2347</a:t>
+                      </a:r>
+                    </a:p>
+                  </a:txBody>
+                  <a:tcPr/>
+                </a:tc>
+                <a:tc>
+                  <a:txBody>
+                    <a:bodyPr/>
+                    <a:lstStyle/>
+                    <a:p>
+                      <a:r>
+                        <a:rPr lang="en-US" dirty="0"/>
+                        <a:t>time2</a:t>
+                      </a:r>
+                    </a:p>
+                  </a:txBody>
+                  <a:tcPr/>
+                </a:tc>
+                <a:tc>
+                  <a:txBody>
+                    <a:bodyPr/>
+                    <a:lstStyle/>
+                    <a:p>
+                      <a:r>
+                        <a:rPr lang="en-US" dirty="0"/>
+                        <a:t>40</a:t>
+                      </a:r>
+                    </a:p>
+                  </a:txBody>
+                  <a:tcPr/>
+                </a:tc>
+                <a:extLst>
+                  <a:ext uri="{0D108BD9-81ED-4DB2-BD59-A6C34878D82A}">
+                    <a16:rowId xmlns:a16="http://schemas.microsoft.com/office/drawing/2014/main" val="2715296505"/>
+                  </a:ext>
+                </a:extLst>
+              </a:tr>
+              <a:tr h="368324">
+                <a:tc>
+                  <a:txBody>
+                    <a:bodyPr/>
+                    <a:lstStyle/>
+                    <a:p>
+                      <a:pPr marL="0" marR="0" lvl="0" indent="0" algn="l" defTabSz="914400" rtl="0" eaLnBrk="1" fontAlgn="auto" latinLnBrk="0" hangingPunct="1">
+                        <a:lnSpc>
+                          <a:spcPct val="100000"/>
+                        </a:lnSpc>
+                        <a:spcBef>
+                          <a:spcPts val="0"/>
+                        </a:spcBef>
+                        <a:spcAft>
+                          <a:spcPts val="0"/>
+                        </a:spcAft>
+                        <a:buClrTx/>
+                        <a:buSzTx/>
+                        <a:buFontTx/>
+                        <a:buNone/>
+                        <a:tabLst/>
+                        <a:defRPr/>
+                      </a:pPr>
+                      <a:r>
+                        <a:rPr lang="en-US" dirty="0"/>
+                        <a:t>2348</a:t>
+                      </a:r>
+                    </a:p>
+                  </a:txBody>
+                  <a:tcPr/>
+                </a:tc>
+                <a:tc>
+                  <a:txBody>
+                    <a:bodyPr/>
+                    <a:lstStyle/>
+                    <a:p>
+                      <a:r>
+                        <a:rPr lang="en-US" dirty="0"/>
+                        <a:t>time1</a:t>
+                      </a:r>
+                    </a:p>
+                  </a:txBody>
+                  <a:tcPr/>
+                </a:tc>
+                <a:tc>
+                  <a:txBody>
+                    <a:bodyPr/>
+                    <a:lstStyle/>
+                    <a:p>
+                      <a:r>
+                        <a:rPr lang="en-US" dirty="0"/>
+                        <a:t>45</a:t>
+                      </a:r>
+                    </a:p>
+                  </a:txBody>
+                  <a:tcPr/>
+                </a:tc>
+                <a:extLst>
+                  <a:ext uri="{0D108BD9-81ED-4DB2-BD59-A6C34878D82A}">
+                    <a16:rowId xmlns:a16="http://schemas.microsoft.com/office/drawing/2014/main" val="800972316"/>
+                  </a:ext>
+                </a:extLst>
+              </a:tr>
+              <a:tr h="368324">
+                <a:tc>
+                  <a:txBody>
+                    <a:bodyPr/>
+                    <a:lstStyle/>
+                    <a:p>
+                      <a:pPr marL="0" marR="0" lvl="0" indent="0" algn="l" defTabSz="914400" rtl="0" eaLnBrk="1" fontAlgn="auto" latinLnBrk="0" hangingPunct="1">
+                        <a:lnSpc>
+                          <a:spcPct val="100000"/>
+                        </a:lnSpc>
+                        <a:spcBef>
+                          <a:spcPts val="0"/>
+                        </a:spcBef>
+                        <a:spcAft>
+                          <a:spcPts val="0"/>
+                        </a:spcAft>
+                        <a:buClrTx/>
+                        <a:buSzTx/>
+                        <a:buFontTx/>
+                        <a:buNone/>
+                        <a:tabLst/>
+                        <a:defRPr/>
+                      </a:pPr>
+                      <a:r>
+                        <a:rPr lang="en-US" dirty="0"/>
+                        <a:t>2348</a:t>
+                      </a:r>
+                    </a:p>
+                  </a:txBody>
+                  <a:tcPr/>
+                </a:tc>
+                <a:tc>
+                  <a:txBody>
+                    <a:bodyPr/>
+                    <a:lstStyle/>
+                    <a:p>
+                      <a:r>
+                        <a:rPr lang="en-US" dirty="0"/>
+                        <a:t>time2</a:t>
+                      </a:r>
+                    </a:p>
+                  </a:txBody>
+                  <a:tcPr/>
+                </a:tc>
+                <a:tc>
+                  <a:txBody>
+                    <a:bodyPr/>
+                    <a:lstStyle/>
+                    <a:p>
+                      <a:r>
+                        <a:rPr lang="en-US" dirty="0"/>
+                        <a:t>NA</a:t>
+                      </a:r>
+                    </a:p>
+                  </a:txBody>
+                  <a:tcPr/>
+                </a:tc>
+                <a:extLst>
+                  <a:ext uri="{0D108BD9-81ED-4DB2-BD59-A6C34878D82A}">
+                    <a16:rowId xmlns:a16="http://schemas.microsoft.com/office/drawing/2014/main" val="1656364354"/>
+                  </a:ext>
+                </a:extLst>
+              </a:tr>
+            </a:tbl>
+          </a:graphicData>
+        </a:graphic>
+      </p:graphicFrame>
+      <p:cxnSp>
+        <p:nvCxnSpPr>
+          <p:cNvPr id="11" name="Straight Arrow Connector 10">
+            <a:extLst>
+              <a:ext uri="{FF2B5EF4-FFF2-40B4-BE49-F238E27FC236}">
+                <a16:creationId xmlns:a16="http://schemas.microsoft.com/office/drawing/2014/main" id="{51E2880B-5CD7-26DD-F91B-FDE9B691F3E2}"/>
+              </a:ext>
+            </a:extLst>
+          </p:cNvPr>
+          <p:cNvCxnSpPr>
+            <a:cxnSpLocks/>
+          </p:cNvCxnSpPr>
+          <p:nvPr/>
+        </p:nvCxnSpPr>
+        <p:spPr>
+          <a:xfrm>
+            <a:off x="6330059" y="1540106"/>
+            <a:ext cx="0" cy="699529"/>
+          </a:xfrm>
+          <a:prstGeom prst="straightConnector1">
+            <a:avLst/>
+          </a:prstGeom>
+          <a:ln>
+            <a:tailEnd type="triangle"/>
+          </a:ln>
+        </p:spPr>
+        <p:style>
+          <a:lnRef idx="3">
+            <a:schemeClr val="accent4"/>
+          </a:lnRef>
+          <a:fillRef idx="0">
+            <a:schemeClr val="accent4"/>
+          </a:fillRef>
+          <a:effectRef idx="2">
+            <a:schemeClr val="accent4"/>
+          </a:effectRef>
+          <a:fontRef idx="minor">
+            <a:schemeClr val="tx1"/>
+          </a:fontRef>
+        </p:style>
+      </p:cxnSp>
+      <p:sp>
+        <p:nvSpPr>
+          <p:cNvPr id="12" name="TextBox 11">
+            <a:extLst>
+              <a:ext uri="{FF2B5EF4-FFF2-40B4-BE49-F238E27FC236}">
+                <a16:creationId xmlns:a16="http://schemas.microsoft.com/office/drawing/2014/main" id="{43AD10FB-11A7-47C9-4A90-641476265C0D}"/>
+              </a:ext>
+            </a:extLst>
+          </p:cNvPr>
+          <p:cNvSpPr txBox="1"/>
+          <p:nvPr/>
+        </p:nvSpPr>
+        <p:spPr>
+          <a:xfrm>
+            <a:off x="5686275" y="1138454"/>
+            <a:ext cx="1287568" cy="369332"/>
+          </a:xfrm>
+          <a:prstGeom prst="rect">
+            <a:avLst/>
+          </a:prstGeom>
+          <a:noFill/>
+        </p:spPr>
+        <p:txBody>
+          <a:bodyPr wrap="square" rtlCol="0">
+            <a:spAutoFit/>
+          </a:bodyPr>
+          <a:lstStyle/>
+          <a:p>
+            <a:r>
+              <a:rPr lang="en-US" dirty="0"/>
+              <a:t>names_to</a:t>
+            </a:r>
+          </a:p>
+        </p:txBody>
+      </p:sp>
+      <p:cxnSp>
+        <p:nvCxnSpPr>
+          <p:cNvPr id="13" name="Straight Arrow Connector 12">
+            <a:extLst>
+              <a:ext uri="{FF2B5EF4-FFF2-40B4-BE49-F238E27FC236}">
+                <a16:creationId xmlns:a16="http://schemas.microsoft.com/office/drawing/2014/main" id="{CD8F34D2-F528-05F5-8861-4D4006E70159}"/>
+              </a:ext>
+            </a:extLst>
+          </p:cNvPr>
+          <p:cNvCxnSpPr>
+            <a:cxnSpLocks/>
+          </p:cNvCxnSpPr>
+          <p:nvPr/>
+        </p:nvCxnSpPr>
+        <p:spPr>
+          <a:xfrm>
+            <a:off x="7473772" y="1507786"/>
+            <a:ext cx="0" cy="731849"/>
+          </a:xfrm>
+          <a:prstGeom prst="straightConnector1">
+            <a:avLst/>
+          </a:prstGeom>
+          <a:ln>
+            <a:tailEnd type="triangle"/>
+          </a:ln>
+        </p:spPr>
+        <p:style>
+          <a:lnRef idx="3">
+            <a:schemeClr val="accent4"/>
+          </a:lnRef>
+          <a:fillRef idx="0">
+            <a:schemeClr val="accent4"/>
+          </a:fillRef>
+          <a:effectRef idx="2">
+            <a:schemeClr val="accent4"/>
+          </a:effectRef>
+          <a:fontRef idx="minor">
+            <a:schemeClr val="tx1"/>
+          </a:fontRef>
+        </p:style>
+      </p:cxnSp>
+      <p:sp>
+        <p:nvSpPr>
+          <p:cNvPr id="14" name="TextBox 13">
+            <a:extLst>
+              <a:ext uri="{FF2B5EF4-FFF2-40B4-BE49-F238E27FC236}">
+                <a16:creationId xmlns:a16="http://schemas.microsoft.com/office/drawing/2014/main" id="{3B9F78F5-145E-9020-2EF4-CB941D1B1A4C}"/>
+              </a:ext>
+            </a:extLst>
+          </p:cNvPr>
+          <p:cNvSpPr txBox="1"/>
+          <p:nvPr/>
+        </p:nvSpPr>
+        <p:spPr>
+          <a:xfrm>
+            <a:off x="6973843" y="1138454"/>
+            <a:ext cx="1287568" cy="369332"/>
+          </a:xfrm>
+          <a:prstGeom prst="rect">
+            <a:avLst/>
+          </a:prstGeom>
+          <a:noFill/>
+        </p:spPr>
+        <p:txBody>
+          <a:bodyPr wrap="square" rtlCol="0">
+            <a:spAutoFit/>
+          </a:bodyPr>
+          <a:lstStyle/>
+          <a:p>
+            <a:r>
+              <a:rPr lang="en-US" dirty="0"/>
+              <a:t>values_to</a:t>
+            </a:r>
+          </a:p>
+        </p:txBody>
+      </p:sp>
+      <p:cxnSp>
+        <p:nvCxnSpPr>
+          <p:cNvPr id="20" name="Connector: Elbow 19">
+            <a:extLst>
+              <a:ext uri="{FF2B5EF4-FFF2-40B4-BE49-F238E27FC236}">
+                <a16:creationId xmlns:a16="http://schemas.microsoft.com/office/drawing/2014/main" id="{22D68CCE-84C7-D610-EE86-31F357CBE6C4}"/>
+              </a:ext>
+            </a:extLst>
+          </p:cNvPr>
+          <p:cNvCxnSpPr/>
+          <p:nvPr/>
+        </p:nvCxnSpPr>
+        <p:spPr>
+          <a:xfrm flipV="1">
+            <a:off x="3777239" y="2777383"/>
+            <a:ext cx="1006981" cy="179462"/>
+          </a:xfrm>
+          <a:prstGeom prst="bentConnector3">
+            <a:avLst/>
+          </a:prstGeom>
+          <a:ln>
+            <a:tailEnd type="triangle"/>
+          </a:ln>
+        </p:spPr>
+        <p:style>
+          <a:lnRef idx="3">
+            <a:schemeClr val="accent4"/>
+          </a:lnRef>
+          <a:fillRef idx="0">
+            <a:schemeClr val="accent4"/>
+          </a:fillRef>
+          <a:effectRef idx="2">
+            <a:schemeClr val="accent4"/>
+          </a:effectRef>
+          <a:fontRef idx="minor">
+            <a:schemeClr val="tx1"/>
+          </a:fontRef>
+        </p:style>
+      </p:cxnSp>
+      <p:cxnSp>
+        <p:nvCxnSpPr>
+          <p:cNvPr id="22" name="Connector: Elbow 21">
+            <a:extLst>
+              <a:ext uri="{FF2B5EF4-FFF2-40B4-BE49-F238E27FC236}">
+                <a16:creationId xmlns:a16="http://schemas.microsoft.com/office/drawing/2014/main" id="{78C6A7B8-9238-6335-4894-4D7B05041C69}"/>
+              </a:ext>
+            </a:extLst>
+          </p:cNvPr>
+          <p:cNvCxnSpPr/>
+          <p:nvPr/>
+        </p:nvCxnSpPr>
+        <p:spPr>
+          <a:xfrm>
+            <a:off x="3777239" y="2956845"/>
+            <a:ext cx="1006981" cy="205099"/>
+          </a:xfrm>
+          <a:prstGeom prst="bentConnector3">
+            <a:avLst/>
+          </a:prstGeom>
+          <a:ln>
+            <a:tailEnd type="triangle"/>
+          </a:ln>
+        </p:spPr>
+        <p:style>
+          <a:lnRef idx="3">
+            <a:schemeClr val="accent4"/>
+          </a:lnRef>
+          <a:fillRef idx="0">
+            <a:schemeClr val="accent4"/>
+          </a:fillRef>
+          <a:effectRef idx="2">
+            <a:schemeClr val="accent4"/>
+          </a:effectRef>
+          <a:fontRef idx="minor">
+            <a:schemeClr val="tx1"/>
+          </a:fontRef>
+        </p:style>
+      </p:cxnSp>
+      <p:cxnSp>
+        <p:nvCxnSpPr>
+          <p:cNvPr id="23" name="Connector: Elbow 22">
+            <a:extLst>
+              <a:ext uri="{FF2B5EF4-FFF2-40B4-BE49-F238E27FC236}">
+                <a16:creationId xmlns:a16="http://schemas.microsoft.com/office/drawing/2014/main" id="{C8BCDF57-6B33-B41A-9FB5-F1BADEB9EE2D}"/>
+              </a:ext>
+            </a:extLst>
+          </p:cNvPr>
+          <p:cNvCxnSpPr>
+            <a:cxnSpLocks/>
+            <a:stCxn id="2" idx="3"/>
+          </p:cNvCxnSpPr>
+          <p:nvPr/>
+        </p:nvCxnSpPr>
+        <p:spPr>
+          <a:xfrm>
+            <a:off x="3777241" y="3429000"/>
+            <a:ext cx="1006979" cy="108745"/>
+          </a:xfrm>
+          <a:prstGeom prst="bentConnector3">
+            <a:avLst/>
+          </a:prstGeom>
+          <a:ln>
+            <a:tailEnd type="triangle"/>
+          </a:ln>
+        </p:spPr>
+        <p:style>
+          <a:lnRef idx="3">
+            <a:schemeClr val="accent4"/>
+          </a:lnRef>
+          <a:fillRef idx="0">
+            <a:schemeClr val="accent4"/>
+          </a:fillRef>
+          <a:effectRef idx="2">
+            <a:schemeClr val="accent4"/>
+          </a:effectRef>
+          <a:fontRef idx="minor">
+            <a:schemeClr val="tx1"/>
+          </a:fontRef>
+        </p:style>
+      </p:cxnSp>
+      <p:cxnSp>
+        <p:nvCxnSpPr>
+          <p:cNvPr id="24" name="Connector: Elbow 23">
+            <a:extLst>
+              <a:ext uri="{FF2B5EF4-FFF2-40B4-BE49-F238E27FC236}">
+                <a16:creationId xmlns:a16="http://schemas.microsoft.com/office/drawing/2014/main" id="{A6D945E3-8A1E-575B-9755-D7BB4CEA2444}"/>
+              </a:ext>
+            </a:extLst>
+          </p:cNvPr>
+          <p:cNvCxnSpPr>
+            <a:cxnSpLocks/>
+            <a:endCxn id="10" idx="1"/>
+          </p:cNvCxnSpPr>
+          <p:nvPr/>
+        </p:nvCxnSpPr>
+        <p:spPr>
+          <a:xfrm>
+            <a:off x="3777239" y="3436226"/>
+            <a:ext cx="1006981" cy="493187"/>
+          </a:xfrm>
+          <a:prstGeom prst="bentConnector3">
+            <a:avLst/>
+          </a:prstGeom>
+          <a:ln>
+            <a:tailEnd type="triangle"/>
+          </a:ln>
+        </p:spPr>
+        <p:style>
+          <a:lnRef idx="3">
+            <a:schemeClr val="accent4"/>
+          </a:lnRef>
+          <a:fillRef idx="0">
+            <a:schemeClr val="accent4"/>
+          </a:fillRef>
+          <a:effectRef idx="2">
+            <a:schemeClr val="accent4"/>
+          </a:effectRef>
+          <a:fontRef idx="minor">
+            <a:schemeClr val="tx1"/>
+          </a:fontRef>
+        </p:style>
+      </p:cxnSp>
+    </p:spTree>
+    <p:extLst>
+      <p:ext uri="{BB962C8B-B14F-4D97-AF65-F5344CB8AC3E}">
+        <p14:creationId xmlns:p14="http://schemas.microsoft.com/office/powerpoint/2010/main" val="1939091879"/>
+      </p:ext>
+    </p:extLst>
+  </p:cSld>
+  <p:clrMapOvr>
+    <a:masterClrMapping/>
+  </p:clrMapOvr>
+</p:sld>
+</file>
+
+<file path=ppt/slides/slide27.xml><?xml version="1.0" encoding="utf-8"?>
+<p:sld xmlns:a="http://schemas.openxmlformats.org/drawingml/2006/main" xmlns:r="http://schemas.openxmlformats.org/officeDocument/2006/relationships" xmlns:p="http://schemas.openxmlformats.org/presentationml/2006/main">
+  <p:cSld>
+    <p:spTree>
+      <p:nvGrpSpPr>
+        <p:cNvPr id="1" name=""/>
+        <p:cNvGrpSpPr/>
+        <p:nvPr/>
+      </p:nvGrpSpPr>
+      <p:grpSpPr>
+        <a:xfrm>
+          <a:off x="0" y="0"/>
+          <a:ext cx="0" cy="0"/>
+          <a:chOff x="0" y="0"/>
+          <a:chExt cx="0" cy="0"/>
+        </a:xfrm>
+      </p:grpSpPr>
+      <p:graphicFrame>
+        <p:nvGraphicFramePr>
+          <p:cNvPr id="5" name="Table 2">
+            <a:extLst>
+              <a:ext uri="{FF2B5EF4-FFF2-40B4-BE49-F238E27FC236}">
+                <a16:creationId xmlns:a16="http://schemas.microsoft.com/office/drawing/2014/main" id="{8D794A6E-71A0-DAB6-4785-79869D8734F6}"/>
+              </a:ext>
+            </a:extLst>
+          </p:cNvPr>
+          <p:cNvGraphicFramePr>
+            <a:graphicFrameLocks noGrp="1"/>
+          </p:cNvGraphicFramePr>
+          <p:nvPr>
+            <p:extLst>
+              <p:ext uri="{D42A27DB-BD31-4B8C-83A1-F6EECF244321}">
+                <p14:modId xmlns:p14="http://schemas.microsoft.com/office/powerpoint/2010/main" val="4176040948"/>
+              </p:ext>
+            </p:extLst>
+          </p:nvPr>
+        </p:nvGraphicFramePr>
+        <p:xfrm>
+          <a:off x="399754" y="2403185"/>
+          <a:ext cx="7661129" cy="3665774"/>
+        </p:xfrm>
+        <a:graphic>
+          <a:graphicData uri="http://schemas.openxmlformats.org/drawingml/2006/table">
+            <a:tbl>
+              <a:tblPr firstRow="1" bandRow="1">
+                <a:tableStyleId>{7DF18680-E054-41AD-8BC1-D1AEF772440D}</a:tableStyleId>
+              </a:tblPr>
+              <a:tblGrid>
+                <a:gridCol w="1094447">
+                  <a:extLst>
+                    <a:ext uri="{9D8B030D-6E8A-4147-A177-3AD203B41FA5}">
+                      <a16:colId xmlns:a16="http://schemas.microsoft.com/office/drawing/2014/main" val="1532031554"/>
+                    </a:ext>
+                  </a:extLst>
+                </a:gridCol>
+                <a:gridCol w="1094447">
+                  <a:extLst>
+                    <a:ext uri="{9D8B030D-6E8A-4147-A177-3AD203B41FA5}">
+                      <a16:colId xmlns:a16="http://schemas.microsoft.com/office/drawing/2014/main" val="1926023825"/>
+                    </a:ext>
+                  </a:extLst>
+                </a:gridCol>
+                <a:gridCol w="1094447">
+                  <a:extLst>
+                    <a:ext uri="{9D8B030D-6E8A-4147-A177-3AD203B41FA5}">
+                      <a16:colId xmlns:a16="http://schemas.microsoft.com/office/drawing/2014/main" val="3274260024"/>
+                    </a:ext>
+                  </a:extLst>
+                </a:gridCol>
+                <a:gridCol w="1094447">
+                  <a:extLst>
+                    <a:ext uri="{9D8B030D-6E8A-4147-A177-3AD203B41FA5}">
+                      <a16:colId xmlns:a16="http://schemas.microsoft.com/office/drawing/2014/main" val="276600392"/>
+                    </a:ext>
+                  </a:extLst>
+                </a:gridCol>
+                <a:gridCol w="1094447">
+                  <a:extLst>
+                    <a:ext uri="{9D8B030D-6E8A-4147-A177-3AD203B41FA5}">
+                      <a16:colId xmlns:a16="http://schemas.microsoft.com/office/drawing/2014/main" val="928871913"/>
+                    </a:ext>
+                  </a:extLst>
+                </a:gridCol>
+                <a:gridCol w="1094447">
+                  <a:extLst>
+                    <a:ext uri="{9D8B030D-6E8A-4147-A177-3AD203B41FA5}">
+                      <a16:colId xmlns:a16="http://schemas.microsoft.com/office/drawing/2014/main" val="1654652651"/>
+                    </a:ext>
+                  </a:extLst>
+                </a:gridCol>
+                <a:gridCol w="1094447">
+                  <a:extLst>
+                    <a:ext uri="{9D8B030D-6E8A-4147-A177-3AD203B41FA5}">
+                      <a16:colId xmlns:a16="http://schemas.microsoft.com/office/drawing/2014/main" val="618101598"/>
+                    </a:ext>
+                  </a:extLst>
+                </a:gridCol>
+              </a:tblGrid>
+              <a:tr h="733154">
+                <a:tc>
+                  <a:txBody>
+                    <a:bodyPr/>
+                    <a:lstStyle/>
+                    <a:p>
+                      <a:pPr algn="ctr"/>
+                      <a:endParaRPr lang="en-US" sz="1300" dirty="0"/>
+                    </a:p>
+                    <a:p>
+                      <a:pPr algn="ctr"/>
+                      <a:r>
+                        <a:rPr lang="en-US" sz="1300" dirty="0"/>
+                        <a:t>tch_id</a:t>
+                      </a:r>
+                    </a:p>
+                  </a:txBody>
+                  <a:tcPr/>
+                </a:tc>
+                <a:tc>
+                  <a:txBody>
+                    <a:bodyPr/>
+                    <a:lstStyle/>
+                    <a:p>
+                      <a:pPr algn="ctr"/>
+                      <a:endParaRPr lang="en-US" sz="1300" dirty="0"/>
+                    </a:p>
+                    <a:p>
+                      <a:pPr algn="ctr"/>
+                      <a:r>
+                        <a:rPr lang="en-US" sz="1300" dirty="0"/>
+                        <a:t>score1_1819</a:t>
+                      </a:r>
+                    </a:p>
+                  </a:txBody>
+                  <a:tcPr/>
+                </a:tc>
+                <a:tc>
+                  <a:txBody>
+                    <a:bodyPr/>
+                    <a:lstStyle/>
+                    <a:p>
+                      <a:pPr algn="ctr"/>
+                      <a:endParaRPr lang="en-US" sz="1300" dirty="0"/>
+                    </a:p>
+                    <a:p>
+                      <a:pPr algn="ctr"/>
+                      <a:r>
+                        <a:rPr lang="en-US" sz="1300" dirty="0"/>
+                        <a:t>score2_1819</a:t>
+                      </a:r>
+                    </a:p>
+                  </a:txBody>
+                  <a:tcPr/>
+                </a:tc>
+                <a:tc>
+                  <a:txBody>
+                    <a:bodyPr/>
+                    <a:lstStyle/>
+                    <a:p>
+                      <a:pPr algn="ctr"/>
+                      <a:endParaRPr lang="en-US" sz="1300" dirty="0"/>
+                    </a:p>
+                    <a:p>
+                      <a:pPr algn="ctr"/>
+                      <a:r>
+                        <a:rPr lang="en-US" sz="1300" dirty="0"/>
+                        <a:t>score3_1819</a:t>
+                      </a:r>
+                    </a:p>
+                  </a:txBody>
+                  <a:tcPr/>
+                </a:tc>
+                <a:tc>
+                  <a:txBody>
+                    <a:bodyPr/>
+                    <a:lstStyle/>
+                    <a:p>
+                      <a:pPr algn="ctr"/>
+                      <a:endParaRPr lang="en-US" sz="1300" dirty="0"/>
+                    </a:p>
+                    <a:p>
+                      <a:pPr algn="ctr"/>
+                      <a:r>
+                        <a:rPr lang="en-US" sz="1300" dirty="0"/>
+                        <a:t>score1_1920</a:t>
+                      </a:r>
+                    </a:p>
+                  </a:txBody>
+                  <a:tcPr/>
+                </a:tc>
+                <a:tc>
+                  <a:txBody>
+                    <a:bodyPr/>
+                    <a:lstStyle/>
+                    <a:p>
+                      <a:pPr algn="ctr"/>
+                      <a:endParaRPr lang="en-US" sz="1300" dirty="0"/>
+                    </a:p>
+                    <a:p>
+                      <a:pPr algn="ctr"/>
+                      <a:r>
+                        <a:rPr lang="en-US" sz="1300" dirty="0"/>
+                        <a:t>score2_1920</a:t>
+                      </a:r>
+                    </a:p>
+                  </a:txBody>
+                  <a:tcPr/>
+                </a:tc>
+                <a:tc>
+                  <a:txBody>
+                    <a:bodyPr/>
+                    <a:lstStyle/>
+                    <a:p>
+                      <a:pPr algn="ctr"/>
+                      <a:endParaRPr lang="en-US" sz="1300" dirty="0"/>
+                    </a:p>
+                    <a:p>
+                      <a:pPr algn="ctr"/>
+                      <a:r>
+                        <a:rPr lang="en-US" sz="1300" dirty="0"/>
+                        <a:t>score3_1920</a:t>
+                      </a:r>
+                    </a:p>
+                  </a:txBody>
+                  <a:tcPr/>
+                </a:tc>
+                <a:extLst>
+                  <a:ext uri="{0D108BD9-81ED-4DB2-BD59-A6C34878D82A}">
+                    <a16:rowId xmlns:a16="http://schemas.microsoft.com/office/drawing/2014/main" val="422161898"/>
+                  </a:ext>
+                </a:extLst>
+              </a:tr>
+              <a:tr h="586524">
+                <a:tc>
+                  <a:txBody>
+                    <a:bodyPr/>
+                    <a:lstStyle/>
+                    <a:p>
+                      <a:r>
+                        <a:rPr lang="en-US" dirty="0"/>
+                        <a:t>2345</a:t>
+                      </a:r>
+                    </a:p>
+                  </a:txBody>
+                  <a:tcPr/>
+                </a:tc>
+                <a:tc>
+                  <a:txBody>
+                    <a:bodyPr/>
+                    <a:lstStyle/>
+                    <a:p>
+                      <a:r>
+                        <a:rPr lang="en-US" dirty="0"/>
+                        <a:t>200</a:t>
+                      </a:r>
+                    </a:p>
+                  </a:txBody>
+                  <a:tcPr/>
+                </a:tc>
+                <a:tc>
+                  <a:txBody>
+                    <a:bodyPr/>
+                    <a:lstStyle/>
+                    <a:p>
+                      <a:r>
+                        <a:rPr lang="en-US" dirty="0"/>
+                        <a:t>300</a:t>
+                      </a:r>
+                    </a:p>
+                  </a:txBody>
+                  <a:tcPr/>
+                </a:tc>
+                <a:tc>
+                  <a:txBody>
+                    <a:bodyPr/>
+                    <a:lstStyle/>
+                    <a:p>
+                      <a:r>
+                        <a:rPr lang="en-US" dirty="0"/>
+                        <a:t>247</a:t>
+                      </a:r>
+                    </a:p>
+                  </a:txBody>
+                  <a:tcPr/>
+                </a:tc>
+                <a:tc>
+                  <a:txBody>
+                    <a:bodyPr/>
+                    <a:lstStyle/>
+                    <a:p>
+                      <a:r>
+                        <a:rPr lang="en-US" dirty="0"/>
+                        <a:t>220</a:t>
+                      </a:r>
+                    </a:p>
+                  </a:txBody>
+                  <a:tcPr/>
+                </a:tc>
+                <a:tc>
+                  <a:txBody>
+                    <a:bodyPr/>
+                    <a:lstStyle/>
+                    <a:p>
+                      <a:r>
+                        <a:rPr lang="en-US" dirty="0"/>
+                        <a:t>301</a:t>
+                      </a:r>
+                    </a:p>
+                  </a:txBody>
+                  <a:tcPr/>
+                </a:tc>
+                <a:tc>
+                  <a:txBody>
+                    <a:bodyPr/>
+                    <a:lstStyle/>
+                    <a:p>
+                      <a:r>
+                        <a:rPr lang="en-US" dirty="0"/>
+                        <a:t>250</a:t>
+                      </a:r>
+                    </a:p>
+                  </a:txBody>
+                  <a:tcPr/>
+                </a:tc>
+                <a:extLst>
+                  <a:ext uri="{0D108BD9-81ED-4DB2-BD59-A6C34878D82A}">
+                    <a16:rowId xmlns:a16="http://schemas.microsoft.com/office/drawing/2014/main" val="2045359004"/>
+                  </a:ext>
+                </a:extLst>
+              </a:tr>
+              <a:tr h="586524">
+                <a:tc>
+                  <a:txBody>
+                    <a:bodyPr/>
+                    <a:lstStyle/>
+                    <a:p>
+                      <a:r>
+                        <a:rPr lang="en-US" dirty="0"/>
+                        <a:t>2346</a:t>
+                      </a:r>
+                    </a:p>
+                  </a:txBody>
+                  <a:tcPr/>
+                </a:tc>
+                <a:tc>
+                  <a:txBody>
+                    <a:bodyPr/>
+                    <a:lstStyle/>
+                    <a:p>
+                      <a:r>
+                        <a:rPr lang="en-US" dirty="0"/>
+                        <a:t>256</a:t>
+                      </a:r>
+                    </a:p>
+                  </a:txBody>
+                  <a:tcPr/>
+                </a:tc>
+                <a:tc>
+                  <a:txBody>
+                    <a:bodyPr/>
+                    <a:lstStyle/>
+                    <a:p>
+                      <a:r>
+                        <a:rPr lang="en-US" dirty="0"/>
+                        <a:t>302</a:t>
+                      </a:r>
+                    </a:p>
+                  </a:txBody>
+                  <a:tcPr/>
+                </a:tc>
+                <a:tc>
+                  <a:txBody>
+                    <a:bodyPr/>
+                    <a:lstStyle/>
+                    <a:p>
+                      <a:r>
+                        <a:rPr lang="en-US" dirty="0"/>
+                        <a:t>253</a:t>
+                      </a:r>
+                    </a:p>
+                  </a:txBody>
+                  <a:tcPr/>
+                </a:tc>
+                <a:tc>
+                  <a:txBody>
+                    <a:bodyPr/>
+                    <a:lstStyle/>
+                    <a:p>
+                      <a:r>
+                        <a:rPr lang="en-US" dirty="0"/>
+                        <a:t>NA</a:t>
+                      </a:r>
+                    </a:p>
+                  </a:txBody>
+                  <a:tcPr/>
+                </a:tc>
+                <a:tc>
+                  <a:txBody>
+                    <a:bodyPr/>
+                    <a:lstStyle/>
+                    <a:p>
+                      <a:r>
+                        <a:rPr lang="en-US" dirty="0"/>
+                        <a:t>NA</a:t>
+                      </a:r>
+                    </a:p>
+                  </a:txBody>
+                  <a:tcPr/>
+                </a:tc>
+                <a:tc>
+                  <a:txBody>
+                    <a:bodyPr/>
+                    <a:lstStyle/>
+                    <a:p>
+                      <a:r>
+                        <a:rPr lang="en-US" dirty="0"/>
+                        <a:t>NA</a:t>
+                      </a:r>
+                    </a:p>
+                  </a:txBody>
+                  <a:tcPr/>
+                </a:tc>
+                <a:extLst>
+                  <a:ext uri="{0D108BD9-81ED-4DB2-BD59-A6C34878D82A}">
+                    <a16:rowId xmlns:a16="http://schemas.microsoft.com/office/drawing/2014/main" val="163592478"/>
+                  </a:ext>
+                </a:extLst>
+              </a:tr>
+              <a:tr h="586524">
+                <a:tc>
+                  <a:txBody>
+                    <a:bodyPr/>
+                    <a:lstStyle/>
+                    <a:p>
+                      <a:r>
+                        <a:rPr lang="en-US" dirty="0"/>
+                        <a:t>2347</a:t>
+                      </a:r>
+                    </a:p>
+                  </a:txBody>
+                  <a:tcPr/>
+                </a:tc>
+                <a:tc>
+                  <a:txBody>
+                    <a:bodyPr/>
+                    <a:lstStyle/>
+                    <a:p>
+                      <a:r>
+                        <a:rPr lang="en-US" dirty="0"/>
+                        <a:t>231</a:t>
+                      </a:r>
+                    </a:p>
+                  </a:txBody>
+                  <a:tcPr/>
+                </a:tc>
+                <a:tc>
+                  <a:txBody>
+                    <a:bodyPr/>
+                    <a:lstStyle/>
+                    <a:p>
+                      <a:r>
+                        <a:rPr lang="en-US" dirty="0"/>
+                        <a:t>278</a:t>
+                      </a:r>
+                    </a:p>
+                  </a:txBody>
+                  <a:tcPr/>
+                </a:tc>
+                <a:tc>
+                  <a:txBody>
+                    <a:bodyPr/>
+                    <a:lstStyle/>
+                    <a:p>
+                      <a:r>
+                        <a:rPr lang="en-US" dirty="0"/>
+                        <a:t>280</a:t>
+                      </a:r>
+                    </a:p>
+                  </a:txBody>
+                  <a:tcPr/>
+                </a:tc>
+                <a:tc>
+                  <a:txBody>
+                    <a:bodyPr/>
+                    <a:lstStyle/>
+                    <a:p>
+                      <a:r>
+                        <a:rPr lang="en-US" dirty="0"/>
+                        <a:t>270</a:t>
+                      </a:r>
+                    </a:p>
+                  </a:txBody>
+                  <a:tcPr/>
+                </a:tc>
+                <a:tc>
+                  <a:txBody>
+                    <a:bodyPr/>
+                    <a:lstStyle/>
+                    <a:p>
+                      <a:r>
+                        <a:rPr lang="en-US" dirty="0"/>
+                        <a:t>330</a:t>
+                      </a:r>
+                    </a:p>
+                  </a:txBody>
+                  <a:tcPr/>
+                </a:tc>
+                <a:tc>
+                  <a:txBody>
+                    <a:bodyPr/>
+                    <a:lstStyle/>
+                    <a:p>
+                      <a:r>
+                        <a:rPr lang="en-US" dirty="0"/>
+                        <a:t>247</a:t>
+                      </a:r>
+                    </a:p>
+                  </a:txBody>
+                  <a:tcPr/>
+                </a:tc>
+                <a:extLst>
+                  <a:ext uri="{0D108BD9-81ED-4DB2-BD59-A6C34878D82A}">
+                    <a16:rowId xmlns:a16="http://schemas.microsoft.com/office/drawing/2014/main" val="974289936"/>
+                  </a:ext>
+                </a:extLst>
+              </a:tr>
+              <a:tr h="586524">
+                <a:tc>
+                  <a:txBody>
+                    <a:bodyPr/>
+                    <a:lstStyle/>
+                    <a:p>
+                      <a:r>
+                        <a:rPr lang="en-US" dirty="0"/>
+                        <a:t>2348</a:t>
+                      </a:r>
+                    </a:p>
+                  </a:txBody>
+                  <a:tcPr/>
+                </a:tc>
+                <a:tc>
+                  <a:txBody>
+                    <a:bodyPr/>
+                    <a:lstStyle/>
+                    <a:p>
+                      <a:r>
+                        <a:rPr lang="en-US" dirty="0"/>
+                        <a:t>258</a:t>
+                      </a:r>
+                    </a:p>
+                  </a:txBody>
+                  <a:tcPr/>
+                </a:tc>
+                <a:tc>
+                  <a:txBody>
+                    <a:bodyPr/>
+                    <a:lstStyle/>
+                    <a:p>
+                      <a:r>
+                        <a:rPr lang="en-US" dirty="0"/>
+                        <a:t>269</a:t>
+                      </a:r>
+                    </a:p>
+                  </a:txBody>
+                  <a:tcPr/>
+                </a:tc>
+                <a:tc>
+                  <a:txBody>
+                    <a:bodyPr/>
+                    <a:lstStyle/>
+                    <a:p>
+                      <a:r>
+                        <a:rPr lang="en-US" dirty="0"/>
+                        <a:t>290</a:t>
+                      </a:r>
+                    </a:p>
+                  </a:txBody>
+                  <a:tcPr/>
+                </a:tc>
+                <a:tc>
+                  <a:txBody>
+                    <a:bodyPr/>
+                    <a:lstStyle/>
+                    <a:p>
+                      <a:r>
+                        <a:rPr lang="en-US" dirty="0"/>
+                        <a:t>241</a:t>
+                      </a:r>
+                    </a:p>
+                  </a:txBody>
+                  <a:tcPr/>
+                </a:tc>
+                <a:tc>
+                  <a:txBody>
+                    <a:bodyPr/>
+                    <a:lstStyle/>
+                    <a:p>
+                      <a:r>
+                        <a:rPr lang="en-US" dirty="0"/>
+                        <a:t>270</a:t>
+                      </a:r>
+                    </a:p>
+                  </a:txBody>
+                  <a:tcPr/>
+                </a:tc>
+                <a:tc>
+                  <a:txBody>
+                    <a:bodyPr/>
+                    <a:lstStyle/>
+                    <a:p>
+                      <a:r>
+                        <a:rPr lang="en-US" dirty="0"/>
+                        <a:t>300</a:t>
+                      </a:r>
+                    </a:p>
+                  </a:txBody>
+                  <a:tcPr/>
+                </a:tc>
+                <a:extLst>
+                  <a:ext uri="{0D108BD9-81ED-4DB2-BD59-A6C34878D82A}">
+                    <a16:rowId xmlns:a16="http://schemas.microsoft.com/office/drawing/2014/main" val="1613831156"/>
+                  </a:ext>
+                </a:extLst>
+              </a:tr>
+              <a:tr h="586524">
+                <a:tc>
+                  <a:txBody>
+                    <a:bodyPr/>
+                    <a:lstStyle/>
+                    <a:p>
+                      <a:r>
+                        <a:rPr lang="en-US" b="0" dirty="0">
+                          <a:solidFill>
+                            <a:schemeClr val="tx1"/>
+                          </a:solidFill>
+                        </a:rPr>
+                        <a:t>2349</a:t>
+                      </a:r>
+                    </a:p>
+                  </a:txBody>
+                  <a:tcPr/>
+                </a:tc>
+                <a:tc>
+                  <a:txBody>
+                    <a:bodyPr/>
+                    <a:lstStyle/>
+                    <a:p>
+                      <a:r>
+                        <a:rPr lang="en-US" b="0" dirty="0">
+                          <a:solidFill>
+                            <a:schemeClr val="tx1"/>
+                          </a:solidFill>
+                        </a:rPr>
+                        <a:t>NA</a:t>
+                      </a:r>
+                    </a:p>
+                  </a:txBody>
+                  <a:tcPr/>
+                </a:tc>
+                <a:tc>
+                  <a:txBody>
+                    <a:bodyPr/>
+                    <a:lstStyle/>
+                    <a:p>
+                      <a:r>
+                        <a:rPr lang="en-US" b="0" dirty="0">
+                          <a:solidFill>
+                            <a:schemeClr val="tx1"/>
+                          </a:solidFill>
+                        </a:rPr>
+                        <a:t>NA</a:t>
+                      </a:r>
+                    </a:p>
+                  </a:txBody>
+                  <a:tcPr/>
+                </a:tc>
+                <a:tc>
+                  <a:txBody>
+                    <a:bodyPr/>
+                    <a:lstStyle/>
+                    <a:p>
+                      <a:r>
+                        <a:rPr lang="en-US" b="0" dirty="0">
+                          <a:solidFill>
+                            <a:schemeClr val="tx1"/>
+                          </a:solidFill>
+                        </a:rPr>
+                        <a:t>NA</a:t>
+                      </a:r>
+                    </a:p>
+                  </a:txBody>
+                  <a:tcPr/>
+                </a:tc>
+                <a:tc>
+                  <a:txBody>
+                    <a:bodyPr/>
+                    <a:lstStyle/>
+                    <a:p>
+                      <a:r>
+                        <a:rPr lang="en-US" sz="1800" b="0" dirty="0">
+                          <a:solidFill>
+                            <a:schemeClr val="tx1"/>
+                          </a:solidFill>
+                        </a:rPr>
+                        <a:t>272</a:t>
+                      </a:r>
+                    </a:p>
+                  </a:txBody>
+                  <a:tcPr/>
+                </a:tc>
+                <a:tc>
+                  <a:txBody>
+                    <a:bodyPr/>
+                    <a:lstStyle/>
+                    <a:p>
+                      <a:r>
+                        <a:rPr lang="en-US" sz="1800" b="0" dirty="0">
+                          <a:solidFill>
+                            <a:schemeClr val="tx1"/>
+                          </a:solidFill>
+                        </a:rPr>
+                        <a:t>326</a:t>
+                      </a:r>
+                    </a:p>
+                  </a:txBody>
+                  <a:tcPr/>
+                </a:tc>
+                <a:tc>
+                  <a:txBody>
+                    <a:bodyPr/>
+                    <a:lstStyle/>
+                    <a:p>
+                      <a:r>
+                        <a:rPr lang="en-US" sz="1800" b="0" dirty="0">
+                          <a:solidFill>
+                            <a:schemeClr val="tx1"/>
+                          </a:solidFill>
+                        </a:rPr>
+                        <a:t>219</a:t>
+                      </a:r>
+                    </a:p>
+                  </a:txBody>
+                  <a:tcPr/>
+                </a:tc>
+                <a:extLst>
+                  <a:ext uri="{0D108BD9-81ED-4DB2-BD59-A6C34878D82A}">
+                    <a16:rowId xmlns:a16="http://schemas.microsoft.com/office/drawing/2014/main" val="2558198439"/>
+                  </a:ext>
+                </a:extLst>
+              </a:tr>
+            </a:tbl>
+          </a:graphicData>
+        </a:graphic>
+      </p:graphicFrame>
+      <p:sp>
+        <p:nvSpPr>
+          <p:cNvPr id="13" name="TextBox 12">
+            <a:extLst>
+              <a:ext uri="{FF2B5EF4-FFF2-40B4-BE49-F238E27FC236}">
+                <a16:creationId xmlns:a16="http://schemas.microsoft.com/office/drawing/2014/main" id="{4A34B628-20CD-E820-DF5B-A4A568E89ADC}"/>
+              </a:ext>
+            </a:extLst>
+          </p:cNvPr>
+          <p:cNvSpPr txBox="1"/>
+          <p:nvPr/>
+        </p:nvSpPr>
+        <p:spPr>
+          <a:xfrm>
+            <a:off x="4276220" y="1325574"/>
+            <a:ext cx="1734795" cy="369332"/>
+          </a:xfrm>
+          <a:prstGeom prst="rect">
+            <a:avLst/>
+          </a:prstGeom>
+          <a:noFill/>
+        </p:spPr>
+        <p:txBody>
+          <a:bodyPr wrap="square" rtlCol="0">
+            <a:spAutoFit/>
+          </a:bodyPr>
+          <a:lstStyle/>
+          <a:p>
+            <a:r>
+              <a:rPr lang="en-US" dirty="0"/>
+              <a:t>Cols to pivot</a:t>
+            </a:r>
+          </a:p>
+        </p:txBody>
+      </p:sp>
+      <p:sp>
+        <p:nvSpPr>
+          <p:cNvPr id="15" name="TextBox 14">
+            <a:extLst>
+              <a:ext uri="{FF2B5EF4-FFF2-40B4-BE49-F238E27FC236}">
+                <a16:creationId xmlns:a16="http://schemas.microsoft.com/office/drawing/2014/main" id="{3B5EC5D0-7414-72D3-DE0D-B3524579FE28}"/>
+              </a:ext>
+            </a:extLst>
+          </p:cNvPr>
+          <p:cNvSpPr txBox="1"/>
+          <p:nvPr/>
+        </p:nvSpPr>
+        <p:spPr>
+          <a:xfrm>
+            <a:off x="8060879" y="3032873"/>
+            <a:ext cx="1734795" cy="923330"/>
+          </a:xfrm>
+          <a:prstGeom prst="rect">
+            <a:avLst/>
+          </a:prstGeom>
+          <a:noFill/>
+        </p:spPr>
+        <p:txBody>
+          <a:bodyPr wrap="square" rtlCol="0">
+            <a:spAutoFit/>
+          </a:bodyPr>
+          <a:lstStyle/>
+          <a:p>
+            <a:r>
+              <a:rPr lang="en-US" dirty="0"/>
+              <a:t>names_to (categorical piece)</a:t>
+            </a:r>
+          </a:p>
+        </p:txBody>
+      </p:sp>
+      <p:sp>
+        <p:nvSpPr>
+          <p:cNvPr id="18" name="TextBox 17">
+            <a:extLst>
+              <a:ext uri="{FF2B5EF4-FFF2-40B4-BE49-F238E27FC236}">
+                <a16:creationId xmlns:a16="http://schemas.microsoft.com/office/drawing/2014/main" id="{67FF50F0-D3C9-BFC1-33C3-EE826BD2E7E8}"/>
+              </a:ext>
+            </a:extLst>
+          </p:cNvPr>
+          <p:cNvSpPr txBox="1"/>
+          <p:nvPr/>
+        </p:nvSpPr>
+        <p:spPr>
+          <a:xfrm>
+            <a:off x="6959484" y="1288852"/>
+            <a:ext cx="1970163" cy="646331"/>
+          </a:xfrm>
+          <a:prstGeom prst="rect">
+            <a:avLst/>
+          </a:prstGeom>
+          <a:noFill/>
+        </p:spPr>
+        <p:txBody>
+          <a:bodyPr wrap="square" rtlCol="0">
+            <a:spAutoFit/>
+          </a:bodyPr>
+          <a:lstStyle/>
+          <a:p>
+            <a:r>
+              <a:rPr lang="en-US" dirty="0"/>
+              <a:t>names_to</a:t>
+            </a:r>
+          </a:p>
+          <a:p>
+            <a:r>
+              <a:rPr lang="en-US" dirty="0"/>
+              <a:t>(.value reference)</a:t>
+            </a:r>
+          </a:p>
+        </p:txBody>
+      </p:sp>
+      <p:sp>
+        <p:nvSpPr>
+          <p:cNvPr id="19" name="Right Brace 18">
+            <a:extLst>
+              <a:ext uri="{FF2B5EF4-FFF2-40B4-BE49-F238E27FC236}">
+                <a16:creationId xmlns:a16="http://schemas.microsoft.com/office/drawing/2014/main" id="{CF7A2005-6CF0-5410-C261-E025A5AA24F4}"/>
+              </a:ext>
+            </a:extLst>
+          </p:cNvPr>
+          <p:cNvSpPr/>
+          <p:nvPr/>
+        </p:nvSpPr>
+        <p:spPr>
+          <a:xfrm rot="16200000">
+            <a:off x="4495919" y="-610678"/>
+            <a:ext cx="693158" cy="5304327"/>
+          </a:xfrm>
+          <a:prstGeom prst="rightBrace">
+            <a:avLst/>
+          </a:prstGeom>
+          <a:ln/>
+        </p:spPr>
+        <p:style>
+          <a:lnRef idx="3">
+            <a:schemeClr val="accent4"/>
+          </a:lnRef>
+          <a:fillRef idx="0">
+            <a:schemeClr val="accent4"/>
+          </a:fillRef>
+          <a:effectRef idx="2">
+            <a:schemeClr val="accent4"/>
+          </a:effectRef>
+          <a:fontRef idx="minor">
+            <a:schemeClr val="tx1"/>
+          </a:fontRef>
+        </p:style>
+        <p:txBody>
+          <a:bodyPr rtlCol="0" anchor="ctr"/>
+          <a:lstStyle/>
+          <a:p>
+            <a:pPr algn="ctr"/>
+            <a:endParaRPr lang="en-US"/>
+          </a:p>
+        </p:txBody>
+      </p:sp>
+      <p:cxnSp>
+        <p:nvCxnSpPr>
+          <p:cNvPr id="20" name="Straight Arrow Connector 19">
+            <a:extLst>
+              <a:ext uri="{FF2B5EF4-FFF2-40B4-BE49-F238E27FC236}">
+                <a16:creationId xmlns:a16="http://schemas.microsoft.com/office/drawing/2014/main" id="{D0D4D3B1-DF1F-2CE3-25C0-21BC84E571D6}"/>
+              </a:ext>
+            </a:extLst>
+          </p:cNvPr>
+          <p:cNvCxnSpPr>
+            <a:cxnSpLocks/>
+          </p:cNvCxnSpPr>
+          <p:nvPr/>
+        </p:nvCxnSpPr>
+        <p:spPr>
+          <a:xfrm>
+            <a:off x="3183944" y="1894693"/>
+            <a:ext cx="0" cy="846321"/>
+          </a:xfrm>
+          <a:prstGeom prst="straightConnector1">
+            <a:avLst/>
+          </a:prstGeom>
+          <a:ln>
+            <a:tailEnd type="triangle"/>
+          </a:ln>
+        </p:spPr>
+        <p:style>
+          <a:lnRef idx="3">
+            <a:schemeClr val="accent4"/>
+          </a:lnRef>
+          <a:fillRef idx="0">
+            <a:schemeClr val="accent4"/>
+          </a:fillRef>
+          <a:effectRef idx="2">
+            <a:schemeClr val="accent4"/>
+          </a:effectRef>
+          <a:fontRef idx="minor">
+            <a:schemeClr val="tx1"/>
+          </a:fontRef>
+        </p:style>
+      </p:cxnSp>
+      <p:sp>
+        <p:nvSpPr>
+          <p:cNvPr id="21" name="TextBox 20">
+            <a:extLst>
+              <a:ext uri="{FF2B5EF4-FFF2-40B4-BE49-F238E27FC236}">
+                <a16:creationId xmlns:a16="http://schemas.microsoft.com/office/drawing/2014/main" id="{0B5396E7-2F82-6F48-5C9C-4063A78A076F}"/>
+              </a:ext>
+            </a:extLst>
+          </p:cNvPr>
+          <p:cNvSpPr txBox="1"/>
+          <p:nvPr/>
+        </p:nvSpPr>
+        <p:spPr>
+          <a:xfrm>
+            <a:off x="2620797" y="1597908"/>
+            <a:ext cx="1734795" cy="369332"/>
+          </a:xfrm>
+          <a:prstGeom prst="rect">
+            <a:avLst/>
+          </a:prstGeom>
+          <a:noFill/>
+        </p:spPr>
+        <p:txBody>
+          <a:bodyPr wrap="square" rtlCol="0">
+            <a:spAutoFit/>
+          </a:bodyPr>
+          <a:lstStyle/>
+          <a:p>
+            <a:r>
+              <a:rPr lang="en-US" dirty="0"/>
+              <a:t>names_sep</a:t>
+            </a:r>
+          </a:p>
+        </p:txBody>
+      </p:sp>
+      <p:cxnSp>
+        <p:nvCxnSpPr>
+          <p:cNvPr id="22" name="Straight Arrow Connector 21">
+            <a:extLst>
+              <a:ext uri="{FF2B5EF4-FFF2-40B4-BE49-F238E27FC236}">
+                <a16:creationId xmlns:a16="http://schemas.microsoft.com/office/drawing/2014/main" id="{A867341F-9B4C-4311-866D-88372DD5446F}"/>
+              </a:ext>
+            </a:extLst>
+          </p:cNvPr>
+          <p:cNvCxnSpPr>
+            <a:cxnSpLocks/>
+          </p:cNvCxnSpPr>
+          <p:nvPr/>
+        </p:nvCxnSpPr>
+        <p:spPr>
+          <a:xfrm>
+            <a:off x="7262034" y="1857823"/>
+            <a:ext cx="0" cy="846321"/>
+          </a:xfrm>
+          <a:prstGeom prst="straightConnector1">
+            <a:avLst/>
+          </a:prstGeom>
+          <a:ln>
+            <a:tailEnd type="triangle"/>
+          </a:ln>
+        </p:spPr>
+        <p:style>
+          <a:lnRef idx="3">
+            <a:schemeClr val="accent4"/>
+          </a:lnRef>
+          <a:fillRef idx="0">
+            <a:schemeClr val="accent4"/>
+          </a:fillRef>
+          <a:effectRef idx="2">
+            <a:schemeClr val="accent4"/>
+          </a:effectRef>
+          <a:fontRef idx="minor">
+            <a:schemeClr val="tx1"/>
+          </a:fontRef>
+        </p:style>
+      </p:cxnSp>
+      <p:cxnSp>
+        <p:nvCxnSpPr>
+          <p:cNvPr id="26" name="Connector: Elbow 25">
+            <a:extLst>
+              <a:ext uri="{FF2B5EF4-FFF2-40B4-BE49-F238E27FC236}">
+                <a16:creationId xmlns:a16="http://schemas.microsoft.com/office/drawing/2014/main" id="{32C00792-EABC-9CB1-15AB-812642F71D66}"/>
+              </a:ext>
+            </a:extLst>
+          </p:cNvPr>
+          <p:cNvCxnSpPr>
+            <a:cxnSpLocks/>
+          </p:cNvCxnSpPr>
+          <p:nvPr/>
+        </p:nvCxnSpPr>
+        <p:spPr>
+          <a:xfrm rot="10800000">
+            <a:off x="7956756" y="2743200"/>
+            <a:ext cx="585293" cy="356040"/>
+          </a:xfrm>
+          <a:prstGeom prst="bentConnector3">
+            <a:avLst>
+              <a:gd name="adj1" fmla="val -1656"/>
+            </a:avLst>
+          </a:prstGeom>
+          <a:ln>
+            <a:tailEnd type="triangle"/>
+          </a:ln>
+        </p:spPr>
+        <p:style>
+          <a:lnRef idx="3">
+            <a:schemeClr val="accent4"/>
+          </a:lnRef>
+          <a:fillRef idx="0">
+            <a:schemeClr val="accent4"/>
+          </a:fillRef>
+          <a:effectRef idx="2">
+            <a:schemeClr val="accent4"/>
+          </a:effectRef>
+          <a:fontRef idx="minor">
+            <a:schemeClr val="tx1"/>
+          </a:fontRef>
+        </p:style>
+      </p:cxnSp>
+    </p:spTree>
+    <p:extLst>
+      <p:ext uri="{BB962C8B-B14F-4D97-AF65-F5344CB8AC3E}">
+        <p14:creationId xmlns:p14="http://schemas.microsoft.com/office/powerpoint/2010/main" val="126246087"/>
+      </p:ext>
+    </p:extLst>
+  </p:cSld>
+  <p:clrMapOvr>
+    <a:masterClrMapping/>
+  </p:clrMapOvr>
+</p:sld>
+</file>
+
+<file path=ppt/slides/slide28.xml><?xml version="1.0" encoding="utf-8"?>
+<p:sld xmlns:a="http://schemas.openxmlformats.org/drawingml/2006/main" xmlns:r="http://schemas.openxmlformats.org/officeDocument/2006/relationships" xmlns:p="http://schemas.openxmlformats.org/presentationml/2006/main">
+  <p:cSld>
+    <p:spTree>
+      <p:nvGrpSpPr>
+        <p:cNvPr id="1" name=""/>
+        <p:cNvGrpSpPr/>
+        <p:nvPr/>
+      </p:nvGrpSpPr>
+      <p:grpSpPr>
+        <a:xfrm>
+          <a:off x="0" y="0"/>
+          <a:ext cx="0" cy="0"/>
+          <a:chOff x="0" y="0"/>
+          <a:chExt cx="0" cy="0"/>
+        </a:xfrm>
+      </p:grpSpPr>
+      <p:graphicFrame>
+        <p:nvGraphicFramePr>
+          <p:cNvPr id="2" name="Table 10">
+            <a:extLst>
+              <a:ext uri="{FF2B5EF4-FFF2-40B4-BE49-F238E27FC236}">
+                <a16:creationId xmlns:a16="http://schemas.microsoft.com/office/drawing/2014/main" id="{7884EC7D-391B-3108-779F-A8A15870F972}"/>
+              </a:ext>
+            </a:extLst>
+          </p:cNvPr>
+          <p:cNvGraphicFramePr>
+            <a:graphicFrameLocks noGrp="1"/>
+          </p:cNvGraphicFramePr>
+          <p:nvPr>
+            <p:extLst>
+              <p:ext uri="{D42A27DB-BD31-4B8C-83A1-F6EECF244321}">
+                <p14:modId xmlns:p14="http://schemas.microsoft.com/office/powerpoint/2010/main" val="2659031085"/>
+              </p:ext>
+            </p:extLst>
+          </p:nvPr>
+        </p:nvGraphicFramePr>
+        <p:xfrm>
+          <a:off x="713665" y="2249833"/>
+          <a:ext cx="3332859" cy="3314916"/>
+        </p:xfrm>
+        <a:graphic>
+          <a:graphicData uri="http://schemas.openxmlformats.org/drawingml/2006/table">
+            <a:tbl>
+              <a:tblPr firstRow="1" bandRow="1">
+                <a:tableStyleId>{7DF18680-E054-41AD-8BC1-D1AEF772440D}</a:tableStyleId>
+              </a:tblPr>
+              <a:tblGrid>
+                <a:gridCol w="1110953">
+                  <a:extLst>
+                    <a:ext uri="{9D8B030D-6E8A-4147-A177-3AD203B41FA5}">
+                      <a16:colId xmlns:a16="http://schemas.microsoft.com/office/drawing/2014/main" val="1139443202"/>
+                    </a:ext>
+                  </a:extLst>
+                </a:gridCol>
+                <a:gridCol w="1110953">
+                  <a:extLst>
+                    <a:ext uri="{9D8B030D-6E8A-4147-A177-3AD203B41FA5}">
+                      <a16:colId xmlns:a16="http://schemas.microsoft.com/office/drawing/2014/main" val="454111221"/>
+                    </a:ext>
+                  </a:extLst>
+                </a:gridCol>
+                <a:gridCol w="1110953">
+                  <a:extLst>
+                    <a:ext uri="{9D8B030D-6E8A-4147-A177-3AD203B41FA5}">
+                      <a16:colId xmlns:a16="http://schemas.microsoft.com/office/drawing/2014/main" val="1820175672"/>
+                    </a:ext>
+                  </a:extLst>
+                </a:gridCol>
+              </a:tblGrid>
+              <a:tr h="368324">
+                <a:tc>
+                  <a:txBody>
+                    <a:bodyPr/>
+                    <a:lstStyle/>
+                    <a:p>
+                      <a:r>
+                        <a:rPr lang="en-US" dirty="0"/>
+                        <a:t>tch_id</a:t>
+                      </a:r>
+                    </a:p>
+                  </a:txBody>
+                  <a:tcPr/>
+                </a:tc>
+                <a:tc>
+                  <a:txBody>
+                    <a:bodyPr/>
+                    <a:lstStyle/>
+                    <a:p>
+                      <a:r>
+                        <a:rPr lang="en-US" dirty="0"/>
+                        <a:t>time</a:t>
+                      </a:r>
+                    </a:p>
+                  </a:txBody>
+                  <a:tcPr/>
+                </a:tc>
+                <a:tc>
+                  <a:txBody>
+                    <a:bodyPr/>
+                    <a:lstStyle/>
+                    <a:p>
+                      <a:r>
+                        <a:rPr lang="en-US" dirty="0"/>
+                        <a:t>score</a:t>
+                      </a:r>
+                    </a:p>
+                  </a:txBody>
+                  <a:tcPr/>
+                </a:tc>
+                <a:extLst>
+                  <a:ext uri="{0D108BD9-81ED-4DB2-BD59-A6C34878D82A}">
+                    <a16:rowId xmlns:a16="http://schemas.microsoft.com/office/drawing/2014/main" val="2178231600"/>
+                  </a:ext>
+                </a:extLst>
+              </a:tr>
+              <a:tr h="368324">
+                <a:tc>
+                  <a:txBody>
+                    <a:bodyPr/>
+                    <a:lstStyle/>
+                    <a:p>
+                      <a:pPr marL="0" marR="0" lvl="0" indent="0" algn="l" defTabSz="914400" rtl="0" eaLnBrk="1" fontAlgn="auto" latinLnBrk="0" hangingPunct="1">
+                        <a:lnSpc>
+                          <a:spcPct val="100000"/>
+                        </a:lnSpc>
+                        <a:spcBef>
+                          <a:spcPts val="0"/>
+                        </a:spcBef>
+                        <a:spcAft>
+                          <a:spcPts val="0"/>
+                        </a:spcAft>
+                        <a:buClrTx/>
+                        <a:buSzTx/>
+                        <a:buFontTx/>
+                        <a:buNone/>
+                        <a:tabLst/>
+                        <a:defRPr/>
+                      </a:pPr>
+                      <a:r>
+                        <a:rPr lang="en-US" dirty="0"/>
+                        <a:t>2345</a:t>
+                      </a:r>
+                    </a:p>
+                  </a:txBody>
+                  <a:tcPr/>
+                </a:tc>
+                <a:tc>
+                  <a:txBody>
+                    <a:bodyPr/>
+                    <a:lstStyle/>
+                    <a:p>
+                      <a:r>
+                        <a:rPr lang="en-US" dirty="0"/>
+                        <a:t>time1</a:t>
+                      </a:r>
+                    </a:p>
+                  </a:txBody>
+                  <a:tcPr/>
+                </a:tc>
+                <a:tc>
+                  <a:txBody>
+                    <a:bodyPr/>
+                    <a:lstStyle/>
+                    <a:p>
+                      <a:pPr marL="0" marR="0" lvl="0" indent="0" algn="l" defTabSz="914400" rtl="0" eaLnBrk="1" fontAlgn="auto" latinLnBrk="0" hangingPunct="1">
+                        <a:lnSpc>
+                          <a:spcPct val="100000"/>
+                        </a:lnSpc>
+                        <a:spcBef>
+                          <a:spcPts val="0"/>
+                        </a:spcBef>
+                        <a:spcAft>
+                          <a:spcPts val="0"/>
+                        </a:spcAft>
+                        <a:buClrTx/>
+                        <a:buSzTx/>
+                        <a:buFontTx/>
+                        <a:buNone/>
+                        <a:tabLst/>
+                        <a:defRPr/>
+                      </a:pPr>
+                      <a:r>
+                        <a:rPr lang="en-US" dirty="0"/>
+                        <a:t>30</a:t>
+                      </a:r>
+                    </a:p>
+                  </a:txBody>
+                  <a:tcPr/>
+                </a:tc>
+                <a:extLst>
+                  <a:ext uri="{0D108BD9-81ED-4DB2-BD59-A6C34878D82A}">
+                    <a16:rowId xmlns:a16="http://schemas.microsoft.com/office/drawing/2014/main" val="2194170835"/>
+                  </a:ext>
+                </a:extLst>
+              </a:tr>
+              <a:tr h="368324">
+                <a:tc>
+                  <a:txBody>
+                    <a:bodyPr/>
+                    <a:lstStyle/>
+                    <a:p>
+                      <a:pPr marL="0" marR="0" lvl="0" indent="0" algn="l" defTabSz="914400" rtl="0" eaLnBrk="1" fontAlgn="auto" latinLnBrk="0" hangingPunct="1">
+                        <a:lnSpc>
+                          <a:spcPct val="100000"/>
+                        </a:lnSpc>
+                        <a:spcBef>
+                          <a:spcPts val="0"/>
+                        </a:spcBef>
+                        <a:spcAft>
+                          <a:spcPts val="0"/>
+                        </a:spcAft>
+                        <a:buClrTx/>
+                        <a:buSzTx/>
+                        <a:buFontTx/>
+                        <a:buNone/>
+                        <a:tabLst/>
+                        <a:defRPr/>
+                      </a:pPr>
+                      <a:r>
+                        <a:rPr lang="en-US" dirty="0"/>
+                        <a:t>2345</a:t>
+                      </a:r>
+                    </a:p>
+                  </a:txBody>
+                  <a:tcPr/>
+                </a:tc>
+                <a:tc>
+                  <a:txBody>
+                    <a:bodyPr/>
+                    <a:lstStyle/>
+                    <a:p>
+                      <a:r>
+                        <a:rPr lang="en-US" dirty="0"/>
+                        <a:t>time2</a:t>
+                      </a:r>
+                    </a:p>
+                  </a:txBody>
+                  <a:tcPr/>
+                </a:tc>
+                <a:tc>
+                  <a:txBody>
+                    <a:bodyPr/>
+                    <a:lstStyle/>
+                    <a:p>
+                      <a:pPr marL="0" marR="0" lvl="0" indent="0" algn="l" defTabSz="914400" rtl="0" eaLnBrk="1" fontAlgn="auto" latinLnBrk="0" hangingPunct="1">
+                        <a:lnSpc>
+                          <a:spcPct val="100000"/>
+                        </a:lnSpc>
+                        <a:spcBef>
+                          <a:spcPts val="0"/>
+                        </a:spcBef>
+                        <a:spcAft>
+                          <a:spcPts val="0"/>
+                        </a:spcAft>
+                        <a:buClrTx/>
+                        <a:buSzTx/>
+                        <a:buFontTx/>
+                        <a:buNone/>
+                        <a:tabLst/>
+                        <a:defRPr/>
+                      </a:pPr>
+                      <a:r>
+                        <a:rPr lang="en-US" dirty="0"/>
+                        <a:t>40</a:t>
+                      </a:r>
+                    </a:p>
+                  </a:txBody>
+                  <a:tcPr/>
+                </a:tc>
+                <a:extLst>
+                  <a:ext uri="{0D108BD9-81ED-4DB2-BD59-A6C34878D82A}">
+                    <a16:rowId xmlns:a16="http://schemas.microsoft.com/office/drawing/2014/main" val="64962654"/>
+                  </a:ext>
+                </a:extLst>
+              </a:tr>
+              <a:tr h="368324">
+                <a:tc>
+                  <a:txBody>
+                    <a:bodyPr/>
+                    <a:lstStyle/>
+                    <a:p>
+                      <a:pPr marL="0" marR="0" lvl="0" indent="0" algn="l" defTabSz="914400" rtl="0" eaLnBrk="1" fontAlgn="auto" latinLnBrk="0" hangingPunct="1">
+                        <a:lnSpc>
+                          <a:spcPct val="100000"/>
+                        </a:lnSpc>
+                        <a:spcBef>
+                          <a:spcPts val="0"/>
+                        </a:spcBef>
+                        <a:spcAft>
+                          <a:spcPts val="0"/>
+                        </a:spcAft>
+                        <a:buClrTx/>
+                        <a:buSzTx/>
+                        <a:buFontTx/>
+                        <a:buNone/>
+                        <a:tabLst/>
+                        <a:defRPr/>
+                      </a:pPr>
+                      <a:r>
+                        <a:rPr lang="en-US" dirty="0"/>
+                        <a:t>2346</a:t>
+                      </a:r>
+                    </a:p>
+                  </a:txBody>
+                  <a:tcPr/>
+                </a:tc>
+                <a:tc>
+                  <a:txBody>
+                    <a:bodyPr/>
+                    <a:lstStyle/>
+                    <a:p>
+                      <a:r>
+                        <a:rPr lang="en-US" dirty="0"/>
+                        <a:t>time1</a:t>
+                      </a:r>
+                    </a:p>
+                  </a:txBody>
+                  <a:tcPr/>
+                </a:tc>
+                <a:tc>
+                  <a:txBody>
+                    <a:bodyPr/>
+                    <a:lstStyle/>
+                    <a:p>
+                      <a:r>
+                        <a:rPr lang="en-US" dirty="0"/>
+                        <a:t>30</a:t>
+                      </a:r>
+                    </a:p>
+                  </a:txBody>
+                  <a:tcPr/>
+                </a:tc>
+                <a:extLst>
+                  <a:ext uri="{0D108BD9-81ED-4DB2-BD59-A6C34878D82A}">
+                    <a16:rowId xmlns:a16="http://schemas.microsoft.com/office/drawing/2014/main" val="3198954005"/>
+                  </a:ext>
+                </a:extLst>
+              </a:tr>
+              <a:tr h="368324">
+                <a:tc>
+                  <a:txBody>
+                    <a:bodyPr/>
+                    <a:lstStyle/>
+                    <a:p>
+                      <a:pPr marL="0" marR="0" lvl="0" indent="0" algn="l" defTabSz="914400" rtl="0" eaLnBrk="1" fontAlgn="auto" latinLnBrk="0" hangingPunct="1">
+                        <a:lnSpc>
+                          <a:spcPct val="100000"/>
+                        </a:lnSpc>
+                        <a:spcBef>
+                          <a:spcPts val="0"/>
+                        </a:spcBef>
+                        <a:spcAft>
+                          <a:spcPts val="0"/>
+                        </a:spcAft>
+                        <a:buClrTx/>
+                        <a:buSzTx/>
+                        <a:buFontTx/>
+                        <a:buNone/>
+                        <a:tabLst/>
+                        <a:defRPr/>
+                      </a:pPr>
+                      <a:r>
+                        <a:rPr lang="en-US" dirty="0"/>
+                        <a:t>2346</a:t>
+                      </a:r>
+                    </a:p>
+                  </a:txBody>
+                  <a:tcPr/>
+                </a:tc>
+                <a:tc>
+                  <a:txBody>
+                    <a:bodyPr/>
+                    <a:lstStyle/>
+                    <a:p>
+                      <a:r>
+                        <a:rPr lang="en-US" dirty="0"/>
+                        <a:t>time2</a:t>
+                      </a:r>
+                    </a:p>
+                  </a:txBody>
+                  <a:tcPr/>
+                </a:tc>
+                <a:tc>
+                  <a:txBody>
+                    <a:bodyPr/>
+                    <a:lstStyle/>
+                    <a:p>
+                      <a:r>
+                        <a:rPr lang="en-US" dirty="0"/>
+                        <a:t>50</a:t>
+                      </a:r>
+                    </a:p>
+                  </a:txBody>
+                  <a:tcPr/>
+                </a:tc>
+                <a:extLst>
+                  <a:ext uri="{0D108BD9-81ED-4DB2-BD59-A6C34878D82A}">
+                    <a16:rowId xmlns:a16="http://schemas.microsoft.com/office/drawing/2014/main" val="1032079935"/>
+                  </a:ext>
+                </a:extLst>
+              </a:tr>
+              <a:tr h="368324">
+                <a:tc>
+                  <a:txBody>
+                    <a:bodyPr/>
+                    <a:lstStyle/>
+                    <a:p>
+                      <a:pPr marL="0" marR="0" lvl="0" indent="0" algn="l" defTabSz="914400" rtl="0" eaLnBrk="1" fontAlgn="auto" latinLnBrk="0" hangingPunct="1">
+                        <a:lnSpc>
+                          <a:spcPct val="100000"/>
+                        </a:lnSpc>
+                        <a:spcBef>
+                          <a:spcPts val="0"/>
+                        </a:spcBef>
+                        <a:spcAft>
+                          <a:spcPts val="0"/>
+                        </a:spcAft>
+                        <a:buClrTx/>
+                        <a:buSzTx/>
+                        <a:buFontTx/>
+                        <a:buNone/>
+                        <a:tabLst/>
+                        <a:defRPr/>
+                      </a:pPr>
+                      <a:r>
+                        <a:rPr lang="en-US" dirty="0"/>
+                        <a:t>2347</a:t>
+                      </a:r>
+                    </a:p>
+                  </a:txBody>
+                  <a:tcPr/>
+                </a:tc>
+                <a:tc>
+                  <a:txBody>
+                    <a:bodyPr/>
+                    <a:lstStyle/>
+                    <a:p>
+                      <a:r>
+                        <a:rPr lang="en-US" dirty="0"/>
+                        <a:t>time1</a:t>
+                      </a:r>
+                    </a:p>
+                  </a:txBody>
+                  <a:tcPr/>
+                </a:tc>
+                <a:tc>
+                  <a:txBody>
+                    <a:bodyPr/>
+                    <a:lstStyle/>
+                    <a:p>
+                      <a:r>
+                        <a:rPr lang="en-US" dirty="0"/>
+                        <a:t>NA</a:t>
+                      </a:r>
+                    </a:p>
+                  </a:txBody>
+                  <a:tcPr/>
+                </a:tc>
+                <a:extLst>
+                  <a:ext uri="{0D108BD9-81ED-4DB2-BD59-A6C34878D82A}">
+                    <a16:rowId xmlns:a16="http://schemas.microsoft.com/office/drawing/2014/main" val="2354353483"/>
+                  </a:ext>
+                </a:extLst>
+              </a:tr>
+              <a:tr h="368324">
+                <a:tc>
+                  <a:txBody>
+                    <a:bodyPr/>
+                    <a:lstStyle/>
+                    <a:p>
+                      <a:pPr marL="0" marR="0" lvl="0" indent="0" algn="l" defTabSz="914400" rtl="0" eaLnBrk="1" fontAlgn="auto" latinLnBrk="0" hangingPunct="1">
+                        <a:lnSpc>
+                          <a:spcPct val="100000"/>
+                        </a:lnSpc>
+                        <a:spcBef>
+                          <a:spcPts val="0"/>
+                        </a:spcBef>
+                        <a:spcAft>
+                          <a:spcPts val="0"/>
+                        </a:spcAft>
+                        <a:buClrTx/>
+                        <a:buSzTx/>
+                        <a:buFontTx/>
+                        <a:buNone/>
+                        <a:tabLst/>
+                        <a:defRPr/>
+                      </a:pPr>
+                      <a:r>
+                        <a:rPr lang="en-US" dirty="0"/>
+                        <a:t>2347</a:t>
+                      </a:r>
+                    </a:p>
+                  </a:txBody>
+                  <a:tcPr/>
+                </a:tc>
+                <a:tc>
+                  <a:txBody>
+                    <a:bodyPr/>
+                    <a:lstStyle/>
+                    <a:p>
+                      <a:r>
+                        <a:rPr lang="en-US" dirty="0"/>
+                        <a:t>time2</a:t>
+                      </a:r>
+                    </a:p>
+                  </a:txBody>
+                  <a:tcPr/>
+                </a:tc>
+                <a:tc>
+                  <a:txBody>
+                    <a:bodyPr/>
+                    <a:lstStyle/>
+                    <a:p>
+                      <a:r>
+                        <a:rPr lang="en-US" dirty="0"/>
+                        <a:t>40</a:t>
+                      </a:r>
+                    </a:p>
+                  </a:txBody>
+                  <a:tcPr/>
+                </a:tc>
+                <a:extLst>
+                  <a:ext uri="{0D108BD9-81ED-4DB2-BD59-A6C34878D82A}">
+                    <a16:rowId xmlns:a16="http://schemas.microsoft.com/office/drawing/2014/main" val="2715296505"/>
+                  </a:ext>
+                </a:extLst>
+              </a:tr>
+              <a:tr h="368324">
+                <a:tc>
+                  <a:txBody>
+                    <a:bodyPr/>
+                    <a:lstStyle/>
+                    <a:p>
+                      <a:pPr marL="0" marR="0" lvl="0" indent="0" algn="l" defTabSz="914400" rtl="0" eaLnBrk="1" fontAlgn="auto" latinLnBrk="0" hangingPunct="1">
+                        <a:lnSpc>
+                          <a:spcPct val="100000"/>
+                        </a:lnSpc>
+                        <a:spcBef>
+                          <a:spcPts val="0"/>
+                        </a:spcBef>
+                        <a:spcAft>
+                          <a:spcPts val="0"/>
+                        </a:spcAft>
+                        <a:buClrTx/>
+                        <a:buSzTx/>
+                        <a:buFontTx/>
+                        <a:buNone/>
+                        <a:tabLst/>
+                        <a:defRPr/>
+                      </a:pPr>
+                      <a:r>
+                        <a:rPr lang="en-US" dirty="0"/>
+                        <a:t>2348</a:t>
+                      </a:r>
+                    </a:p>
+                  </a:txBody>
+                  <a:tcPr/>
+                </a:tc>
+                <a:tc>
+                  <a:txBody>
+                    <a:bodyPr/>
+                    <a:lstStyle/>
+                    <a:p>
+                      <a:r>
+                        <a:rPr lang="en-US" dirty="0"/>
+                        <a:t>time1</a:t>
+                      </a:r>
+                    </a:p>
+                  </a:txBody>
+                  <a:tcPr/>
+                </a:tc>
+                <a:tc>
+                  <a:txBody>
+                    <a:bodyPr/>
+                    <a:lstStyle/>
+                    <a:p>
+                      <a:r>
+                        <a:rPr lang="en-US" dirty="0"/>
+                        <a:t>45</a:t>
+                      </a:r>
+                    </a:p>
+                  </a:txBody>
+                  <a:tcPr/>
+                </a:tc>
+                <a:extLst>
+                  <a:ext uri="{0D108BD9-81ED-4DB2-BD59-A6C34878D82A}">
+                    <a16:rowId xmlns:a16="http://schemas.microsoft.com/office/drawing/2014/main" val="800972316"/>
+                  </a:ext>
+                </a:extLst>
+              </a:tr>
+              <a:tr h="368324">
+                <a:tc>
+                  <a:txBody>
+                    <a:bodyPr/>
+                    <a:lstStyle/>
+                    <a:p>
+                      <a:pPr marL="0" marR="0" lvl="0" indent="0" algn="l" defTabSz="914400" rtl="0" eaLnBrk="1" fontAlgn="auto" latinLnBrk="0" hangingPunct="1">
+                        <a:lnSpc>
+                          <a:spcPct val="100000"/>
+                        </a:lnSpc>
+                        <a:spcBef>
+                          <a:spcPts val="0"/>
+                        </a:spcBef>
+                        <a:spcAft>
+                          <a:spcPts val="0"/>
+                        </a:spcAft>
+                        <a:buClrTx/>
+                        <a:buSzTx/>
+                        <a:buFontTx/>
+                        <a:buNone/>
+                        <a:tabLst/>
+                        <a:defRPr/>
+                      </a:pPr>
+                      <a:r>
+                        <a:rPr lang="en-US" dirty="0"/>
+                        <a:t>2348</a:t>
+                      </a:r>
+                    </a:p>
+                  </a:txBody>
+                  <a:tcPr/>
+                </a:tc>
+                <a:tc>
+                  <a:txBody>
+                    <a:bodyPr/>
+                    <a:lstStyle/>
+                    <a:p>
+                      <a:r>
+                        <a:rPr lang="en-US" dirty="0"/>
+                        <a:t>time2</a:t>
+                      </a:r>
+                    </a:p>
+                  </a:txBody>
+                  <a:tcPr/>
+                </a:tc>
+                <a:tc>
+                  <a:txBody>
+                    <a:bodyPr/>
+                    <a:lstStyle/>
+                    <a:p>
+                      <a:r>
+                        <a:rPr lang="en-US" dirty="0"/>
+                        <a:t>NA</a:t>
+                      </a:r>
+                    </a:p>
+                  </a:txBody>
+                  <a:tcPr/>
+                </a:tc>
+                <a:extLst>
+                  <a:ext uri="{0D108BD9-81ED-4DB2-BD59-A6C34878D82A}">
+                    <a16:rowId xmlns:a16="http://schemas.microsoft.com/office/drawing/2014/main" val="1656364354"/>
+                  </a:ext>
+                </a:extLst>
+              </a:tr>
+            </a:tbl>
+          </a:graphicData>
+        </a:graphic>
+      </p:graphicFrame>
+      <p:cxnSp>
+        <p:nvCxnSpPr>
+          <p:cNvPr id="3" name="Straight Arrow Connector 2">
+            <a:extLst>
+              <a:ext uri="{FF2B5EF4-FFF2-40B4-BE49-F238E27FC236}">
+                <a16:creationId xmlns:a16="http://schemas.microsoft.com/office/drawing/2014/main" id="{0195681B-8C8C-E069-D0EF-2545B25EC3B3}"/>
+              </a:ext>
+            </a:extLst>
+          </p:cNvPr>
+          <p:cNvCxnSpPr>
+            <a:cxnSpLocks/>
+          </p:cNvCxnSpPr>
+          <p:nvPr/>
+        </p:nvCxnSpPr>
+        <p:spPr>
+          <a:xfrm>
+            <a:off x="2252130" y="1621222"/>
+            <a:ext cx="0" cy="699529"/>
+          </a:xfrm>
+          <a:prstGeom prst="straightConnector1">
+            <a:avLst/>
+          </a:prstGeom>
+          <a:ln>
+            <a:tailEnd type="triangle"/>
+          </a:ln>
+        </p:spPr>
+        <p:style>
+          <a:lnRef idx="3">
+            <a:schemeClr val="accent4"/>
+          </a:lnRef>
+          <a:fillRef idx="0">
+            <a:schemeClr val="accent4"/>
+          </a:fillRef>
+          <a:effectRef idx="2">
+            <a:schemeClr val="accent4"/>
+          </a:effectRef>
+          <a:fontRef idx="minor">
+            <a:schemeClr val="tx1"/>
+          </a:fontRef>
+        </p:style>
+      </p:cxnSp>
+      <p:sp>
+        <p:nvSpPr>
+          <p:cNvPr id="4" name="TextBox 3">
+            <a:extLst>
+              <a:ext uri="{FF2B5EF4-FFF2-40B4-BE49-F238E27FC236}">
+                <a16:creationId xmlns:a16="http://schemas.microsoft.com/office/drawing/2014/main" id="{EED24321-56F2-DA86-B703-0FB806C83B5D}"/>
+              </a:ext>
+            </a:extLst>
+          </p:cNvPr>
+          <p:cNvSpPr txBox="1"/>
+          <p:nvPr/>
+        </p:nvSpPr>
+        <p:spPr>
+          <a:xfrm>
+            <a:off x="1504337" y="1219570"/>
+            <a:ext cx="1391577" cy="369332"/>
+          </a:xfrm>
+          <a:prstGeom prst="rect">
+            <a:avLst/>
+          </a:prstGeom>
+          <a:noFill/>
+        </p:spPr>
+        <p:txBody>
+          <a:bodyPr wrap="square" rtlCol="0">
+            <a:spAutoFit/>
+          </a:bodyPr>
+          <a:lstStyle/>
+          <a:p>
+            <a:r>
+              <a:rPr lang="en-US" dirty="0"/>
+              <a:t>names_from</a:t>
+            </a:r>
+          </a:p>
+        </p:txBody>
+      </p:sp>
+      <p:cxnSp>
+        <p:nvCxnSpPr>
+          <p:cNvPr id="5" name="Straight Arrow Connector 4">
+            <a:extLst>
+              <a:ext uri="{FF2B5EF4-FFF2-40B4-BE49-F238E27FC236}">
+                <a16:creationId xmlns:a16="http://schemas.microsoft.com/office/drawing/2014/main" id="{2CBBE452-09C4-3A04-91A9-6D4EF1B1EBFF}"/>
+              </a:ext>
+            </a:extLst>
+          </p:cNvPr>
+          <p:cNvCxnSpPr>
+            <a:cxnSpLocks/>
+          </p:cNvCxnSpPr>
+          <p:nvPr/>
+        </p:nvCxnSpPr>
+        <p:spPr>
+          <a:xfrm>
+            <a:off x="3395843" y="1588902"/>
+            <a:ext cx="0" cy="699529"/>
+          </a:xfrm>
+          <a:prstGeom prst="straightConnector1">
+            <a:avLst/>
+          </a:prstGeom>
+          <a:ln>
+            <a:tailEnd type="triangle"/>
+          </a:ln>
+        </p:spPr>
+        <p:style>
+          <a:lnRef idx="3">
+            <a:schemeClr val="accent4"/>
+          </a:lnRef>
+          <a:fillRef idx="0">
+            <a:schemeClr val="accent4"/>
+          </a:fillRef>
+          <a:effectRef idx="2">
+            <a:schemeClr val="accent4"/>
+          </a:effectRef>
+          <a:fontRef idx="minor">
+            <a:schemeClr val="tx1"/>
+          </a:fontRef>
+        </p:style>
+      </p:cxnSp>
+      <p:sp>
+        <p:nvSpPr>
+          <p:cNvPr id="6" name="TextBox 5">
+            <a:extLst>
+              <a:ext uri="{FF2B5EF4-FFF2-40B4-BE49-F238E27FC236}">
+                <a16:creationId xmlns:a16="http://schemas.microsoft.com/office/drawing/2014/main" id="{644BFBB1-3BFB-0DDC-95E5-3CE328A16DE7}"/>
+              </a:ext>
+            </a:extLst>
+          </p:cNvPr>
+          <p:cNvSpPr txBox="1"/>
+          <p:nvPr/>
+        </p:nvSpPr>
+        <p:spPr>
+          <a:xfrm>
+            <a:off x="2895913" y="1219570"/>
+            <a:ext cx="1391571" cy="369332"/>
+          </a:xfrm>
+          <a:prstGeom prst="rect">
+            <a:avLst/>
+          </a:prstGeom>
+          <a:noFill/>
+        </p:spPr>
+        <p:txBody>
+          <a:bodyPr wrap="square" rtlCol="0">
+            <a:spAutoFit/>
+          </a:bodyPr>
+          <a:lstStyle/>
+          <a:p>
+            <a:r>
+              <a:rPr lang="en-US" dirty="0"/>
+              <a:t>values_from</a:t>
+            </a:r>
+          </a:p>
+        </p:txBody>
+      </p:sp>
+      <p:graphicFrame>
+        <p:nvGraphicFramePr>
+          <p:cNvPr id="9" name="Table 2">
+            <a:extLst>
+              <a:ext uri="{FF2B5EF4-FFF2-40B4-BE49-F238E27FC236}">
+                <a16:creationId xmlns:a16="http://schemas.microsoft.com/office/drawing/2014/main" id="{D1E726AB-F640-DCD2-22AF-585B71C76EA7}"/>
+              </a:ext>
+            </a:extLst>
+          </p:cNvPr>
+          <p:cNvGraphicFramePr>
+            <a:graphicFrameLocks noGrp="1"/>
+          </p:cNvGraphicFramePr>
+          <p:nvPr>
+            <p:extLst>
+              <p:ext uri="{D42A27DB-BD31-4B8C-83A1-F6EECF244321}">
+                <p14:modId xmlns:p14="http://schemas.microsoft.com/office/powerpoint/2010/main" val="584447374"/>
+              </p:ext>
+            </p:extLst>
+          </p:nvPr>
+        </p:nvGraphicFramePr>
+        <p:xfrm>
+          <a:off x="4726240" y="2249833"/>
+          <a:ext cx="3146751" cy="2314090"/>
+        </p:xfrm>
+        <a:graphic>
+          <a:graphicData uri="http://schemas.openxmlformats.org/drawingml/2006/table">
+            <a:tbl>
+              <a:tblPr firstRow="1" bandRow="1">
+                <a:tableStyleId>{7DF18680-E054-41AD-8BC1-D1AEF772440D}</a:tableStyleId>
+              </a:tblPr>
+              <a:tblGrid>
+                <a:gridCol w="1048917">
+                  <a:extLst>
+                    <a:ext uri="{9D8B030D-6E8A-4147-A177-3AD203B41FA5}">
+                      <a16:colId xmlns:a16="http://schemas.microsoft.com/office/drawing/2014/main" val="265655309"/>
+                    </a:ext>
+                  </a:extLst>
+                </a:gridCol>
+                <a:gridCol w="1048917">
+                  <a:extLst>
+                    <a:ext uri="{9D8B030D-6E8A-4147-A177-3AD203B41FA5}">
+                      <a16:colId xmlns:a16="http://schemas.microsoft.com/office/drawing/2014/main" val="1793215245"/>
+                    </a:ext>
+                  </a:extLst>
+                </a:gridCol>
+                <a:gridCol w="1048917">
+                  <a:extLst>
+                    <a:ext uri="{9D8B030D-6E8A-4147-A177-3AD203B41FA5}">
+                      <a16:colId xmlns:a16="http://schemas.microsoft.com/office/drawing/2014/main" val="57496481"/>
+                    </a:ext>
+                  </a:extLst>
+                </a:gridCol>
+              </a:tblGrid>
+              <a:tr h="462818">
+                <a:tc>
+                  <a:txBody>
+                    <a:bodyPr/>
+                    <a:lstStyle/>
+                    <a:p>
+                      <a:pPr algn="ctr"/>
+                      <a:r>
+                        <a:rPr lang="en-US" sz="1600" dirty="0"/>
+                        <a:t>tch_id</a:t>
+                      </a:r>
+                    </a:p>
+                  </a:txBody>
+                  <a:tcPr/>
+                </a:tc>
+                <a:tc>
+                  <a:txBody>
+                    <a:bodyPr/>
+                    <a:lstStyle/>
+                    <a:p>
+                      <a:pPr algn="ctr"/>
+                      <a:r>
+                        <a:rPr lang="en-US" sz="1600" dirty="0"/>
+                        <a:t>time1</a:t>
+                      </a:r>
+                    </a:p>
+                  </a:txBody>
+                  <a:tcPr/>
+                </a:tc>
+                <a:tc>
+                  <a:txBody>
+                    <a:bodyPr/>
+                    <a:lstStyle/>
+                    <a:p>
+                      <a:pPr algn="ctr"/>
+                      <a:r>
+                        <a:rPr lang="en-US" sz="1600" dirty="0"/>
+                        <a:t>time2</a:t>
+                      </a:r>
+                    </a:p>
+                  </a:txBody>
+                  <a:tcPr/>
+                </a:tc>
+                <a:extLst>
+                  <a:ext uri="{0D108BD9-81ED-4DB2-BD59-A6C34878D82A}">
+                    <a16:rowId xmlns:a16="http://schemas.microsoft.com/office/drawing/2014/main" val="827956568"/>
+                  </a:ext>
+                </a:extLst>
+              </a:tr>
+              <a:tr h="462818">
+                <a:tc>
+                  <a:txBody>
+                    <a:bodyPr/>
+                    <a:lstStyle/>
+                    <a:p>
+                      <a:r>
+                        <a:rPr lang="en-US" dirty="0"/>
+                        <a:t>2345</a:t>
+                      </a:r>
+                    </a:p>
+                  </a:txBody>
+                  <a:tcPr/>
+                </a:tc>
+                <a:tc>
+                  <a:txBody>
+                    <a:bodyPr/>
+                    <a:lstStyle/>
+                    <a:p>
+                      <a:r>
+                        <a:rPr lang="en-US" dirty="0"/>
+                        <a:t>30</a:t>
+                      </a:r>
+                    </a:p>
+                  </a:txBody>
+                  <a:tcPr/>
+                </a:tc>
+                <a:tc>
+                  <a:txBody>
+                    <a:bodyPr/>
+                    <a:lstStyle/>
+                    <a:p>
+                      <a:r>
+                        <a:rPr lang="en-US" dirty="0"/>
+                        <a:t>40</a:t>
+                      </a:r>
+                    </a:p>
+                  </a:txBody>
+                  <a:tcPr/>
+                </a:tc>
+                <a:extLst>
+                  <a:ext uri="{0D108BD9-81ED-4DB2-BD59-A6C34878D82A}">
+                    <a16:rowId xmlns:a16="http://schemas.microsoft.com/office/drawing/2014/main" val="1746814461"/>
+                  </a:ext>
+                </a:extLst>
+              </a:tr>
+              <a:tr h="462818">
+                <a:tc>
+                  <a:txBody>
+                    <a:bodyPr/>
+                    <a:lstStyle/>
+                    <a:p>
+                      <a:r>
+                        <a:rPr lang="en-US" dirty="0"/>
+                        <a:t>2346</a:t>
+                      </a:r>
+                    </a:p>
+                  </a:txBody>
+                  <a:tcPr/>
+                </a:tc>
+                <a:tc>
+                  <a:txBody>
+                    <a:bodyPr/>
+                    <a:lstStyle/>
+                    <a:p>
+                      <a:r>
+                        <a:rPr lang="en-US" dirty="0"/>
+                        <a:t>30</a:t>
+                      </a:r>
+                    </a:p>
+                  </a:txBody>
+                  <a:tcPr/>
+                </a:tc>
+                <a:tc>
+                  <a:txBody>
+                    <a:bodyPr/>
+                    <a:lstStyle/>
+                    <a:p>
+                      <a:r>
+                        <a:rPr lang="en-US" dirty="0"/>
+                        <a:t>50</a:t>
+                      </a:r>
+                    </a:p>
+                  </a:txBody>
+                  <a:tcPr/>
+                </a:tc>
+                <a:extLst>
+                  <a:ext uri="{0D108BD9-81ED-4DB2-BD59-A6C34878D82A}">
+                    <a16:rowId xmlns:a16="http://schemas.microsoft.com/office/drawing/2014/main" val="2156539387"/>
+                  </a:ext>
+                </a:extLst>
+              </a:tr>
+              <a:tr h="462818">
+                <a:tc>
+                  <a:txBody>
+                    <a:bodyPr/>
+                    <a:lstStyle/>
+                    <a:p>
+                      <a:r>
+                        <a:rPr lang="en-US" dirty="0"/>
+                        <a:t>2347</a:t>
+                      </a:r>
+                    </a:p>
+                  </a:txBody>
+                  <a:tcPr/>
+                </a:tc>
+                <a:tc>
+                  <a:txBody>
+                    <a:bodyPr/>
+                    <a:lstStyle/>
+                    <a:p>
+                      <a:r>
+                        <a:rPr lang="en-US" dirty="0"/>
+                        <a:t>NA</a:t>
+                      </a:r>
+                    </a:p>
+                  </a:txBody>
+                  <a:tcPr/>
+                </a:tc>
+                <a:tc>
+                  <a:txBody>
+                    <a:bodyPr/>
+                    <a:lstStyle/>
+                    <a:p>
+                      <a:r>
+                        <a:rPr lang="en-US" dirty="0"/>
+                        <a:t>40</a:t>
+                      </a:r>
+                    </a:p>
+                  </a:txBody>
+                  <a:tcPr/>
+                </a:tc>
+                <a:extLst>
+                  <a:ext uri="{0D108BD9-81ED-4DB2-BD59-A6C34878D82A}">
+                    <a16:rowId xmlns:a16="http://schemas.microsoft.com/office/drawing/2014/main" val="447071123"/>
+                  </a:ext>
+                </a:extLst>
+              </a:tr>
+              <a:tr h="462818">
+                <a:tc>
+                  <a:txBody>
+                    <a:bodyPr/>
+                    <a:lstStyle/>
+                    <a:p>
+                      <a:r>
+                        <a:rPr lang="en-US" dirty="0"/>
+                        <a:t>2348</a:t>
+                      </a:r>
+                    </a:p>
+                  </a:txBody>
+                  <a:tcPr/>
+                </a:tc>
+                <a:tc>
+                  <a:txBody>
+                    <a:bodyPr/>
+                    <a:lstStyle/>
+                    <a:p>
+                      <a:r>
+                        <a:rPr lang="en-US" dirty="0"/>
+                        <a:t>45</a:t>
+                      </a:r>
+                    </a:p>
+                  </a:txBody>
+                  <a:tcPr/>
+                </a:tc>
+                <a:tc>
+                  <a:txBody>
+                    <a:bodyPr/>
+                    <a:lstStyle/>
+                    <a:p>
+                      <a:r>
+                        <a:rPr lang="en-US" dirty="0"/>
+                        <a:t>NA</a:t>
+                      </a:r>
+                    </a:p>
+                  </a:txBody>
+                  <a:tcPr/>
+                </a:tc>
+                <a:extLst>
+                  <a:ext uri="{0D108BD9-81ED-4DB2-BD59-A6C34878D82A}">
+                    <a16:rowId xmlns:a16="http://schemas.microsoft.com/office/drawing/2014/main" val="2776241164"/>
+                  </a:ext>
+                </a:extLst>
+              </a:tr>
+            </a:tbl>
+          </a:graphicData>
+        </a:graphic>
+      </p:graphicFrame>
+      <p:cxnSp>
+        <p:nvCxnSpPr>
+          <p:cNvPr id="16" name="Connector: Elbow 15">
+            <a:extLst>
+              <a:ext uri="{FF2B5EF4-FFF2-40B4-BE49-F238E27FC236}">
+                <a16:creationId xmlns:a16="http://schemas.microsoft.com/office/drawing/2014/main" id="{6F10DE97-4F07-E28F-178F-AF8BC0EDB188}"/>
+              </a:ext>
+            </a:extLst>
+          </p:cNvPr>
+          <p:cNvCxnSpPr>
+            <a:cxnSpLocks/>
+          </p:cNvCxnSpPr>
+          <p:nvPr/>
+        </p:nvCxnSpPr>
+        <p:spPr>
+          <a:xfrm>
+            <a:off x="4046524" y="2800350"/>
+            <a:ext cx="679716" cy="209550"/>
+          </a:xfrm>
+          <a:prstGeom prst="bentConnector3">
+            <a:avLst/>
+          </a:prstGeom>
+          <a:ln>
+            <a:tailEnd type="triangle"/>
+          </a:ln>
+        </p:spPr>
+        <p:style>
+          <a:lnRef idx="3">
+            <a:schemeClr val="accent4"/>
+          </a:lnRef>
+          <a:fillRef idx="0">
+            <a:schemeClr val="accent4"/>
+          </a:fillRef>
+          <a:effectRef idx="2">
+            <a:schemeClr val="accent4"/>
+          </a:effectRef>
+          <a:fontRef idx="minor">
+            <a:schemeClr val="tx1"/>
+          </a:fontRef>
+        </p:style>
+      </p:cxnSp>
+      <p:cxnSp>
+        <p:nvCxnSpPr>
+          <p:cNvPr id="21" name="Connector: Elbow 20">
+            <a:extLst>
+              <a:ext uri="{FF2B5EF4-FFF2-40B4-BE49-F238E27FC236}">
+                <a16:creationId xmlns:a16="http://schemas.microsoft.com/office/drawing/2014/main" id="{5CA6352C-5125-71C4-E2A8-37D98B00F286}"/>
+              </a:ext>
+            </a:extLst>
+          </p:cNvPr>
+          <p:cNvCxnSpPr/>
+          <p:nvPr/>
+        </p:nvCxnSpPr>
+        <p:spPr>
+          <a:xfrm flipV="1">
+            <a:off x="4046524" y="3009900"/>
+            <a:ext cx="679716" cy="190500"/>
+          </a:xfrm>
+          <a:prstGeom prst="bentConnector3">
+            <a:avLst/>
+          </a:prstGeom>
+          <a:ln>
+            <a:tailEnd type="triangle"/>
+          </a:ln>
+        </p:spPr>
+        <p:style>
+          <a:lnRef idx="3">
+            <a:schemeClr val="accent4"/>
+          </a:lnRef>
+          <a:fillRef idx="0">
+            <a:schemeClr val="accent4"/>
+          </a:fillRef>
+          <a:effectRef idx="2">
+            <a:schemeClr val="accent4"/>
+          </a:effectRef>
+          <a:fontRef idx="minor">
+            <a:schemeClr val="tx1"/>
+          </a:fontRef>
+        </p:style>
+      </p:cxnSp>
+      <p:cxnSp>
+        <p:nvCxnSpPr>
+          <p:cNvPr id="22" name="Connector: Elbow 21">
+            <a:extLst>
+              <a:ext uri="{FF2B5EF4-FFF2-40B4-BE49-F238E27FC236}">
+                <a16:creationId xmlns:a16="http://schemas.microsoft.com/office/drawing/2014/main" id="{24A7C47C-0E4E-9102-F18F-652839A30DC3}"/>
+              </a:ext>
+            </a:extLst>
+          </p:cNvPr>
+          <p:cNvCxnSpPr>
+            <a:cxnSpLocks/>
+            <a:endCxn id="9" idx="1"/>
+          </p:cNvCxnSpPr>
+          <p:nvPr/>
+        </p:nvCxnSpPr>
+        <p:spPr>
+          <a:xfrm flipV="1">
+            <a:off x="4046524" y="3406878"/>
+            <a:ext cx="679716" cy="170483"/>
+          </a:xfrm>
+          <a:prstGeom prst="bentConnector3">
+            <a:avLst/>
+          </a:prstGeom>
+          <a:ln>
+            <a:tailEnd type="triangle"/>
+          </a:ln>
+        </p:spPr>
+        <p:style>
+          <a:lnRef idx="3">
+            <a:schemeClr val="accent4"/>
+          </a:lnRef>
+          <a:fillRef idx="0">
+            <a:schemeClr val="accent4"/>
+          </a:fillRef>
+          <a:effectRef idx="2">
+            <a:schemeClr val="accent4"/>
+          </a:effectRef>
+          <a:fontRef idx="minor">
+            <a:schemeClr val="tx1"/>
+          </a:fontRef>
+        </p:style>
+      </p:cxnSp>
+      <p:cxnSp>
+        <p:nvCxnSpPr>
+          <p:cNvPr id="23" name="Connector: Elbow 22">
+            <a:extLst>
+              <a:ext uri="{FF2B5EF4-FFF2-40B4-BE49-F238E27FC236}">
+                <a16:creationId xmlns:a16="http://schemas.microsoft.com/office/drawing/2014/main" id="{EC1C0B51-A2AF-AC42-8468-DA09D36602FC}"/>
+              </a:ext>
+            </a:extLst>
+          </p:cNvPr>
+          <p:cNvCxnSpPr>
+            <a:cxnSpLocks/>
+            <a:endCxn id="9" idx="1"/>
+          </p:cNvCxnSpPr>
+          <p:nvPr/>
+        </p:nvCxnSpPr>
+        <p:spPr>
+          <a:xfrm flipV="1">
+            <a:off x="4046524" y="3406878"/>
+            <a:ext cx="679716" cy="517383"/>
+          </a:xfrm>
+          <a:prstGeom prst="bentConnector3">
+            <a:avLst/>
+          </a:prstGeom>
+          <a:ln>
+            <a:tailEnd type="triangle"/>
+          </a:ln>
+        </p:spPr>
+        <p:style>
+          <a:lnRef idx="3">
+            <a:schemeClr val="accent4"/>
+          </a:lnRef>
+          <a:fillRef idx="0">
+            <a:schemeClr val="accent4"/>
+          </a:fillRef>
+          <a:effectRef idx="2">
+            <a:schemeClr val="accent4"/>
+          </a:effectRef>
+          <a:fontRef idx="minor">
+            <a:schemeClr val="tx1"/>
+          </a:fontRef>
+        </p:style>
+      </p:cxnSp>
+    </p:spTree>
+    <p:extLst>
+      <p:ext uri="{BB962C8B-B14F-4D97-AF65-F5344CB8AC3E}">
+        <p14:creationId xmlns:p14="http://schemas.microsoft.com/office/powerpoint/2010/main" val="2839757419"/>
+      </p:ext>
+    </p:extLst>
+  </p:cSld>
+  <p:clrMapOvr>
+    <a:masterClrMapping/>
+  </p:clrMapOvr>
+</p:sld>
+</file>
+
+<file path=ppt/slides/slide29.xml><?xml version="1.0" encoding="utf-8"?>
+<p:sld xmlns:a="http://schemas.openxmlformats.org/drawingml/2006/main" xmlns:r="http://schemas.openxmlformats.org/officeDocument/2006/relationships" xmlns:p="http://schemas.openxmlformats.org/presentationml/2006/main">
+  <p:cSld>
+    <p:spTree>
+      <p:nvGrpSpPr>
+        <p:cNvPr id="1" name=""/>
+        <p:cNvGrpSpPr/>
+        <p:nvPr/>
+      </p:nvGrpSpPr>
+      <p:grpSpPr>
+        <a:xfrm>
+          <a:off x="0" y="0"/>
+          <a:ext cx="0" cy="0"/>
+          <a:chOff x="0" y="0"/>
+          <a:chExt cx="0" cy="0"/>
+        </a:xfrm>
+      </p:grpSpPr>
+      <p:graphicFrame>
+        <p:nvGraphicFramePr>
+          <p:cNvPr id="2" name="Table 3">
+            <a:extLst>
+              <a:ext uri="{FF2B5EF4-FFF2-40B4-BE49-F238E27FC236}">
+                <a16:creationId xmlns:a16="http://schemas.microsoft.com/office/drawing/2014/main" id="{A78DF5C3-AC78-461E-A805-1B008BDEA973}"/>
+              </a:ext>
+            </a:extLst>
+          </p:cNvPr>
+          <p:cNvGraphicFramePr>
+            <a:graphicFrameLocks noGrp="1"/>
+          </p:cNvGraphicFramePr>
+          <p:nvPr>
+            <p:extLst>
+              <p:ext uri="{D42A27DB-BD31-4B8C-83A1-F6EECF244321}">
+                <p14:modId xmlns:p14="http://schemas.microsoft.com/office/powerpoint/2010/main" val="3670967001"/>
+              </p:ext>
+            </p:extLst>
+          </p:nvPr>
+        </p:nvGraphicFramePr>
+        <p:xfrm>
+          <a:off x="510849" y="1838254"/>
+          <a:ext cx="4941370" cy="4108709"/>
+        </p:xfrm>
+        <a:graphic>
+          <a:graphicData uri="http://schemas.openxmlformats.org/drawingml/2006/table">
+            <a:tbl>
+              <a:tblPr firstRow="1" bandRow="1">
+                <a:tableStyleId>{7DF18680-E054-41AD-8BC1-D1AEF772440D}</a:tableStyleId>
+              </a:tblPr>
+              <a:tblGrid>
+                <a:gridCol w="988274">
+                  <a:extLst>
+                    <a:ext uri="{9D8B030D-6E8A-4147-A177-3AD203B41FA5}">
+                      <a16:colId xmlns:a16="http://schemas.microsoft.com/office/drawing/2014/main" val="4282987864"/>
+                    </a:ext>
+                  </a:extLst>
+                </a:gridCol>
+                <a:gridCol w="988274">
+                  <a:extLst>
+                    <a:ext uri="{9D8B030D-6E8A-4147-A177-3AD203B41FA5}">
+                      <a16:colId xmlns:a16="http://schemas.microsoft.com/office/drawing/2014/main" val="1380292911"/>
+                    </a:ext>
+                  </a:extLst>
+                </a:gridCol>
+                <a:gridCol w="988274">
+                  <a:extLst>
+                    <a:ext uri="{9D8B030D-6E8A-4147-A177-3AD203B41FA5}">
+                      <a16:colId xmlns:a16="http://schemas.microsoft.com/office/drawing/2014/main" val="2961976515"/>
+                    </a:ext>
+                  </a:extLst>
+                </a:gridCol>
+                <a:gridCol w="988274">
+                  <a:extLst>
+                    <a:ext uri="{9D8B030D-6E8A-4147-A177-3AD203B41FA5}">
+                      <a16:colId xmlns:a16="http://schemas.microsoft.com/office/drawing/2014/main" val="1149655463"/>
+                    </a:ext>
+                  </a:extLst>
+                </a:gridCol>
+                <a:gridCol w="988274">
+                  <a:extLst>
+                    <a:ext uri="{9D8B030D-6E8A-4147-A177-3AD203B41FA5}">
+                      <a16:colId xmlns:a16="http://schemas.microsoft.com/office/drawing/2014/main" val="3030765431"/>
+                    </a:ext>
+                  </a:extLst>
+                </a:gridCol>
+              </a:tblGrid>
+              <a:tr h="373519">
+                <a:tc>
+                  <a:txBody>
+                    <a:bodyPr/>
+                    <a:lstStyle/>
+                    <a:p>
+                      <a:pPr algn="ctr"/>
+                      <a:r>
+                        <a:rPr lang="en-US" sz="1200" dirty="0"/>
+                        <a:t>tch_id</a:t>
+                      </a:r>
+                    </a:p>
+                  </a:txBody>
+                  <a:tcPr/>
+                </a:tc>
+                <a:tc>
+                  <a:txBody>
+                    <a:bodyPr/>
+                    <a:lstStyle/>
+                    <a:p>
+                      <a:pPr algn="ctr"/>
+                      <a:r>
+                        <a:rPr lang="en-US" sz="1200" dirty="0"/>
+                        <a:t>year</a:t>
+                      </a:r>
+                    </a:p>
+                  </a:txBody>
+                  <a:tcPr/>
+                </a:tc>
+                <a:tc>
+                  <a:txBody>
+                    <a:bodyPr/>
+                    <a:lstStyle/>
+                    <a:p>
+                      <a:pPr algn="ctr"/>
+                      <a:r>
+                        <a:rPr lang="en-US" sz="1200" dirty="0"/>
+                        <a:t>score1</a:t>
+                      </a:r>
+                    </a:p>
+                  </a:txBody>
+                  <a:tcPr/>
+                </a:tc>
+                <a:tc>
+                  <a:txBody>
+                    <a:bodyPr/>
+                    <a:lstStyle/>
+                    <a:p>
+                      <a:pPr algn="ctr"/>
+                      <a:r>
+                        <a:rPr lang="en-US" sz="1200" dirty="0"/>
+                        <a:t>score2</a:t>
+                      </a:r>
+                    </a:p>
+                  </a:txBody>
+                  <a:tcPr/>
+                </a:tc>
+                <a:tc>
+                  <a:txBody>
+                    <a:bodyPr/>
+                    <a:lstStyle/>
+                    <a:p>
+                      <a:pPr algn="ctr"/>
+                      <a:r>
+                        <a:rPr lang="en-US" sz="1200" dirty="0"/>
+                        <a:t>score3</a:t>
+                      </a:r>
+                    </a:p>
+                  </a:txBody>
+                  <a:tcPr/>
+                </a:tc>
+                <a:extLst>
+                  <a:ext uri="{0D108BD9-81ED-4DB2-BD59-A6C34878D82A}">
+                    <a16:rowId xmlns:a16="http://schemas.microsoft.com/office/drawing/2014/main" val="1576679791"/>
+                  </a:ext>
+                </a:extLst>
+              </a:tr>
+              <a:tr h="373519">
+                <a:tc>
+                  <a:txBody>
+                    <a:bodyPr/>
+                    <a:lstStyle/>
+                    <a:p>
+                      <a:r>
+                        <a:rPr lang="en-US" dirty="0"/>
+                        <a:t>2345</a:t>
+                      </a:r>
+                    </a:p>
+                  </a:txBody>
+                  <a:tcPr/>
+                </a:tc>
+                <a:tc>
+                  <a:txBody>
+                    <a:bodyPr/>
+                    <a:lstStyle/>
+                    <a:p>
+                      <a:r>
+                        <a:rPr lang="en-US" dirty="0"/>
+                        <a:t>1819</a:t>
+                      </a:r>
+                    </a:p>
+                  </a:txBody>
+                  <a:tcPr/>
+                </a:tc>
+                <a:tc>
+                  <a:txBody>
+                    <a:bodyPr/>
+                    <a:lstStyle/>
+                    <a:p>
+                      <a:r>
+                        <a:rPr lang="en-US" dirty="0"/>
+                        <a:t>200</a:t>
+                      </a:r>
+                    </a:p>
+                  </a:txBody>
+                  <a:tcPr/>
+                </a:tc>
+                <a:tc>
+                  <a:txBody>
+                    <a:bodyPr/>
+                    <a:lstStyle/>
+                    <a:p>
+                      <a:r>
+                        <a:rPr lang="en-US" dirty="0"/>
+                        <a:t>300</a:t>
+                      </a:r>
+                    </a:p>
+                  </a:txBody>
+                  <a:tcPr/>
+                </a:tc>
+                <a:tc>
+                  <a:txBody>
+                    <a:bodyPr/>
+                    <a:lstStyle/>
+                    <a:p>
+                      <a:r>
+                        <a:rPr lang="en-US" dirty="0"/>
+                        <a:t>247</a:t>
+                      </a:r>
+                    </a:p>
+                  </a:txBody>
+                  <a:tcPr/>
+                </a:tc>
+                <a:extLst>
+                  <a:ext uri="{0D108BD9-81ED-4DB2-BD59-A6C34878D82A}">
+                    <a16:rowId xmlns:a16="http://schemas.microsoft.com/office/drawing/2014/main" val="3986476980"/>
+                  </a:ext>
+                </a:extLst>
+              </a:tr>
+              <a:tr h="373519">
+                <a:tc>
+                  <a:txBody>
+                    <a:bodyPr/>
+                    <a:lstStyle/>
+                    <a:p>
+                      <a:r>
+                        <a:rPr lang="en-US" dirty="0"/>
+                        <a:t>2346</a:t>
+                      </a:r>
+                    </a:p>
+                  </a:txBody>
+                  <a:tcPr/>
+                </a:tc>
+                <a:tc>
+                  <a:txBody>
+                    <a:bodyPr/>
+                    <a:lstStyle/>
+                    <a:p>
+                      <a:r>
+                        <a:rPr lang="en-US" dirty="0"/>
+                        <a:t>1819</a:t>
+                      </a:r>
+                    </a:p>
+                  </a:txBody>
+                  <a:tcPr/>
+                </a:tc>
+                <a:tc>
+                  <a:txBody>
+                    <a:bodyPr/>
+                    <a:lstStyle/>
+                    <a:p>
+                      <a:r>
+                        <a:rPr lang="en-US" dirty="0"/>
+                        <a:t>256</a:t>
+                      </a:r>
+                    </a:p>
+                  </a:txBody>
+                  <a:tcPr/>
+                </a:tc>
+                <a:tc>
+                  <a:txBody>
+                    <a:bodyPr/>
+                    <a:lstStyle/>
+                    <a:p>
+                      <a:r>
+                        <a:rPr lang="en-US" dirty="0"/>
+                        <a:t>302</a:t>
+                      </a:r>
+                    </a:p>
+                  </a:txBody>
+                  <a:tcPr/>
+                </a:tc>
+                <a:tc>
+                  <a:txBody>
+                    <a:bodyPr/>
+                    <a:lstStyle/>
+                    <a:p>
+                      <a:r>
+                        <a:rPr lang="en-US" dirty="0"/>
+                        <a:t>253</a:t>
+                      </a:r>
+                    </a:p>
+                  </a:txBody>
+                  <a:tcPr/>
+                </a:tc>
+                <a:extLst>
+                  <a:ext uri="{0D108BD9-81ED-4DB2-BD59-A6C34878D82A}">
+                    <a16:rowId xmlns:a16="http://schemas.microsoft.com/office/drawing/2014/main" val="4014176284"/>
+                  </a:ext>
+                </a:extLst>
+              </a:tr>
+              <a:tr h="373519">
+                <a:tc>
+                  <a:txBody>
+                    <a:bodyPr/>
+                    <a:lstStyle/>
+                    <a:p>
+                      <a:r>
+                        <a:rPr lang="en-US" dirty="0"/>
+                        <a:t>2347</a:t>
+                      </a:r>
+                    </a:p>
+                  </a:txBody>
+                  <a:tcPr/>
+                </a:tc>
+                <a:tc>
+                  <a:txBody>
+                    <a:bodyPr/>
+                    <a:lstStyle/>
+                    <a:p>
+                      <a:r>
+                        <a:rPr lang="en-US" dirty="0"/>
+                        <a:t>1819</a:t>
+                      </a:r>
+                    </a:p>
+                  </a:txBody>
+                  <a:tcPr/>
+                </a:tc>
+                <a:tc>
+                  <a:txBody>
+                    <a:bodyPr/>
+                    <a:lstStyle/>
+                    <a:p>
+                      <a:r>
+                        <a:rPr lang="en-US" dirty="0"/>
+                        <a:t>231</a:t>
+                      </a:r>
+                    </a:p>
+                  </a:txBody>
+                  <a:tcPr/>
+                </a:tc>
+                <a:tc>
+                  <a:txBody>
+                    <a:bodyPr/>
+                    <a:lstStyle/>
+                    <a:p>
+                      <a:r>
+                        <a:rPr lang="en-US" dirty="0"/>
+                        <a:t>278</a:t>
+                      </a:r>
+                    </a:p>
+                  </a:txBody>
+                  <a:tcPr/>
+                </a:tc>
+                <a:tc>
+                  <a:txBody>
+                    <a:bodyPr/>
+                    <a:lstStyle/>
+                    <a:p>
+                      <a:r>
+                        <a:rPr lang="en-US" dirty="0"/>
+                        <a:t>280</a:t>
+                      </a:r>
+                    </a:p>
+                  </a:txBody>
+                  <a:tcPr/>
+                </a:tc>
+                <a:extLst>
+                  <a:ext uri="{0D108BD9-81ED-4DB2-BD59-A6C34878D82A}">
+                    <a16:rowId xmlns:a16="http://schemas.microsoft.com/office/drawing/2014/main" val="1905935676"/>
+                  </a:ext>
+                </a:extLst>
+              </a:tr>
+              <a:tr h="373519">
+                <a:tc>
+                  <a:txBody>
+                    <a:bodyPr/>
+                    <a:lstStyle/>
+                    <a:p>
+                      <a:r>
+                        <a:rPr lang="en-US" dirty="0"/>
+                        <a:t>2348</a:t>
+                      </a:r>
+                    </a:p>
+                  </a:txBody>
+                  <a:tcPr/>
+                </a:tc>
+                <a:tc>
+                  <a:txBody>
+                    <a:bodyPr/>
+                    <a:lstStyle/>
+                    <a:p>
+                      <a:r>
+                        <a:rPr lang="en-US" dirty="0"/>
+                        <a:t>1819</a:t>
+                      </a:r>
+                    </a:p>
+                  </a:txBody>
+                  <a:tcPr/>
+                </a:tc>
+                <a:tc>
+                  <a:txBody>
+                    <a:bodyPr/>
+                    <a:lstStyle/>
+                    <a:p>
+                      <a:r>
+                        <a:rPr lang="en-US" dirty="0"/>
+                        <a:t>258</a:t>
+                      </a:r>
+                    </a:p>
+                  </a:txBody>
+                  <a:tcPr/>
+                </a:tc>
+                <a:tc>
+                  <a:txBody>
+                    <a:bodyPr/>
+                    <a:lstStyle/>
+                    <a:p>
+                      <a:r>
+                        <a:rPr lang="en-US" dirty="0"/>
+                        <a:t>269</a:t>
+                      </a:r>
+                    </a:p>
+                  </a:txBody>
+                  <a:tcPr/>
+                </a:tc>
+                <a:tc>
+                  <a:txBody>
+                    <a:bodyPr/>
+                    <a:lstStyle/>
+                    <a:p>
+                      <a:r>
+                        <a:rPr lang="en-US" dirty="0"/>
+                        <a:t>290</a:t>
+                      </a:r>
+                    </a:p>
+                  </a:txBody>
+                  <a:tcPr/>
+                </a:tc>
+                <a:extLst>
+                  <a:ext uri="{0D108BD9-81ED-4DB2-BD59-A6C34878D82A}">
+                    <a16:rowId xmlns:a16="http://schemas.microsoft.com/office/drawing/2014/main" val="2085463344"/>
+                  </a:ext>
+                </a:extLst>
+              </a:tr>
+              <a:tr h="373519">
+                <a:tc>
+                  <a:txBody>
+                    <a:bodyPr/>
+                    <a:lstStyle/>
+                    <a:p>
+                      <a:r>
+                        <a:rPr lang="en-US" b="0" dirty="0">
+                          <a:solidFill>
+                            <a:schemeClr val="tx1"/>
+                          </a:solidFill>
+                        </a:rPr>
+                        <a:t>2349</a:t>
+                      </a:r>
+                    </a:p>
+                  </a:txBody>
+                  <a:tcPr/>
+                </a:tc>
+                <a:tc>
+                  <a:txBody>
+                    <a:bodyPr/>
+                    <a:lstStyle/>
+                    <a:p>
+                      <a:r>
+                        <a:rPr lang="en-US" dirty="0"/>
+                        <a:t>1819</a:t>
+                      </a:r>
+                    </a:p>
+                  </a:txBody>
+                  <a:tcPr/>
+                </a:tc>
+                <a:tc>
+                  <a:txBody>
+                    <a:bodyPr/>
+                    <a:lstStyle/>
+                    <a:p>
+                      <a:r>
+                        <a:rPr lang="en-US" b="0" dirty="0">
+                          <a:solidFill>
+                            <a:schemeClr val="tx1"/>
+                          </a:solidFill>
+                        </a:rPr>
+                        <a:t>NA</a:t>
+                      </a:r>
+                    </a:p>
+                  </a:txBody>
+                  <a:tcPr/>
+                </a:tc>
+                <a:tc>
+                  <a:txBody>
+                    <a:bodyPr/>
+                    <a:lstStyle/>
+                    <a:p>
+                      <a:r>
+                        <a:rPr lang="en-US" b="0" dirty="0">
+                          <a:solidFill>
+                            <a:schemeClr val="tx1"/>
+                          </a:solidFill>
+                        </a:rPr>
+                        <a:t>NA</a:t>
+                      </a:r>
+                    </a:p>
+                  </a:txBody>
+                  <a:tcPr/>
+                </a:tc>
+                <a:tc>
+                  <a:txBody>
+                    <a:bodyPr/>
+                    <a:lstStyle/>
+                    <a:p>
+                      <a:r>
+                        <a:rPr lang="en-US" b="0" dirty="0">
+                          <a:solidFill>
+                            <a:schemeClr val="tx1"/>
+                          </a:solidFill>
+                        </a:rPr>
+                        <a:t>NA</a:t>
+                      </a:r>
+                    </a:p>
+                  </a:txBody>
+                  <a:tcPr/>
+                </a:tc>
+                <a:extLst>
+                  <a:ext uri="{0D108BD9-81ED-4DB2-BD59-A6C34878D82A}">
+                    <a16:rowId xmlns:a16="http://schemas.microsoft.com/office/drawing/2014/main" val="3909772493"/>
+                  </a:ext>
+                </a:extLst>
+              </a:tr>
+              <a:tr h="373519">
+                <a:tc>
+                  <a:txBody>
+                    <a:bodyPr/>
+                    <a:lstStyle/>
+                    <a:p>
+                      <a:r>
+                        <a:rPr lang="en-US" dirty="0"/>
+                        <a:t>2345</a:t>
+                      </a:r>
+                    </a:p>
+                  </a:txBody>
+                  <a:tcPr/>
+                </a:tc>
+                <a:tc>
+                  <a:txBody>
+                    <a:bodyPr/>
+                    <a:lstStyle/>
+                    <a:p>
+                      <a:r>
+                        <a:rPr lang="en-US" dirty="0"/>
+                        <a:t>1920</a:t>
+                      </a:r>
+                    </a:p>
+                  </a:txBody>
+                  <a:tcPr/>
+                </a:tc>
+                <a:tc>
+                  <a:txBody>
+                    <a:bodyPr/>
+                    <a:lstStyle/>
+                    <a:p>
+                      <a:r>
+                        <a:rPr lang="en-US" dirty="0"/>
+                        <a:t>220</a:t>
+                      </a:r>
+                    </a:p>
+                  </a:txBody>
+                  <a:tcPr/>
+                </a:tc>
+                <a:tc>
+                  <a:txBody>
+                    <a:bodyPr/>
+                    <a:lstStyle/>
+                    <a:p>
+                      <a:r>
+                        <a:rPr lang="en-US" dirty="0"/>
+                        <a:t>301</a:t>
+                      </a:r>
+                    </a:p>
+                  </a:txBody>
+                  <a:tcPr/>
+                </a:tc>
+                <a:tc>
+                  <a:txBody>
+                    <a:bodyPr/>
+                    <a:lstStyle/>
+                    <a:p>
+                      <a:r>
+                        <a:rPr lang="en-US" dirty="0"/>
+                        <a:t>250</a:t>
+                      </a:r>
+                    </a:p>
+                  </a:txBody>
+                  <a:tcPr/>
+                </a:tc>
+                <a:extLst>
+                  <a:ext uri="{0D108BD9-81ED-4DB2-BD59-A6C34878D82A}">
+                    <a16:rowId xmlns:a16="http://schemas.microsoft.com/office/drawing/2014/main" val="1875250836"/>
+                  </a:ext>
+                </a:extLst>
+              </a:tr>
+              <a:tr h="373519">
+                <a:tc>
+                  <a:txBody>
+                    <a:bodyPr/>
+                    <a:lstStyle/>
+                    <a:p>
+                      <a:r>
+                        <a:rPr lang="en-US" dirty="0"/>
+                        <a:t>2346</a:t>
+                      </a:r>
+                    </a:p>
+                  </a:txBody>
+                  <a:tcPr/>
+                </a:tc>
+                <a:tc>
+                  <a:txBody>
+                    <a:bodyPr/>
+                    <a:lstStyle/>
+                    <a:p>
+                      <a:r>
+                        <a:rPr lang="en-US" dirty="0"/>
+                        <a:t>1920</a:t>
+                      </a:r>
+                    </a:p>
+                  </a:txBody>
+                  <a:tcPr/>
+                </a:tc>
+                <a:tc>
+                  <a:txBody>
+                    <a:bodyPr/>
+                    <a:lstStyle/>
+                    <a:p>
+                      <a:r>
+                        <a:rPr lang="en-US" dirty="0"/>
+                        <a:t>NA</a:t>
+                      </a:r>
+                    </a:p>
+                  </a:txBody>
+                  <a:tcPr/>
+                </a:tc>
+                <a:tc>
+                  <a:txBody>
+                    <a:bodyPr/>
+                    <a:lstStyle/>
+                    <a:p>
+                      <a:r>
+                        <a:rPr lang="en-US" dirty="0"/>
+                        <a:t>NA</a:t>
+                      </a:r>
+                    </a:p>
+                  </a:txBody>
+                  <a:tcPr/>
+                </a:tc>
+                <a:tc>
+                  <a:txBody>
+                    <a:bodyPr/>
+                    <a:lstStyle/>
+                    <a:p>
+                      <a:r>
+                        <a:rPr lang="en-US" dirty="0"/>
+                        <a:t>NA</a:t>
+                      </a:r>
+                    </a:p>
+                  </a:txBody>
+                  <a:tcPr/>
+                </a:tc>
+                <a:extLst>
+                  <a:ext uri="{0D108BD9-81ED-4DB2-BD59-A6C34878D82A}">
+                    <a16:rowId xmlns:a16="http://schemas.microsoft.com/office/drawing/2014/main" val="4116234466"/>
+                  </a:ext>
+                </a:extLst>
+              </a:tr>
+              <a:tr h="373519">
+                <a:tc>
+                  <a:txBody>
+                    <a:bodyPr/>
+                    <a:lstStyle/>
+                    <a:p>
+                      <a:r>
+                        <a:rPr lang="en-US" dirty="0"/>
+                        <a:t>2347</a:t>
+                      </a:r>
+                    </a:p>
+                  </a:txBody>
+                  <a:tcPr/>
+                </a:tc>
+                <a:tc>
+                  <a:txBody>
+                    <a:bodyPr/>
+                    <a:lstStyle/>
+                    <a:p>
+                      <a:r>
+                        <a:rPr lang="en-US" dirty="0"/>
+                        <a:t>1920</a:t>
+                      </a:r>
+                    </a:p>
+                  </a:txBody>
+                  <a:tcPr/>
+                </a:tc>
+                <a:tc>
+                  <a:txBody>
+                    <a:bodyPr/>
+                    <a:lstStyle/>
+                    <a:p>
+                      <a:r>
+                        <a:rPr lang="en-US" dirty="0"/>
+                        <a:t>270</a:t>
+                      </a:r>
+                    </a:p>
+                  </a:txBody>
+                  <a:tcPr/>
+                </a:tc>
+                <a:tc>
+                  <a:txBody>
+                    <a:bodyPr/>
+                    <a:lstStyle/>
+                    <a:p>
+                      <a:r>
+                        <a:rPr lang="en-US" dirty="0"/>
+                        <a:t>330</a:t>
+                      </a:r>
+                    </a:p>
+                  </a:txBody>
+                  <a:tcPr/>
+                </a:tc>
+                <a:tc>
+                  <a:txBody>
+                    <a:bodyPr/>
+                    <a:lstStyle/>
+                    <a:p>
+                      <a:r>
+                        <a:rPr lang="en-US" dirty="0"/>
+                        <a:t>247</a:t>
+                      </a:r>
+                    </a:p>
+                  </a:txBody>
+                  <a:tcPr/>
+                </a:tc>
+                <a:extLst>
+                  <a:ext uri="{0D108BD9-81ED-4DB2-BD59-A6C34878D82A}">
+                    <a16:rowId xmlns:a16="http://schemas.microsoft.com/office/drawing/2014/main" val="2429597479"/>
+                  </a:ext>
+                </a:extLst>
+              </a:tr>
+              <a:tr h="373519">
+                <a:tc>
+                  <a:txBody>
+                    <a:bodyPr/>
+                    <a:lstStyle/>
+                    <a:p>
+                      <a:r>
+                        <a:rPr lang="en-US" dirty="0"/>
+                        <a:t>2348</a:t>
+                      </a:r>
+                    </a:p>
+                  </a:txBody>
+                  <a:tcPr/>
+                </a:tc>
+                <a:tc>
+                  <a:txBody>
+                    <a:bodyPr/>
+                    <a:lstStyle/>
+                    <a:p>
+                      <a:r>
+                        <a:rPr lang="en-US" dirty="0"/>
+                        <a:t>1920</a:t>
+                      </a:r>
+                    </a:p>
+                  </a:txBody>
+                  <a:tcPr/>
+                </a:tc>
+                <a:tc>
+                  <a:txBody>
+                    <a:bodyPr/>
+                    <a:lstStyle/>
+                    <a:p>
+                      <a:r>
+                        <a:rPr lang="en-US" dirty="0"/>
+                        <a:t>241</a:t>
+                      </a:r>
+                    </a:p>
+                  </a:txBody>
+                  <a:tcPr/>
+                </a:tc>
+                <a:tc>
+                  <a:txBody>
+                    <a:bodyPr/>
+                    <a:lstStyle/>
+                    <a:p>
+                      <a:r>
+                        <a:rPr lang="en-US" dirty="0"/>
+                        <a:t>270</a:t>
+                      </a:r>
+                    </a:p>
+                  </a:txBody>
+                  <a:tcPr/>
+                </a:tc>
+                <a:tc>
+                  <a:txBody>
+                    <a:bodyPr/>
+                    <a:lstStyle/>
+                    <a:p>
+                      <a:r>
+                        <a:rPr lang="en-US" dirty="0"/>
+                        <a:t>300</a:t>
+                      </a:r>
+                    </a:p>
+                  </a:txBody>
+                  <a:tcPr/>
+                </a:tc>
+                <a:extLst>
+                  <a:ext uri="{0D108BD9-81ED-4DB2-BD59-A6C34878D82A}">
+                    <a16:rowId xmlns:a16="http://schemas.microsoft.com/office/drawing/2014/main" val="149270834"/>
+                  </a:ext>
+                </a:extLst>
+              </a:tr>
+              <a:tr h="373519">
+                <a:tc>
+                  <a:txBody>
+                    <a:bodyPr/>
+                    <a:lstStyle/>
+                    <a:p>
+                      <a:r>
+                        <a:rPr lang="en-US" b="0" dirty="0">
+                          <a:solidFill>
+                            <a:schemeClr val="tx1"/>
+                          </a:solidFill>
+                        </a:rPr>
+                        <a:t>2349</a:t>
+                      </a:r>
+                    </a:p>
+                  </a:txBody>
+                  <a:tcPr/>
+                </a:tc>
+                <a:tc>
+                  <a:txBody>
+                    <a:bodyPr/>
+                    <a:lstStyle/>
+                    <a:p>
+                      <a:pPr marL="0" marR="0" lvl="0" indent="0" algn="l" defTabSz="914400" rtl="0" eaLnBrk="1" fontAlgn="auto" latinLnBrk="0" hangingPunct="1">
+                        <a:lnSpc>
+                          <a:spcPct val="100000"/>
+                        </a:lnSpc>
+                        <a:spcBef>
+                          <a:spcPts val="0"/>
+                        </a:spcBef>
+                        <a:spcAft>
+                          <a:spcPts val="0"/>
+                        </a:spcAft>
+                        <a:buClrTx/>
+                        <a:buSzTx/>
+                        <a:buFontTx/>
+                        <a:buNone/>
+                        <a:tabLst/>
+                        <a:defRPr/>
+                      </a:pPr>
+                      <a:r>
+                        <a:rPr lang="en-US" dirty="0"/>
+                        <a:t>1920</a:t>
+                      </a:r>
+                    </a:p>
+                  </a:txBody>
+                  <a:tcPr/>
+                </a:tc>
+                <a:tc>
+                  <a:txBody>
+                    <a:bodyPr/>
+                    <a:lstStyle/>
+                    <a:p>
+                      <a:r>
+                        <a:rPr lang="en-US" sz="1800" b="0" dirty="0">
+                          <a:solidFill>
+                            <a:schemeClr val="tx1"/>
+                          </a:solidFill>
+                        </a:rPr>
+                        <a:t>272</a:t>
+                      </a:r>
+                    </a:p>
+                  </a:txBody>
+                  <a:tcPr/>
+                </a:tc>
+                <a:tc>
+                  <a:txBody>
+                    <a:bodyPr/>
+                    <a:lstStyle/>
+                    <a:p>
+                      <a:r>
+                        <a:rPr lang="en-US" sz="1800" b="0" dirty="0">
+                          <a:solidFill>
+                            <a:schemeClr val="tx1"/>
+                          </a:solidFill>
+                        </a:rPr>
+                        <a:t>326</a:t>
+                      </a:r>
+                    </a:p>
+                  </a:txBody>
+                  <a:tcPr/>
+                </a:tc>
+                <a:tc>
+                  <a:txBody>
+                    <a:bodyPr/>
+                    <a:lstStyle/>
+                    <a:p>
+                      <a:r>
+                        <a:rPr lang="en-US" sz="1800" b="0" dirty="0">
+                          <a:solidFill>
+                            <a:schemeClr val="tx1"/>
+                          </a:solidFill>
+                        </a:rPr>
+                        <a:t>219</a:t>
+                      </a:r>
+                    </a:p>
+                  </a:txBody>
+                  <a:tcPr/>
+                </a:tc>
+                <a:extLst>
+                  <a:ext uri="{0D108BD9-81ED-4DB2-BD59-A6C34878D82A}">
+                    <a16:rowId xmlns:a16="http://schemas.microsoft.com/office/drawing/2014/main" val="4005689931"/>
+                  </a:ext>
+                </a:extLst>
+              </a:tr>
+            </a:tbl>
+          </a:graphicData>
+        </a:graphic>
+      </p:graphicFrame>
+      <p:cxnSp>
+        <p:nvCxnSpPr>
+          <p:cNvPr id="3" name="Straight Arrow Connector 2">
+            <a:extLst>
+              <a:ext uri="{FF2B5EF4-FFF2-40B4-BE49-F238E27FC236}">
+                <a16:creationId xmlns:a16="http://schemas.microsoft.com/office/drawing/2014/main" id="{4AD529CC-DA06-CFE6-5764-A42A8E1CE2FA}"/>
+              </a:ext>
+            </a:extLst>
+          </p:cNvPr>
+          <p:cNvCxnSpPr>
+            <a:cxnSpLocks/>
+          </p:cNvCxnSpPr>
+          <p:nvPr/>
+        </p:nvCxnSpPr>
+        <p:spPr>
+          <a:xfrm>
+            <a:off x="1970118" y="1202478"/>
+            <a:ext cx="0" cy="699529"/>
+          </a:xfrm>
+          <a:prstGeom prst="straightConnector1">
+            <a:avLst/>
+          </a:prstGeom>
+          <a:ln>
+            <a:tailEnd type="triangle"/>
+          </a:ln>
+        </p:spPr>
+        <p:style>
+          <a:lnRef idx="3">
+            <a:schemeClr val="accent4"/>
+          </a:lnRef>
+          <a:fillRef idx="0">
+            <a:schemeClr val="accent4"/>
+          </a:fillRef>
+          <a:effectRef idx="2">
+            <a:schemeClr val="accent4"/>
+          </a:effectRef>
+          <a:fontRef idx="minor">
+            <a:schemeClr val="tx1"/>
+          </a:fontRef>
+        </p:style>
+      </p:cxnSp>
+      <p:sp>
+        <p:nvSpPr>
+          <p:cNvPr id="4" name="TextBox 3">
+            <a:extLst>
+              <a:ext uri="{FF2B5EF4-FFF2-40B4-BE49-F238E27FC236}">
+                <a16:creationId xmlns:a16="http://schemas.microsoft.com/office/drawing/2014/main" id="{C8E1931E-61CE-CE7B-9BDD-FF4B4E66A33A}"/>
+              </a:ext>
+            </a:extLst>
+          </p:cNvPr>
+          <p:cNvSpPr txBox="1"/>
+          <p:nvPr/>
+        </p:nvSpPr>
+        <p:spPr>
+          <a:xfrm>
+            <a:off x="1350513" y="833146"/>
+            <a:ext cx="1391577" cy="369332"/>
+          </a:xfrm>
+          <a:prstGeom prst="rect">
+            <a:avLst/>
+          </a:prstGeom>
+          <a:noFill/>
+        </p:spPr>
+        <p:txBody>
+          <a:bodyPr wrap="square" rtlCol="0">
+            <a:spAutoFit/>
+          </a:bodyPr>
+          <a:lstStyle/>
+          <a:p>
+            <a:r>
+              <a:rPr lang="en-US" dirty="0"/>
+              <a:t>names_from</a:t>
+            </a:r>
+          </a:p>
+        </p:txBody>
+      </p:sp>
+      <p:sp>
+        <p:nvSpPr>
+          <p:cNvPr id="5" name="Right Brace 4">
+            <a:extLst>
+              <a:ext uri="{FF2B5EF4-FFF2-40B4-BE49-F238E27FC236}">
+                <a16:creationId xmlns:a16="http://schemas.microsoft.com/office/drawing/2014/main" id="{5572187B-FD21-29AD-33CB-E115D128D7DF}"/>
+              </a:ext>
+            </a:extLst>
+          </p:cNvPr>
+          <p:cNvSpPr/>
+          <p:nvPr/>
+        </p:nvSpPr>
+        <p:spPr>
+          <a:xfrm rot="16200000">
+            <a:off x="3650584" y="308735"/>
+            <a:ext cx="501362" cy="2381668"/>
+          </a:xfrm>
+          <a:prstGeom prst="rightBrace">
+            <a:avLst/>
+          </a:prstGeom>
+          <a:ln/>
+        </p:spPr>
+        <p:style>
+          <a:lnRef idx="3">
+            <a:schemeClr val="accent4"/>
+          </a:lnRef>
+          <a:fillRef idx="0">
+            <a:schemeClr val="accent4"/>
+          </a:fillRef>
+          <a:effectRef idx="2">
+            <a:schemeClr val="accent4"/>
+          </a:effectRef>
+          <a:fontRef idx="minor">
+            <a:schemeClr val="tx1"/>
+          </a:fontRef>
+        </p:style>
+        <p:txBody>
+          <a:bodyPr rtlCol="0" anchor="ctr"/>
+          <a:lstStyle/>
+          <a:p>
+            <a:pPr algn="ctr"/>
+            <a:endParaRPr lang="en-US"/>
+          </a:p>
+        </p:txBody>
+      </p:sp>
+      <p:sp>
+        <p:nvSpPr>
+          <p:cNvPr id="6" name="TextBox 5">
+            <a:extLst>
+              <a:ext uri="{FF2B5EF4-FFF2-40B4-BE49-F238E27FC236}">
+                <a16:creationId xmlns:a16="http://schemas.microsoft.com/office/drawing/2014/main" id="{4B2FEB7F-C4B0-B051-06E0-8BAE60A43668}"/>
+              </a:ext>
+            </a:extLst>
+          </p:cNvPr>
+          <p:cNvSpPr txBox="1"/>
+          <p:nvPr/>
+        </p:nvSpPr>
+        <p:spPr>
+          <a:xfrm>
+            <a:off x="3205479" y="842893"/>
+            <a:ext cx="1391571" cy="369332"/>
+          </a:xfrm>
+          <a:prstGeom prst="rect">
+            <a:avLst/>
+          </a:prstGeom>
+          <a:noFill/>
+        </p:spPr>
+        <p:txBody>
+          <a:bodyPr wrap="square" rtlCol="0">
+            <a:spAutoFit/>
+          </a:bodyPr>
+          <a:lstStyle/>
+          <a:p>
+            <a:r>
+              <a:rPr lang="en-US" dirty="0"/>
+              <a:t>values_from</a:t>
+            </a:r>
+          </a:p>
+        </p:txBody>
+      </p:sp>
+      <p:graphicFrame>
+        <p:nvGraphicFramePr>
+          <p:cNvPr id="7" name="Table 6">
+            <a:extLst>
+              <a:ext uri="{FF2B5EF4-FFF2-40B4-BE49-F238E27FC236}">
+                <a16:creationId xmlns:a16="http://schemas.microsoft.com/office/drawing/2014/main" id="{6404268A-8D3E-6966-A2B6-3DDB616A405D}"/>
+              </a:ext>
+            </a:extLst>
+          </p:cNvPr>
+          <p:cNvGraphicFramePr>
+            <a:graphicFrameLocks noGrp="1"/>
+          </p:cNvGraphicFramePr>
+          <p:nvPr>
+            <p:extLst>
+              <p:ext uri="{D42A27DB-BD31-4B8C-83A1-F6EECF244321}">
+                <p14:modId xmlns:p14="http://schemas.microsoft.com/office/powerpoint/2010/main" val="2322595898"/>
+              </p:ext>
+            </p:extLst>
+          </p:nvPr>
+        </p:nvGraphicFramePr>
+        <p:xfrm>
+          <a:off x="5688649" y="1838254"/>
+          <a:ext cx="5924135" cy="2561918"/>
+        </p:xfrm>
+        <a:graphic>
+          <a:graphicData uri="http://schemas.openxmlformats.org/drawingml/2006/table">
+            <a:tbl>
+              <a:tblPr firstRow="1" bandRow="1">
+                <a:tableStyleId>{7DF18680-E054-41AD-8BC1-D1AEF772440D}</a:tableStyleId>
+              </a:tblPr>
+              <a:tblGrid>
+                <a:gridCol w="846305">
+                  <a:extLst>
+                    <a:ext uri="{9D8B030D-6E8A-4147-A177-3AD203B41FA5}">
+                      <a16:colId xmlns:a16="http://schemas.microsoft.com/office/drawing/2014/main" val="1532031554"/>
+                    </a:ext>
+                  </a:extLst>
+                </a:gridCol>
+                <a:gridCol w="846305">
+                  <a:extLst>
+                    <a:ext uri="{9D8B030D-6E8A-4147-A177-3AD203B41FA5}">
+                      <a16:colId xmlns:a16="http://schemas.microsoft.com/office/drawing/2014/main" val="1926023825"/>
+                    </a:ext>
+                  </a:extLst>
+                </a:gridCol>
+                <a:gridCol w="846305">
+                  <a:extLst>
+                    <a:ext uri="{9D8B030D-6E8A-4147-A177-3AD203B41FA5}">
+                      <a16:colId xmlns:a16="http://schemas.microsoft.com/office/drawing/2014/main" val="3274260024"/>
+                    </a:ext>
+                  </a:extLst>
+                </a:gridCol>
+                <a:gridCol w="846305">
+                  <a:extLst>
+                    <a:ext uri="{9D8B030D-6E8A-4147-A177-3AD203B41FA5}">
+                      <a16:colId xmlns:a16="http://schemas.microsoft.com/office/drawing/2014/main" val="276600392"/>
+                    </a:ext>
+                  </a:extLst>
+                </a:gridCol>
+                <a:gridCol w="846305">
+                  <a:extLst>
+                    <a:ext uri="{9D8B030D-6E8A-4147-A177-3AD203B41FA5}">
+                      <a16:colId xmlns:a16="http://schemas.microsoft.com/office/drawing/2014/main" val="928871913"/>
+                    </a:ext>
+                  </a:extLst>
+                </a:gridCol>
+                <a:gridCol w="846305">
+                  <a:extLst>
+                    <a:ext uri="{9D8B030D-6E8A-4147-A177-3AD203B41FA5}">
+                      <a16:colId xmlns:a16="http://schemas.microsoft.com/office/drawing/2014/main" val="1654652651"/>
+                    </a:ext>
+                  </a:extLst>
+                </a:gridCol>
+                <a:gridCol w="846305">
+                  <a:extLst>
+                    <a:ext uri="{9D8B030D-6E8A-4147-A177-3AD203B41FA5}">
+                      <a16:colId xmlns:a16="http://schemas.microsoft.com/office/drawing/2014/main" val="618101598"/>
+                    </a:ext>
+                  </a:extLst>
+                </a:gridCol>
+              </a:tblGrid>
+              <a:tr h="512383">
+                <a:tc>
+                  <a:txBody>
+                    <a:bodyPr/>
+                    <a:lstStyle/>
+                    <a:p>
+                      <a:pPr algn="ctr"/>
+                      <a:r>
+                        <a:rPr lang="en-US" sz="1200" dirty="0"/>
+                        <a:t>tch_id</a:t>
+                      </a:r>
+                    </a:p>
+                  </a:txBody>
+                  <a:tcPr/>
+                </a:tc>
+                <a:tc>
+                  <a:txBody>
+                    <a:bodyPr/>
+                    <a:lstStyle/>
+                    <a:p>
+                      <a:pPr algn="ctr"/>
+                      <a:r>
+                        <a:rPr lang="en-US" sz="1200" dirty="0"/>
+                        <a:t>score1_1819</a:t>
+                      </a:r>
+                    </a:p>
+                  </a:txBody>
+                  <a:tcPr/>
+                </a:tc>
+                <a:tc>
+                  <a:txBody>
+                    <a:bodyPr/>
+                    <a:lstStyle/>
+                    <a:p>
+                      <a:pPr algn="ctr"/>
+                      <a:r>
+                        <a:rPr lang="en-US" sz="1200" dirty="0"/>
+                        <a:t>score2_1819</a:t>
+                      </a:r>
+                    </a:p>
+                  </a:txBody>
+                  <a:tcPr/>
+                </a:tc>
+                <a:tc>
+                  <a:txBody>
+                    <a:bodyPr/>
+                    <a:lstStyle/>
+                    <a:p>
+                      <a:pPr algn="ctr"/>
+                      <a:r>
+                        <a:rPr lang="en-US" sz="1200" dirty="0"/>
+                        <a:t>score3_1819</a:t>
+                      </a:r>
+                    </a:p>
+                  </a:txBody>
+                  <a:tcPr/>
+                </a:tc>
+                <a:tc>
+                  <a:txBody>
+                    <a:bodyPr/>
+                    <a:lstStyle/>
+                    <a:p>
+                      <a:pPr algn="ctr"/>
+                      <a:r>
+                        <a:rPr lang="en-US" sz="1200" dirty="0"/>
+                        <a:t>score1_1920</a:t>
+                      </a:r>
+                    </a:p>
+                  </a:txBody>
+                  <a:tcPr/>
+                </a:tc>
+                <a:tc>
+                  <a:txBody>
+                    <a:bodyPr/>
+                    <a:lstStyle/>
+                    <a:p>
+                      <a:pPr algn="ctr"/>
+                      <a:r>
+                        <a:rPr lang="en-US" sz="1200" dirty="0"/>
+                        <a:t>score2_1920</a:t>
+                      </a:r>
+                    </a:p>
+                  </a:txBody>
+                  <a:tcPr/>
+                </a:tc>
+                <a:tc>
+                  <a:txBody>
+                    <a:bodyPr/>
+                    <a:lstStyle/>
+                    <a:p>
+                      <a:pPr algn="ctr"/>
+                      <a:r>
+                        <a:rPr lang="en-US" sz="1200" dirty="0"/>
+                        <a:t>score3_1920</a:t>
+                      </a:r>
+                    </a:p>
+                  </a:txBody>
+                  <a:tcPr/>
+                </a:tc>
+                <a:extLst>
+                  <a:ext uri="{0D108BD9-81ED-4DB2-BD59-A6C34878D82A}">
+                    <a16:rowId xmlns:a16="http://schemas.microsoft.com/office/drawing/2014/main" val="422161898"/>
+                  </a:ext>
+                </a:extLst>
+              </a:tr>
+              <a:tr h="409907">
+                <a:tc>
+                  <a:txBody>
+                    <a:bodyPr/>
+                    <a:lstStyle/>
+                    <a:p>
+                      <a:r>
+                        <a:rPr lang="en-US" dirty="0"/>
+                        <a:t>2345</a:t>
+                      </a:r>
+                    </a:p>
+                  </a:txBody>
+                  <a:tcPr/>
+                </a:tc>
+                <a:tc>
+                  <a:txBody>
+                    <a:bodyPr/>
+                    <a:lstStyle/>
+                    <a:p>
+                      <a:r>
+                        <a:rPr lang="en-US" dirty="0"/>
+                        <a:t>200</a:t>
+                      </a:r>
+                    </a:p>
+                  </a:txBody>
+                  <a:tcPr/>
+                </a:tc>
+                <a:tc>
+                  <a:txBody>
+                    <a:bodyPr/>
+                    <a:lstStyle/>
+                    <a:p>
+                      <a:r>
+                        <a:rPr lang="en-US" dirty="0"/>
+                        <a:t>300</a:t>
+                      </a:r>
+                    </a:p>
+                  </a:txBody>
+                  <a:tcPr/>
+                </a:tc>
+                <a:tc>
+                  <a:txBody>
+                    <a:bodyPr/>
+                    <a:lstStyle/>
+                    <a:p>
+                      <a:r>
+                        <a:rPr lang="en-US" dirty="0"/>
+                        <a:t>247</a:t>
+                      </a:r>
+                    </a:p>
+                  </a:txBody>
+                  <a:tcPr/>
+                </a:tc>
+                <a:tc>
+                  <a:txBody>
+                    <a:bodyPr/>
+                    <a:lstStyle/>
+                    <a:p>
+                      <a:r>
+                        <a:rPr lang="en-US" dirty="0"/>
+                        <a:t>220</a:t>
+                      </a:r>
+                    </a:p>
+                  </a:txBody>
+                  <a:tcPr/>
+                </a:tc>
+                <a:tc>
+                  <a:txBody>
+                    <a:bodyPr/>
+                    <a:lstStyle/>
+                    <a:p>
+                      <a:r>
+                        <a:rPr lang="en-US" dirty="0"/>
+                        <a:t>301</a:t>
+                      </a:r>
+                    </a:p>
+                  </a:txBody>
+                  <a:tcPr/>
+                </a:tc>
+                <a:tc>
+                  <a:txBody>
+                    <a:bodyPr/>
+                    <a:lstStyle/>
+                    <a:p>
+                      <a:r>
+                        <a:rPr lang="en-US" dirty="0"/>
+                        <a:t>250</a:t>
+                      </a:r>
+                    </a:p>
+                  </a:txBody>
+                  <a:tcPr/>
+                </a:tc>
+                <a:extLst>
+                  <a:ext uri="{0D108BD9-81ED-4DB2-BD59-A6C34878D82A}">
+                    <a16:rowId xmlns:a16="http://schemas.microsoft.com/office/drawing/2014/main" val="2045359004"/>
+                  </a:ext>
+                </a:extLst>
+              </a:tr>
+              <a:tr h="409907">
+                <a:tc>
+                  <a:txBody>
+                    <a:bodyPr/>
+                    <a:lstStyle/>
+                    <a:p>
+                      <a:r>
+                        <a:rPr lang="en-US" dirty="0"/>
+                        <a:t>2346</a:t>
+                      </a:r>
+                    </a:p>
+                  </a:txBody>
+                  <a:tcPr/>
+                </a:tc>
+                <a:tc>
+                  <a:txBody>
+                    <a:bodyPr/>
+                    <a:lstStyle/>
+                    <a:p>
+                      <a:r>
+                        <a:rPr lang="en-US" dirty="0"/>
+                        <a:t>256</a:t>
+                      </a:r>
+                    </a:p>
+                  </a:txBody>
+                  <a:tcPr/>
+                </a:tc>
+                <a:tc>
+                  <a:txBody>
+                    <a:bodyPr/>
+                    <a:lstStyle/>
+                    <a:p>
+                      <a:r>
+                        <a:rPr lang="en-US" dirty="0"/>
+                        <a:t>302</a:t>
+                      </a:r>
+                    </a:p>
+                  </a:txBody>
+                  <a:tcPr/>
+                </a:tc>
+                <a:tc>
+                  <a:txBody>
+                    <a:bodyPr/>
+                    <a:lstStyle/>
+                    <a:p>
+                      <a:r>
+                        <a:rPr lang="en-US" dirty="0"/>
+                        <a:t>253</a:t>
+                      </a:r>
+                    </a:p>
+                  </a:txBody>
+                  <a:tcPr/>
+                </a:tc>
+                <a:tc>
+                  <a:txBody>
+                    <a:bodyPr/>
+                    <a:lstStyle/>
+                    <a:p>
+                      <a:r>
+                        <a:rPr lang="en-US" dirty="0"/>
+                        <a:t>NA</a:t>
+                      </a:r>
+                    </a:p>
+                  </a:txBody>
+                  <a:tcPr/>
+                </a:tc>
+                <a:tc>
+                  <a:txBody>
+                    <a:bodyPr/>
+                    <a:lstStyle/>
+                    <a:p>
+                      <a:r>
+                        <a:rPr lang="en-US" dirty="0"/>
+                        <a:t>NA</a:t>
+                      </a:r>
+                    </a:p>
+                  </a:txBody>
+                  <a:tcPr/>
+                </a:tc>
+                <a:tc>
+                  <a:txBody>
+                    <a:bodyPr/>
+                    <a:lstStyle/>
+                    <a:p>
+                      <a:r>
+                        <a:rPr lang="en-US" dirty="0"/>
+                        <a:t>NA</a:t>
+                      </a:r>
+                    </a:p>
+                  </a:txBody>
+                  <a:tcPr/>
+                </a:tc>
+                <a:extLst>
+                  <a:ext uri="{0D108BD9-81ED-4DB2-BD59-A6C34878D82A}">
+                    <a16:rowId xmlns:a16="http://schemas.microsoft.com/office/drawing/2014/main" val="163592478"/>
+                  </a:ext>
+                </a:extLst>
+              </a:tr>
+              <a:tr h="409907">
+                <a:tc>
+                  <a:txBody>
+                    <a:bodyPr/>
+                    <a:lstStyle/>
+                    <a:p>
+                      <a:r>
+                        <a:rPr lang="en-US" dirty="0"/>
+                        <a:t>2347</a:t>
+                      </a:r>
+                    </a:p>
+                  </a:txBody>
+                  <a:tcPr/>
+                </a:tc>
+                <a:tc>
+                  <a:txBody>
+                    <a:bodyPr/>
+                    <a:lstStyle/>
+                    <a:p>
+                      <a:r>
+                        <a:rPr lang="en-US" dirty="0"/>
+                        <a:t>231</a:t>
+                      </a:r>
+                    </a:p>
+                  </a:txBody>
+                  <a:tcPr/>
+                </a:tc>
+                <a:tc>
+                  <a:txBody>
+                    <a:bodyPr/>
+                    <a:lstStyle/>
+                    <a:p>
+                      <a:r>
+                        <a:rPr lang="en-US" dirty="0"/>
+                        <a:t>278</a:t>
+                      </a:r>
+                    </a:p>
+                  </a:txBody>
+                  <a:tcPr/>
+                </a:tc>
+                <a:tc>
+                  <a:txBody>
+                    <a:bodyPr/>
+                    <a:lstStyle/>
+                    <a:p>
+                      <a:r>
+                        <a:rPr lang="en-US" dirty="0"/>
+                        <a:t>280</a:t>
+                      </a:r>
+                    </a:p>
+                  </a:txBody>
+                  <a:tcPr/>
+                </a:tc>
+                <a:tc>
+                  <a:txBody>
+                    <a:bodyPr/>
+                    <a:lstStyle/>
+                    <a:p>
+                      <a:r>
+                        <a:rPr lang="en-US" dirty="0"/>
+                        <a:t>270</a:t>
+                      </a:r>
+                    </a:p>
+                  </a:txBody>
+                  <a:tcPr/>
+                </a:tc>
+                <a:tc>
+                  <a:txBody>
+                    <a:bodyPr/>
+                    <a:lstStyle/>
+                    <a:p>
+                      <a:r>
+                        <a:rPr lang="en-US" dirty="0"/>
+                        <a:t>330</a:t>
+                      </a:r>
+                    </a:p>
+                  </a:txBody>
+                  <a:tcPr/>
+                </a:tc>
+                <a:tc>
+                  <a:txBody>
+                    <a:bodyPr/>
+                    <a:lstStyle/>
+                    <a:p>
+                      <a:r>
+                        <a:rPr lang="en-US" dirty="0"/>
+                        <a:t>247</a:t>
+                      </a:r>
+                    </a:p>
+                  </a:txBody>
+                  <a:tcPr/>
+                </a:tc>
+                <a:extLst>
+                  <a:ext uri="{0D108BD9-81ED-4DB2-BD59-A6C34878D82A}">
+                    <a16:rowId xmlns:a16="http://schemas.microsoft.com/office/drawing/2014/main" val="974289936"/>
+                  </a:ext>
+                </a:extLst>
+              </a:tr>
+              <a:tr h="409907">
+                <a:tc>
+                  <a:txBody>
+                    <a:bodyPr/>
+                    <a:lstStyle/>
+                    <a:p>
+                      <a:r>
+                        <a:rPr lang="en-US" dirty="0"/>
+                        <a:t>2348</a:t>
+                      </a:r>
+                    </a:p>
+                  </a:txBody>
+                  <a:tcPr/>
+                </a:tc>
+                <a:tc>
+                  <a:txBody>
+                    <a:bodyPr/>
+                    <a:lstStyle/>
+                    <a:p>
+                      <a:r>
+                        <a:rPr lang="en-US" dirty="0"/>
+                        <a:t>258</a:t>
+                      </a:r>
+                    </a:p>
+                  </a:txBody>
+                  <a:tcPr/>
+                </a:tc>
+                <a:tc>
+                  <a:txBody>
+                    <a:bodyPr/>
+                    <a:lstStyle/>
+                    <a:p>
+                      <a:r>
+                        <a:rPr lang="en-US" dirty="0"/>
+                        <a:t>269</a:t>
+                      </a:r>
+                    </a:p>
+                  </a:txBody>
+                  <a:tcPr/>
+                </a:tc>
+                <a:tc>
+                  <a:txBody>
+                    <a:bodyPr/>
+                    <a:lstStyle/>
+                    <a:p>
+                      <a:r>
+                        <a:rPr lang="en-US" dirty="0"/>
+                        <a:t>290</a:t>
+                      </a:r>
+                    </a:p>
+                  </a:txBody>
+                  <a:tcPr/>
+                </a:tc>
+                <a:tc>
+                  <a:txBody>
+                    <a:bodyPr/>
+                    <a:lstStyle/>
+                    <a:p>
+                      <a:r>
+                        <a:rPr lang="en-US" dirty="0"/>
+                        <a:t>241</a:t>
+                      </a:r>
+                    </a:p>
+                  </a:txBody>
+                  <a:tcPr/>
+                </a:tc>
+                <a:tc>
+                  <a:txBody>
+                    <a:bodyPr/>
+                    <a:lstStyle/>
+                    <a:p>
+                      <a:r>
+                        <a:rPr lang="en-US" dirty="0"/>
+                        <a:t>270</a:t>
+                      </a:r>
+                    </a:p>
+                  </a:txBody>
+                  <a:tcPr/>
+                </a:tc>
+                <a:tc>
+                  <a:txBody>
+                    <a:bodyPr/>
+                    <a:lstStyle/>
+                    <a:p>
+                      <a:r>
+                        <a:rPr lang="en-US" dirty="0"/>
+                        <a:t>300</a:t>
+                      </a:r>
+                    </a:p>
+                  </a:txBody>
+                  <a:tcPr/>
+                </a:tc>
+                <a:extLst>
+                  <a:ext uri="{0D108BD9-81ED-4DB2-BD59-A6C34878D82A}">
+                    <a16:rowId xmlns:a16="http://schemas.microsoft.com/office/drawing/2014/main" val="1613831156"/>
+                  </a:ext>
+                </a:extLst>
+              </a:tr>
+              <a:tr h="409907">
+                <a:tc>
+                  <a:txBody>
+                    <a:bodyPr/>
+                    <a:lstStyle/>
+                    <a:p>
+                      <a:r>
+                        <a:rPr lang="en-US" b="0" dirty="0">
+                          <a:solidFill>
+                            <a:schemeClr val="tx1"/>
+                          </a:solidFill>
+                        </a:rPr>
+                        <a:t>2349</a:t>
+                      </a:r>
+                    </a:p>
+                  </a:txBody>
+                  <a:tcPr/>
+                </a:tc>
+                <a:tc>
+                  <a:txBody>
+                    <a:bodyPr/>
+                    <a:lstStyle/>
+                    <a:p>
+                      <a:r>
+                        <a:rPr lang="en-US" b="0" dirty="0">
+                          <a:solidFill>
+                            <a:schemeClr val="tx1"/>
+                          </a:solidFill>
+                        </a:rPr>
+                        <a:t>NA</a:t>
+                      </a:r>
+                    </a:p>
+                  </a:txBody>
+                  <a:tcPr/>
+                </a:tc>
+                <a:tc>
+                  <a:txBody>
+                    <a:bodyPr/>
+                    <a:lstStyle/>
+                    <a:p>
+                      <a:r>
+                        <a:rPr lang="en-US" b="0" dirty="0">
+                          <a:solidFill>
+                            <a:schemeClr val="tx1"/>
+                          </a:solidFill>
+                        </a:rPr>
+                        <a:t>NA</a:t>
+                      </a:r>
+                    </a:p>
+                  </a:txBody>
+                  <a:tcPr/>
+                </a:tc>
+                <a:tc>
+                  <a:txBody>
+                    <a:bodyPr/>
+                    <a:lstStyle/>
+                    <a:p>
+                      <a:r>
+                        <a:rPr lang="en-US" b="0" dirty="0">
+                          <a:solidFill>
+                            <a:schemeClr val="tx1"/>
+                          </a:solidFill>
+                        </a:rPr>
+                        <a:t>NA</a:t>
+                      </a:r>
+                    </a:p>
+                  </a:txBody>
+                  <a:tcPr/>
+                </a:tc>
+                <a:tc>
+                  <a:txBody>
+                    <a:bodyPr/>
+                    <a:lstStyle/>
+                    <a:p>
+                      <a:r>
+                        <a:rPr lang="en-US" sz="1800" b="0" dirty="0">
+                          <a:solidFill>
+                            <a:schemeClr val="tx1"/>
+                          </a:solidFill>
+                        </a:rPr>
+                        <a:t>272</a:t>
+                      </a:r>
+                    </a:p>
+                  </a:txBody>
+                  <a:tcPr/>
+                </a:tc>
+                <a:tc>
+                  <a:txBody>
+                    <a:bodyPr/>
+                    <a:lstStyle/>
+                    <a:p>
+                      <a:r>
+                        <a:rPr lang="en-US" sz="1800" b="0" dirty="0">
+                          <a:solidFill>
+                            <a:schemeClr val="tx1"/>
+                          </a:solidFill>
+                        </a:rPr>
+                        <a:t>326</a:t>
+                      </a:r>
+                    </a:p>
+                  </a:txBody>
+                  <a:tcPr/>
+                </a:tc>
+                <a:tc>
+                  <a:txBody>
+                    <a:bodyPr/>
+                    <a:lstStyle/>
+                    <a:p>
+                      <a:r>
+                        <a:rPr lang="en-US" sz="1800" b="0" dirty="0">
+                          <a:solidFill>
+                            <a:schemeClr val="tx1"/>
+                          </a:solidFill>
+                        </a:rPr>
+                        <a:t>219</a:t>
+                      </a:r>
+                    </a:p>
+                  </a:txBody>
+                  <a:tcPr/>
+                </a:tc>
+                <a:extLst>
+                  <a:ext uri="{0D108BD9-81ED-4DB2-BD59-A6C34878D82A}">
+                    <a16:rowId xmlns:a16="http://schemas.microsoft.com/office/drawing/2014/main" val="2558198439"/>
+                  </a:ext>
+                </a:extLst>
+              </a:tr>
+            </a:tbl>
+          </a:graphicData>
+        </a:graphic>
+      </p:graphicFrame>
+      <p:cxnSp>
+        <p:nvCxnSpPr>
+          <p:cNvPr id="8" name="Straight Arrow Connector 7">
+            <a:extLst>
+              <a:ext uri="{FF2B5EF4-FFF2-40B4-BE49-F238E27FC236}">
+                <a16:creationId xmlns:a16="http://schemas.microsoft.com/office/drawing/2014/main" id="{3C961E51-BFF2-B4BF-B47B-296639110613}"/>
+              </a:ext>
+            </a:extLst>
+          </p:cNvPr>
+          <p:cNvCxnSpPr>
+            <a:cxnSpLocks/>
+          </p:cNvCxnSpPr>
+          <p:nvPr/>
+        </p:nvCxnSpPr>
+        <p:spPr>
+          <a:xfrm>
+            <a:off x="7087625" y="1311934"/>
+            <a:ext cx="0" cy="699529"/>
+          </a:xfrm>
+          <a:prstGeom prst="straightConnector1">
+            <a:avLst/>
+          </a:prstGeom>
+          <a:ln>
+            <a:tailEnd type="triangle"/>
+          </a:ln>
+        </p:spPr>
+        <p:style>
+          <a:lnRef idx="3">
+            <a:schemeClr val="accent4"/>
+          </a:lnRef>
+          <a:fillRef idx="0">
+            <a:schemeClr val="accent4"/>
+          </a:fillRef>
+          <a:effectRef idx="2">
+            <a:schemeClr val="accent4"/>
+          </a:effectRef>
+          <a:fontRef idx="minor">
+            <a:schemeClr val="tx1"/>
+          </a:fontRef>
+        </p:style>
+      </p:cxnSp>
+      <p:sp>
+        <p:nvSpPr>
+          <p:cNvPr id="9" name="TextBox 8">
+            <a:extLst>
+              <a:ext uri="{FF2B5EF4-FFF2-40B4-BE49-F238E27FC236}">
+                <a16:creationId xmlns:a16="http://schemas.microsoft.com/office/drawing/2014/main" id="{BD2050C4-7325-923E-516A-F5C302EF66AF}"/>
+              </a:ext>
+            </a:extLst>
+          </p:cNvPr>
+          <p:cNvSpPr txBox="1"/>
+          <p:nvPr/>
+        </p:nvSpPr>
+        <p:spPr>
+          <a:xfrm>
+            <a:off x="6404117" y="938260"/>
+            <a:ext cx="1391571" cy="369332"/>
+          </a:xfrm>
+          <a:prstGeom prst="rect">
+            <a:avLst/>
+          </a:prstGeom>
+          <a:noFill/>
+        </p:spPr>
+        <p:txBody>
+          <a:bodyPr wrap="square" rtlCol="0">
+            <a:spAutoFit/>
+          </a:bodyPr>
+          <a:lstStyle/>
+          <a:p>
+            <a:r>
+              <a:rPr lang="en-US" dirty="0"/>
+              <a:t>names_sep</a:t>
+            </a:r>
+          </a:p>
+        </p:txBody>
+      </p:sp>
+    </p:spTree>
+    <p:extLst>
+      <p:ext uri="{BB962C8B-B14F-4D97-AF65-F5344CB8AC3E}">
+        <p14:creationId xmlns:p14="http://schemas.microsoft.com/office/powerpoint/2010/main" val="500992397"/>
+      </p:ext>
+    </p:extLst>
+  </p:cSld>
+  <p:clrMapOvr>
+    <a:masterClrMapping/>
+  </p:clrMapOvr>
+</p:sld>
+</file>
+
 <file path=ppt/slides/slide3.xml><?xml version="1.0" encoding="utf-8"?>
 <p:sld xmlns:a="http://schemas.openxmlformats.org/drawingml/2006/main" xmlns:r="http://schemas.openxmlformats.org/officeDocument/2006/relationships" xmlns:p="http://schemas.openxmlformats.org/presentationml/2006/main">
   <p:cSld>
